--- a/DS6040_Bayesian ML for Docking Score.pptx
+++ b/DS6040_Bayesian ML for Docking Score.pptx
@@ -5,7 +5,7 @@
     <p:sldMasterId id="2147483661" r:id="rId4"/>
   </p:sldMasterIdLst>
   <p:notesMasterIdLst>
-    <p:notesMasterId r:id="rId19"/>
+    <p:notesMasterId r:id="rId21"/>
   </p:notesMasterIdLst>
   <p:sldIdLst>
     <p:sldId id="256" r:id="rId5"/>
@@ -15,13 +15,15 @@
     <p:sldId id="357" r:id="rId9"/>
     <p:sldId id="358" r:id="rId10"/>
     <p:sldId id="356" r:id="rId11"/>
-    <p:sldId id="362" r:id="rId12"/>
-    <p:sldId id="363" r:id="rId13"/>
-    <p:sldId id="364" r:id="rId14"/>
-    <p:sldId id="365" r:id="rId15"/>
-    <p:sldId id="353" r:id="rId16"/>
-    <p:sldId id="366" r:id="rId17"/>
-    <p:sldId id="301" r:id="rId18"/>
+    <p:sldId id="367" r:id="rId12"/>
+    <p:sldId id="362" r:id="rId13"/>
+    <p:sldId id="363" r:id="rId14"/>
+    <p:sldId id="364" r:id="rId15"/>
+    <p:sldId id="368" r:id="rId16"/>
+    <p:sldId id="365" r:id="rId17"/>
+    <p:sldId id="353" r:id="rId18"/>
+    <p:sldId id="366" r:id="rId19"/>
+    <p:sldId id="301" r:id="rId20"/>
   </p:sldIdLst>
   <p:sldSz cx="12192000" cy="6858000"/>
   <p:notesSz cx="6858000" cy="9144000"/>
@@ -262,10 +264,16 @@
 </p:presentation>
 </file>
 
+<file path=ppt/authors.xml><?xml version="1.0" encoding="utf-8"?>
+<p188:authorLst xmlns:a="http://schemas.openxmlformats.org/drawingml/2006/main" xmlns:r="http://schemas.openxmlformats.org/officeDocument/2006/relationships" xmlns:p188="http://schemas.microsoft.com/office/powerpoint/2018/8/main">
+  <p188:author id="{6BA60550-ADB3-90A8-2D8F-2B807E1617C5}" name="Ohashi, Naomi (fju4ek)" initials="NO" userId="S::fju4ek@virginia.edu::f42a8710-aefb-48d6-a28a-53d71dfc3c31" providerId="AD"/>
+</p188:authorLst>
+</file>
+
 <file path=ppt/revisionInfo.xml><?xml version="1.0" encoding="utf-8"?>
 <p1510:revInfo xmlns:a="http://schemas.openxmlformats.org/drawingml/2006/main" xmlns:r="http://schemas.openxmlformats.org/officeDocument/2006/relationships" xmlns:p1510="http://schemas.microsoft.com/office/powerpoint/2015/10/main">
   <p1510:revLst>
-    <p1510:client id="{95B6F2A5-FB68-4358-8492-CA41FD66844B}" v="309" dt="2023-12-01T07:59:37.019"/>
+    <p1510:client id="{95B6F2A5-FB68-4358-8492-CA41FD66844B}" v="343" dt="2023-12-02T07:13:56.007"/>
   </p1510:revLst>
 </p1510:revInfo>
 </file>
@@ -274,8 +282,8 @@
 <pc:chgInfo xmlns:a="http://schemas.openxmlformats.org/drawingml/2006/main" xmlns:r="http://schemas.openxmlformats.org/officeDocument/2006/relationships" xmlns:ac="http://schemas.microsoft.com/office/drawing/2013/main/command" xmlns:pc="http://schemas.microsoft.com/office/powerpoint/2013/main/command">
   <pc:docChgLst>
     <pc:chgData name="Ohashi, Naomi (fju4ek)" userId="f42a8710-aefb-48d6-a28a-53d71dfc3c31" providerId="ADAL" clId="{95B6F2A5-FB68-4358-8492-CA41FD66844B}"/>
-    <pc:docChg chg="undo redo custSel addSld delSld modSld sldOrd">
-      <pc:chgData name="Ohashi, Naomi (fju4ek)" userId="f42a8710-aefb-48d6-a28a-53d71dfc3c31" providerId="ADAL" clId="{95B6F2A5-FB68-4358-8492-CA41FD66844B}" dt="2023-12-01T21:02:13.902" v="4710" actId="20577"/>
+    <pc:docChg chg="undo redo custSel addSld delSld modSld sldOrd modMainMaster">
+      <pc:chgData name="Ohashi, Naomi (fju4ek)" userId="f42a8710-aefb-48d6-a28a-53d71dfc3c31" providerId="ADAL" clId="{95B6F2A5-FB68-4358-8492-CA41FD66844B}" dt="2023-12-02T07:18:03.783" v="6210"/>
       <pc:docMkLst>
         <pc:docMk/>
       </pc:docMkLst>
@@ -319,13 +327,13 @@
         </pc:spChg>
       </pc:sldChg>
       <pc:sldChg chg="addSp delSp modSp add mod">
-        <pc:chgData name="Ohashi, Naomi (fju4ek)" userId="f42a8710-aefb-48d6-a28a-53d71dfc3c31" providerId="ADAL" clId="{95B6F2A5-FB68-4358-8492-CA41FD66844B}" dt="2023-12-01T20:55:00.273" v="4671" actId="20577"/>
+        <pc:chgData name="Ohashi, Naomi (fju4ek)" userId="f42a8710-aefb-48d6-a28a-53d71dfc3c31" providerId="ADAL" clId="{95B6F2A5-FB68-4358-8492-CA41FD66844B}" dt="2023-12-02T06:35:33.984" v="6003" actId="20577"/>
         <pc:sldMkLst>
           <pc:docMk/>
           <pc:sldMk cId="4130658818" sldId="296"/>
         </pc:sldMkLst>
         <pc:spChg chg="mod">
-          <ac:chgData name="Ohashi, Naomi (fju4ek)" userId="f42a8710-aefb-48d6-a28a-53d71dfc3c31" providerId="ADAL" clId="{95B6F2A5-FB68-4358-8492-CA41FD66844B}" dt="2023-12-01T04:58:49.139" v="2610" actId="20577"/>
+          <ac:chgData name="Ohashi, Naomi (fju4ek)" userId="f42a8710-aefb-48d6-a28a-53d71dfc3c31" providerId="ADAL" clId="{95B6F2A5-FB68-4358-8492-CA41FD66844B}" dt="2023-12-02T05:14:00.578" v="4932"/>
           <ac:spMkLst>
             <pc:docMk/>
             <pc:sldMk cId="4130658818" sldId="296"/>
@@ -341,7 +349,7 @@
           </ac:spMkLst>
         </pc:spChg>
         <pc:spChg chg="mod">
-          <ac:chgData name="Ohashi, Naomi (fju4ek)" userId="f42a8710-aefb-48d6-a28a-53d71dfc3c31" providerId="ADAL" clId="{95B6F2A5-FB68-4358-8492-CA41FD66844B}" dt="2023-12-01T20:55:00.273" v="4671" actId="20577"/>
+          <ac:chgData name="Ohashi, Naomi (fju4ek)" userId="f42a8710-aefb-48d6-a28a-53d71dfc3c31" providerId="ADAL" clId="{95B6F2A5-FB68-4358-8492-CA41FD66844B}" dt="2023-12-02T06:35:33.984" v="6003" actId="20577"/>
           <ac:spMkLst>
             <pc:docMk/>
             <pc:sldMk cId="4130658818" sldId="296"/>
@@ -397,7 +405,7 @@
           </ac:spMkLst>
         </pc:spChg>
         <pc:spChg chg="mod">
-          <ac:chgData name="Ohashi, Naomi (fju4ek)" userId="f42a8710-aefb-48d6-a28a-53d71dfc3c31" providerId="ADAL" clId="{95B6F2A5-FB68-4358-8492-CA41FD66844B}" dt="2023-11-30T08:32:21.056" v="1962"/>
+          <ac:chgData name="Ohashi, Naomi (fju4ek)" userId="f42a8710-aefb-48d6-a28a-53d71dfc3c31" providerId="ADAL" clId="{95B6F2A5-FB68-4358-8492-CA41FD66844B}" dt="2023-12-02T05:14:00.578" v="4932"/>
           <ac:spMkLst>
             <pc:docMk/>
             <pc:sldMk cId="4130658818" sldId="296"/>
@@ -405,7 +413,7 @@
           </ac:spMkLst>
         </pc:spChg>
         <pc:spChg chg="mod">
-          <ac:chgData name="Ohashi, Naomi (fju4ek)" userId="f42a8710-aefb-48d6-a28a-53d71dfc3c31" providerId="ADAL" clId="{95B6F2A5-FB68-4358-8492-CA41FD66844B}" dt="2023-11-30T08:32:21.056" v="1962"/>
+          <ac:chgData name="Ohashi, Naomi (fju4ek)" userId="f42a8710-aefb-48d6-a28a-53d71dfc3c31" providerId="ADAL" clId="{95B6F2A5-FB68-4358-8492-CA41FD66844B}" dt="2023-12-02T05:14:00.578" v="4932"/>
           <ac:spMkLst>
             <pc:docMk/>
             <pc:sldMk cId="4130658818" sldId="296"/>
@@ -413,7 +421,7 @@
           </ac:spMkLst>
         </pc:spChg>
         <pc:spChg chg="mod">
-          <ac:chgData name="Ohashi, Naomi (fju4ek)" userId="f42a8710-aefb-48d6-a28a-53d71dfc3c31" providerId="ADAL" clId="{95B6F2A5-FB68-4358-8492-CA41FD66844B}" dt="2023-11-30T08:32:21.056" v="1962"/>
+          <ac:chgData name="Ohashi, Naomi (fju4ek)" userId="f42a8710-aefb-48d6-a28a-53d71dfc3c31" providerId="ADAL" clId="{95B6F2A5-FB68-4358-8492-CA41FD66844B}" dt="2023-12-02T05:14:00.578" v="4932"/>
           <ac:spMkLst>
             <pc:docMk/>
             <pc:sldMk cId="4130658818" sldId="296"/>
@@ -772,13 +780,13 @@
         </pc:spChg>
       </pc:sldChg>
       <pc:sldChg chg="addSp delSp modSp add del mod delAnim modShow">
-        <pc:chgData name="Ohashi, Naomi (fju4ek)" userId="f42a8710-aefb-48d6-a28a-53d71dfc3c31" providerId="ADAL" clId="{95B6F2A5-FB68-4358-8492-CA41FD66844B}" dt="2023-12-01T05:19:28.404" v="3019" actId="729"/>
+        <pc:chgData name="Ohashi, Naomi (fju4ek)" userId="f42a8710-aefb-48d6-a28a-53d71dfc3c31" providerId="ADAL" clId="{95B6F2A5-FB68-4358-8492-CA41FD66844B}" dt="2023-12-02T05:14:00.578" v="4932"/>
         <pc:sldMkLst>
           <pc:docMk/>
           <pc:sldMk cId="2108516484" sldId="353"/>
         </pc:sldMkLst>
         <pc:spChg chg="add mod">
-          <ac:chgData name="Ohashi, Naomi (fju4ek)" userId="f42a8710-aefb-48d6-a28a-53d71dfc3c31" providerId="ADAL" clId="{95B6F2A5-FB68-4358-8492-CA41FD66844B}" dt="2023-12-01T05:18:52.489" v="3012"/>
+          <ac:chgData name="Ohashi, Naomi (fju4ek)" userId="f42a8710-aefb-48d6-a28a-53d71dfc3c31" providerId="ADAL" clId="{95B6F2A5-FB68-4358-8492-CA41FD66844B}" dt="2023-12-02T05:14:00.578" v="4932"/>
           <ac:spMkLst>
             <pc:docMk/>
             <pc:sldMk cId="2108516484" sldId="353"/>
@@ -986,7 +994,7 @@
         </pc:spChg>
       </pc:sldChg>
       <pc:sldChg chg="addSp modSp add mod modNotesTx">
-        <pc:chgData name="Ohashi, Naomi (fju4ek)" userId="f42a8710-aefb-48d6-a28a-53d71dfc3c31" providerId="ADAL" clId="{95B6F2A5-FB68-4358-8492-CA41FD66844B}" dt="2023-12-01T06:49:49.564" v="4295"/>
+        <pc:chgData name="Ohashi, Naomi (fju4ek)" userId="f42a8710-aefb-48d6-a28a-53d71dfc3c31" providerId="ADAL" clId="{95B6F2A5-FB68-4358-8492-CA41FD66844B}" dt="2023-12-02T05:30:33.350" v="5083"/>
         <pc:sldMkLst>
           <pc:docMk/>
           <pc:sldMk cId="283028520" sldId="355"/>
@@ -1000,7 +1008,7 @@
           </ac:spMkLst>
         </pc:spChg>
         <pc:spChg chg="mod">
-          <ac:chgData name="Ohashi, Naomi (fju4ek)" userId="f42a8710-aefb-48d6-a28a-53d71dfc3c31" providerId="ADAL" clId="{95B6F2A5-FB68-4358-8492-CA41FD66844B}" dt="2023-12-01T05:19:49.639" v="3020" actId="14100"/>
+          <ac:chgData name="Ohashi, Naomi (fju4ek)" userId="f42a8710-aefb-48d6-a28a-53d71dfc3c31" providerId="ADAL" clId="{95B6F2A5-FB68-4358-8492-CA41FD66844B}" dt="2023-12-02T05:30:33.350" v="5083"/>
           <ac:spMkLst>
             <pc:docMk/>
             <pc:sldMk cId="283028520" sldId="355"/>
@@ -1016,7 +1024,7 @@
           </ac:spMkLst>
         </pc:spChg>
         <pc:spChg chg="mod">
-          <ac:chgData name="Ohashi, Naomi (fju4ek)" userId="f42a8710-aefb-48d6-a28a-53d71dfc3c31" providerId="ADAL" clId="{95B6F2A5-FB68-4358-8492-CA41FD66844B}" dt="2023-11-30T08:32:21.056" v="1962"/>
+          <ac:chgData name="Ohashi, Naomi (fju4ek)" userId="f42a8710-aefb-48d6-a28a-53d71dfc3c31" providerId="ADAL" clId="{95B6F2A5-FB68-4358-8492-CA41FD66844B}" dt="2023-12-02T05:14:00.578" v="4932"/>
           <ac:spMkLst>
             <pc:docMk/>
             <pc:sldMk cId="283028520" sldId="355"/>
@@ -1024,7 +1032,7 @@
           </ac:spMkLst>
         </pc:spChg>
         <pc:spChg chg="mod">
-          <ac:chgData name="Ohashi, Naomi (fju4ek)" userId="f42a8710-aefb-48d6-a28a-53d71dfc3c31" providerId="ADAL" clId="{95B6F2A5-FB68-4358-8492-CA41FD66844B}" dt="2023-11-30T08:32:21.056" v="1962"/>
+          <ac:chgData name="Ohashi, Naomi (fju4ek)" userId="f42a8710-aefb-48d6-a28a-53d71dfc3c31" providerId="ADAL" clId="{95B6F2A5-FB68-4358-8492-CA41FD66844B}" dt="2023-12-02T05:14:00.578" v="4932"/>
           <ac:spMkLst>
             <pc:docMk/>
             <pc:sldMk cId="283028520" sldId="355"/>
@@ -1032,7 +1040,7 @@
           </ac:spMkLst>
         </pc:spChg>
         <pc:spChg chg="mod">
-          <ac:chgData name="Ohashi, Naomi (fju4ek)" userId="f42a8710-aefb-48d6-a28a-53d71dfc3c31" providerId="ADAL" clId="{95B6F2A5-FB68-4358-8492-CA41FD66844B}" dt="2023-11-30T08:32:21.056" v="1962"/>
+          <ac:chgData name="Ohashi, Naomi (fju4ek)" userId="f42a8710-aefb-48d6-a28a-53d71dfc3c31" providerId="ADAL" clId="{95B6F2A5-FB68-4358-8492-CA41FD66844B}" dt="2023-12-02T05:14:00.578" v="4932"/>
           <ac:spMkLst>
             <pc:docMk/>
             <pc:sldMk cId="283028520" sldId="355"/>
@@ -1071,7 +1079,7 @@
         </pc:sldMkLst>
       </pc:sldChg>
       <pc:sldChg chg="addSp delSp modSp add mod ord modNotesTx">
-        <pc:chgData name="Ohashi, Naomi (fju4ek)" userId="f42a8710-aefb-48d6-a28a-53d71dfc3c31" providerId="ADAL" clId="{95B6F2A5-FB68-4358-8492-CA41FD66844B}" dt="2023-12-01T21:02:13.902" v="4710" actId="20577"/>
+        <pc:chgData name="Ohashi, Naomi (fju4ek)" userId="f42a8710-aefb-48d6-a28a-53d71dfc3c31" providerId="ADAL" clId="{95B6F2A5-FB68-4358-8492-CA41FD66844B}" dt="2023-12-02T06:34:07.860" v="5993" actId="6549"/>
         <pc:sldMkLst>
           <pc:docMk/>
           <pc:sldMk cId="3486401100" sldId="356"/>
@@ -1109,7 +1117,7 @@
           </ac:spMkLst>
         </pc:spChg>
         <pc:spChg chg="add mod">
-          <ac:chgData name="Ohashi, Naomi (fju4ek)" userId="f42a8710-aefb-48d6-a28a-53d71dfc3c31" providerId="ADAL" clId="{95B6F2A5-FB68-4358-8492-CA41FD66844B}" dt="2023-12-01T21:02:13.902" v="4710" actId="20577"/>
+          <ac:chgData name="Ohashi, Naomi (fju4ek)" userId="f42a8710-aefb-48d6-a28a-53d71dfc3c31" providerId="ADAL" clId="{95B6F2A5-FB68-4358-8492-CA41FD66844B}" dt="2023-12-02T06:34:07.860" v="5993" actId="6549"/>
           <ac:spMkLst>
             <pc:docMk/>
             <pc:sldMk cId="3486401100" sldId="356"/>
@@ -1117,7 +1125,7 @@
           </ac:spMkLst>
         </pc:spChg>
         <pc:spChg chg="mod">
-          <ac:chgData name="Ohashi, Naomi (fju4ek)" userId="f42a8710-aefb-48d6-a28a-53d71dfc3c31" providerId="ADAL" clId="{95B6F2A5-FB68-4358-8492-CA41FD66844B}" dt="2023-11-30T08:32:21.056" v="1962"/>
+          <ac:chgData name="Ohashi, Naomi (fju4ek)" userId="f42a8710-aefb-48d6-a28a-53d71dfc3c31" providerId="ADAL" clId="{95B6F2A5-FB68-4358-8492-CA41FD66844B}" dt="2023-12-02T05:14:00.578" v="4932"/>
           <ac:spMkLst>
             <pc:docMk/>
             <pc:sldMk cId="3486401100" sldId="356"/>
@@ -1125,7 +1133,7 @@
           </ac:spMkLst>
         </pc:spChg>
         <pc:spChg chg="mod">
-          <ac:chgData name="Ohashi, Naomi (fju4ek)" userId="f42a8710-aefb-48d6-a28a-53d71dfc3c31" providerId="ADAL" clId="{95B6F2A5-FB68-4358-8492-CA41FD66844B}" dt="2023-11-30T08:32:21.056" v="1962"/>
+          <ac:chgData name="Ohashi, Naomi (fju4ek)" userId="f42a8710-aefb-48d6-a28a-53d71dfc3c31" providerId="ADAL" clId="{95B6F2A5-FB68-4358-8492-CA41FD66844B}" dt="2023-12-02T05:14:00.578" v="4932"/>
           <ac:spMkLst>
             <pc:docMk/>
             <pc:sldMk cId="3486401100" sldId="356"/>
@@ -1133,7 +1141,7 @@
           </ac:spMkLst>
         </pc:spChg>
         <pc:spChg chg="mod">
-          <ac:chgData name="Ohashi, Naomi (fju4ek)" userId="f42a8710-aefb-48d6-a28a-53d71dfc3c31" providerId="ADAL" clId="{95B6F2A5-FB68-4358-8492-CA41FD66844B}" dt="2023-11-30T08:32:21.056" v="1962"/>
+          <ac:chgData name="Ohashi, Naomi (fju4ek)" userId="f42a8710-aefb-48d6-a28a-53d71dfc3c31" providerId="ADAL" clId="{95B6F2A5-FB68-4358-8492-CA41FD66844B}" dt="2023-12-02T05:14:00.578" v="4932"/>
           <ac:spMkLst>
             <pc:docMk/>
             <pc:sldMk cId="3486401100" sldId="356"/>
@@ -1164,14 +1172,14 @@
           <pc:sldMk cId="1605565824" sldId="357"/>
         </pc:sldMkLst>
       </pc:sldChg>
-      <pc:sldChg chg="addSp delSp modSp add mod">
-        <pc:chgData name="Ohashi, Naomi (fju4ek)" userId="f42a8710-aefb-48d6-a28a-53d71dfc3c31" providerId="ADAL" clId="{95B6F2A5-FB68-4358-8492-CA41FD66844B}" dt="2023-12-01T07:07:13.593" v="4447" actId="2710"/>
+      <pc:sldChg chg="addSp delSp modSp add mod modNotesTx">
+        <pc:chgData name="Ohashi, Naomi (fju4ek)" userId="f42a8710-aefb-48d6-a28a-53d71dfc3c31" providerId="ADAL" clId="{95B6F2A5-FB68-4358-8492-CA41FD66844B}" dt="2023-12-02T06:34:46.310" v="5997" actId="20577"/>
         <pc:sldMkLst>
           <pc:docMk/>
           <pc:sldMk cId="2509399257" sldId="357"/>
         </pc:sldMkLst>
         <pc:spChg chg="mod">
-          <ac:chgData name="Ohashi, Naomi (fju4ek)" userId="f42a8710-aefb-48d6-a28a-53d71dfc3c31" providerId="ADAL" clId="{95B6F2A5-FB68-4358-8492-CA41FD66844B}" dt="2023-11-30T06:53:54.457" v="991" actId="20577"/>
+          <ac:chgData name="Ohashi, Naomi (fju4ek)" userId="f42a8710-aefb-48d6-a28a-53d71dfc3c31" providerId="ADAL" clId="{95B6F2A5-FB68-4358-8492-CA41FD66844B}" dt="2023-12-02T06:34:46.310" v="5997" actId="20577"/>
           <ac:spMkLst>
             <pc:docMk/>
             <pc:sldMk cId="2509399257" sldId="357"/>
@@ -1179,7 +1187,7 @@
           </ac:spMkLst>
         </pc:spChg>
         <pc:spChg chg="mod">
-          <ac:chgData name="Ohashi, Naomi (fju4ek)" userId="f42a8710-aefb-48d6-a28a-53d71dfc3c31" providerId="ADAL" clId="{95B6F2A5-FB68-4358-8492-CA41FD66844B}" dt="2023-12-01T07:07:13.593" v="4447" actId="2710"/>
+          <ac:chgData name="Ohashi, Naomi (fju4ek)" userId="f42a8710-aefb-48d6-a28a-53d71dfc3c31" providerId="ADAL" clId="{95B6F2A5-FB68-4358-8492-CA41FD66844B}" dt="2023-12-02T05:58:24.281" v="5640" actId="20577"/>
           <ac:spMkLst>
             <pc:docMk/>
             <pc:sldMk cId="2509399257" sldId="357"/>
@@ -1211,7 +1219,7 @@
           </ac:spMkLst>
         </pc:spChg>
         <pc:spChg chg="mod">
-          <ac:chgData name="Ohashi, Naomi (fju4ek)" userId="f42a8710-aefb-48d6-a28a-53d71dfc3c31" providerId="ADAL" clId="{95B6F2A5-FB68-4358-8492-CA41FD66844B}" dt="2023-11-30T08:32:21.056" v="1962"/>
+          <ac:chgData name="Ohashi, Naomi (fju4ek)" userId="f42a8710-aefb-48d6-a28a-53d71dfc3c31" providerId="ADAL" clId="{95B6F2A5-FB68-4358-8492-CA41FD66844B}" dt="2023-12-02T05:14:00.578" v="4932"/>
           <ac:spMkLst>
             <pc:docMk/>
             <pc:sldMk cId="2509399257" sldId="357"/>
@@ -1219,7 +1227,7 @@
           </ac:spMkLst>
         </pc:spChg>
         <pc:spChg chg="mod">
-          <ac:chgData name="Ohashi, Naomi (fju4ek)" userId="f42a8710-aefb-48d6-a28a-53d71dfc3c31" providerId="ADAL" clId="{95B6F2A5-FB68-4358-8492-CA41FD66844B}" dt="2023-11-30T08:32:21.056" v="1962"/>
+          <ac:chgData name="Ohashi, Naomi (fju4ek)" userId="f42a8710-aefb-48d6-a28a-53d71dfc3c31" providerId="ADAL" clId="{95B6F2A5-FB68-4358-8492-CA41FD66844B}" dt="2023-12-02T05:14:00.578" v="4932"/>
           <ac:spMkLst>
             <pc:docMk/>
             <pc:sldMk cId="2509399257" sldId="357"/>
@@ -1227,7 +1235,7 @@
           </ac:spMkLst>
         </pc:spChg>
         <pc:spChg chg="mod">
-          <ac:chgData name="Ohashi, Naomi (fju4ek)" userId="f42a8710-aefb-48d6-a28a-53d71dfc3c31" providerId="ADAL" clId="{95B6F2A5-FB68-4358-8492-CA41FD66844B}" dt="2023-11-30T08:32:21.056" v="1962"/>
+          <ac:chgData name="Ohashi, Naomi (fju4ek)" userId="f42a8710-aefb-48d6-a28a-53d71dfc3c31" providerId="ADAL" clId="{95B6F2A5-FB68-4358-8492-CA41FD66844B}" dt="2023-12-02T05:14:00.578" v="4932"/>
           <ac:spMkLst>
             <pc:docMk/>
             <pc:sldMk cId="2509399257" sldId="357"/>
@@ -1235,7 +1243,7 @@
           </ac:spMkLst>
         </pc:spChg>
         <pc:picChg chg="add mod">
-          <ac:chgData name="Ohashi, Naomi (fju4ek)" userId="f42a8710-aefb-48d6-a28a-53d71dfc3c31" providerId="ADAL" clId="{95B6F2A5-FB68-4358-8492-CA41FD66844B}" dt="2023-11-30T08:35:02.713" v="1993" actId="1076"/>
+          <ac:chgData name="Ohashi, Naomi (fju4ek)" userId="f42a8710-aefb-48d6-a28a-53d71dfc3c31" providerId="ADAL" clId="{95B6F2A5-FB68-4358-8492-CA41FD66844B}" dt="2023-12-02T05:26:38.993" v="5079" actId="14100"/>
           <ac:picMkLst>
             <pc:docMk/>
             <pc:sldMk cId="2509399257" sldId="357"/>
@@ -1258,8 +1266,8 @@
           <pc:sldMk cId="2380898658" sldId="358"/>
         </pc:sldMkLst>
       </pc:sldChg>
-      <pc:sldChg chg="addSp delSp modSp add mod">
-        <pc:chgData name="Ohashi, Naomi (fju4ek)" userId="f42a8710-aefb-48d6-a28a-53d71dfc3c31" providerId="ADAL" clId="{95B6F2A5-FB68-4358-8492-CA41FD66844B}" dt="2023-12-01T20:59:57.805" v="4700" actId="6549"/>
+      <pc:sldChg chg="addSp delSp modSp add mod modNotesTx">
+        <pc:chgData name="Ohashi, Naomi (fju4ek)" userId="f42a8710-aefb-48d6-a28a-53d71dfc3c31" providerId="ADAL" clId="{95B6F2A5-FB68-4358-8492-CA41FD66844B}" dt="2023-12-02T05:36:58.012" v="5117" actId="5793"/>
         <pc:sldMkLst>
           <pc:docMk/>
           <pc:sldMk cId="2765833487" sldId="358"/>
@@ -1273,7 +1281,7 @@
           </ac:spMkLst>
         </pc:spChg>
         <pc:spChg chg="mod">
-          <ac:chgData name="Ohashi, Naomi (fju4ek)" userId="f42a8710-aefb-48d6-a28a-53d71dfc3c31" providerId="ADAL" clId="{95B6F2A5-FB68-4358-8492-CA41FD66844B}" dt="2023-12-01T20:59:57.805" v="4700" actId="6549"/>
+          <ac:chgData name="Ohashi, Naomi (fju4ek)" userId="f42a8710-aefb-48d6-a28a-53d71dfc3c31" providerId="ADAL" clId="{95B6F2A5-FB68-4358-8492-CA41FD66844B}" dt="2023-12-02T05:35:38.094" v="5107" actId="6549"/>
           <ac:spMkLst>
             <pc:docMk/>
             <pc:sldMk cId="2765833487" sldId="358"/>
@@ -1305,7 +1313,7 @@
           </ac:spMkLst>
         </pc:spChg>
         <pc:spChg chg="mod">
-          <ac:chgData name="Ohashi, Naomi (fju4ek)" userId="f42a8710-aefb-48d6-a28a-53d71dfc3c31" providerId="ADAL" clId="{95B6F2A5-FB68-4358-8492-CA41FD66844B}" dt="2023-11-30T08:32:21.056" v="1962"/>
+          <ac:chgData name="Ohashi, Naomi (fju4ek)" userId="f42a8710-aefb-48d6-a28a-53d71dfc3c31" providerId="ADAL" clId="{95B6F2A5-FB68-4358-8492-CA41FD66844B}" dt="2023-12-02T05:14:00.578" v="4932"/>
           <ac:spMkLst>
             <pc:docMk/>
             <pc:sldMk cId="2765833487" sldId="358"/>
@@ -1313,7 +1321,7 @@
           </ac:spMkLst>
         </pc:spChg>
         <pc:spChg chg="mod">
-          <ac:chgData name="Ohashi, Naomi (fju4ek)" userId="f42a8710-aefb-48d6-a28a-53d71dfc3c31" providerId="ADAL" clId="{95B6F2A5-FB68-4358-8492-CA41FD66844B}" dt="2023-11-30T08:32:21.056" v="1962"/>
+          <ac:chgData name="Ohashi, Naomi (fju4ek)" userId="f42a8710-aefb-48d6-a28a-53d71dfc3c31" providerId="ADAL" clId="{95B6F2A5-FB68-4358-8492-CA41FD66844B}" dt="2023-12-02T05:14:00.578" v="4932"/>
           <ac:spMkLst>
             <pc:docMk/>
             <pc:sldMk cId="2765833487" sldId="358"/>
@@ -1321,7 +1329,7 @@
           </ac:spMkLst>
         </pc:spChg>
         <pc:spChg chg="mod">
-          <ac:chgData name="Ohashi, Naomi (fju4ek)" userId="f42a8710-aefb-48d6-a28a-53d71dfc3c31" providerId="ADAL" clId="{95B6F2A5-FB68-4358-8492-CA41FD66844B}" dt="2023-11-30T08:32:21.056" v="1962"/>
+          <ac:chgData name="Ohashi, Naomi (fju4ek)" userId="f42a8710-aefb-48d6-a28a-53d71dfc3c31" providerId="ADAL" clId="{95B6F2A5-FB68-4358-8492-CA41FD66844B}" dt="2023-12-02T05:14:00.578" v="4932"/>
           <ac:spMkLst>
             <pc:docMk/>
             <pc:sldMk cId="2765833487" sldId="358"/>
@@ -1457,7 +1465,7 @@
           </ac:picMkLst>
         </pc:picChg>
         <pc:picChg chg="add mod">
-          <ac:chgData name="Ohashi, Naomi (fju4ek)" userId="f42a8710-aefb-48d6-a28a-53d71dfc3c31" providerId="ADAL" clId="{95B6F2A5-FB68-4358-8492-CA41FD66844B}" dt="2023-12-01T08:00:07.464" v="4665" actId="14100"/>
+          <ac:chgData name="Ohashi, Naomi (fju4ek)" userId="f42a8710-aefb-48d6-a28a-53d71dfc3c31" providerId="ADAL" clId="{95B6F2A5-FB68-4358-8492-CA41FD66844B}" dt="2023-12-02T05:32:17.801" v="5086" actId="14100"/>
           <ac:picMkLst>
             <pc:docMk/>
             <pc:sldMk cId="2765833487" sldId="358"/>
@@ -1551,7 +1559,7 @@
         </pc:spChg>
       </pc:sldChg>
       <pc:sldChg chg="addSp delSp modSp add mod">
-        <pc:chgData name="Ohashi, Naomi (fju4ek)" userId="f42a8710-aefb-48d6-a28a-53d71dfc3c31" providerId="ADAL" clId="{95B6F2A5-FB68-4358-8492-CA41FD66844B}" dt="2023-12-01T06:51:30.517" v="4298" actId="20577"/>
+        <pc:chgData name="Ohashi, Naomi (fju4ek)" userId="f42a8710-aefb-48d6-a28a-53d71dfc3c31" providerId="ADAL" clId="{95B6F2A5-FB68-4358-8492-CA41FD66844B}" dt="2023-12-02T05:14:00.578" v="4932"/>
         <pc:sldMkLst>
           <pc:docMk/>
           <pc:sldMk cId="3081160352" sldId="360"/>
@@ -1580,12 +1588,44 @@
             <ac:spMk id="4" creationId="{265260DC-9BA5-7CB7-153F-7BE152E6A320}"/>
           </ac:spMkLst>
         </pc:spChg>
+        <pc:spChg chg="mod">
+          <ac:chgData name="Ohashi, Naomi (fju4ek)" userId="f42a8710-aefb-48d6-a28a-53d71dfc3c31" providerId="ADAL" clId="{95B6F2A5-FB68-4358-8492-CA41FD66844B}" dt="2023-12-02T04:44:52.381" v="4805" actId="1076"/>
+          <ac:spMkLst>
+            <pc:docMk/>
+            <pc:sldMk cId="3081160352" sldId="360"/>
+            <ac:spMk id="6" creationId="{B4734337-A795-749A-9CED-F10642C10C0D}"/>
+          </ac:spMkLst>
+        </pc:spChg>
         <pc:spChg chg="add mod">
-          <ac:chgData name="Ohashi, Naomi (fju4ek)" userId="f42a8710-aefb-48d6-a28a-53d71dfc3c31" providerId="ADAL" clId="{95B6F2A5-FB68-4358-8492-CA41FD66844B}" dt="2023-12-01T06:51:30.517" v="4298" actId="20577"/>
+          <ac:chgData name="Ohashi, Naomi (fju4ek)" userId="f42a8710-aefb-48d6-a28a-53d71dfc3c31" providerId="ADAL" clId="{95B6F2A5-FB68-4358-8492-CA41FD66844B}" dt="2023-12-02T04:47:20.256" v="4815" actId="20577"/>
           <ac:spMkLst>
             <pc:docMk/>
             <pc:sldMk cId="3081160352" sldId="360"/>
             <ac:spMk id="7" creationId="{81E46195-2927-259E-0A5A-13243B18682B}"/>
+          </ac:spMkLst>
+        </pc:spChg>
+        <pc:spChg chg="mod">
+          <ac:chgData name="Ohashi, Naomi (fju4ek)" userId="f42a8710-aefb-48d6-a28a-53d71dfc3c31" providerId="ADAL" clId="{95B6F2A5-FB68-4358-8492-CA41FD66844B}" dt="2023-12-02T05:14:00.578" v="4932"/>
+          <ac:spMkLst>
+            <pc:docMk/>
+            <pc:sldMk cId="3081160352" sldId="360"/>
+            <ac:spMk id="11" creationId="{6706FF30-0C9B-FD68-79FA-318BCCF0E8A6}"/>
+          </ac:spMkLst>
+        </pc:spChg>
+        <pc:spChg chg="mod">
+          <ac:chgData name="Ohashi, Naomi (fju4ek)" userId="f42a8710-aefb-48d6-a28a-53d71dfc3c31" providerId="ADAL" clId="{95B6F2A5-FB68-4358-8492-CA41FD66844B}" dt="2023-12-02T05:14:00.578" v="4932"/>
+          <ac:spMkLst>
+            <pc:docMk/>
+            <pc:sldMk cId="3081160352" sldId="360"/>
+            <ac:spMk id="12" creationId="{37AB3F49-B0E5-B403-51C4-8D852D2DEBB1}"/>
+          </ac:spMkLst>
+        </pc:spChg>
+        <pc:spChg chg="mod">
+          <ac:chgData name="Ohashi, Naomi (fju4ek)" userId="f42a8710-aefb-48d6-a28a-53d71dfc3c31" providerId="ADAL" clId="{95B6F2A5-FB68-4358-8492-CA41FD66844B}" dt="2023-12-02T05:14:00.578" v="4932"/>
+          <ac:spMkLst>
+            <pc:docMk/>
+            <pc:sldMk cId="3081160352" sldId="360"/>
+            <ac:spMk id="13" creationId="{E7F5E5EF-C8F5-DB8D-982E-F2A1ACA3B374}"/>
           </ac:spMkLst>
         </pc:spChg>
       </pc:sldChg>
@@ -1611,14 +1651,14 @@
           <pc:sldMk cId="3664543468" sldId="361"/>
         </pc:sldMkLst>
       </pc:sldChg>
-      <pc:sldChg chg="modSp add mod">
-        <pc:chgData name="Ohashi, Naomi (fju4ek)" userId="f42a8710-aefb-48d6-a28a-53d71dfc3c31" providerId="ADAL" clId="{95B6F2A5-FB68-4358-8492-CA41FD66844B}" dt="2023-12-01T07:28:37.893" v="4564" actId="404"/>
+      <pc:sldChg chg="modSp add del mod">
+        <pc:chgData name="Ohashi, Naomi (fju4ek)" userId="f42a8710-aefb-48d6-a28a-53d71dfc3c31" providerId="ADAL" clId="{95B6F2A5-FB68-4358-8492-CA41FD66844B}" dt="2023-12-02T06:14:18.871" v="5952" actId="20577"/>
         <pc:sldMkLst>
           <pc:docMk/>
           <pc:sldMk cId="4076319507" sldId="362"/>
         </pc:sldMkLst>
         <pc:spChg chg="mod">
-          <ac:chgData name="Ohashi, Naomi (fju4ek)" userId="f42a8710-aefb-48d6-a28a-53d71dfc3c31" providerId="ADAL" clId="{95B6F2A5-FB68-4358-8492-CA41FD66844B}" dt="2023-12-01T07:26:45.990" v="4549" actId="20577"/>
+          <ac:chgData name="Ohashi, Naomi (fju4ek)" userId="f42a8710-aefb-48d6-a28a-53d71dfc3c31" providerId="ADAL" clId="{95B6F2A5-FB68-4358-8492-CA41FD66844B}" dt="2023-12-02T06:14:18.871" v="5952" actId="20577"/>
           <ac:spMkLst>
             <pc:docMk/>
             <pc:sldMk cId="4076319507" sldId="362"/>
@@ -1626,31 +1666,99 @@
           </ac:spMkLst>
         </pc:spChg>
         <pc:spChg chg="mod">
-          <ac:chgData name="Ohashi, Naomi (fju4ek)" userId="f42a8710-aefb-48d6-a28a-53d71dfc3c31" providerId="ADAL" clId="{95B6F2A5-FB68-4358-8492-CA41FD66844B}" dt="2023-12-01T07:28:37.893" v="4564" actId="404"/>
+          <ac:chgData name="Ohashi, Naomi (fju4ek)" userId="f42a8710-aefb-48d6-a28a-53d71dfc3c31" providerId="ADAL" clId="{95B6F2A5-FB68-4358-8492-CA41FD66844B}" dt="2023-12-02T05:14:00.578" v="4932"/>
           <ac:spMkLst>
             <pc:docMk/>
             <pc:sldMk cId="4076319507" sldId="362"/>
             <ac:spMk id="4" creationId="{265260DC-9BA5-7CB7-153F-7BE152E6A320}"/>
           </ac:spMkLst>
         </pc:spChg>
+        <pc:spChg chg="mod">
+          <ac:chgData name="Ohashi, Naomi (fju4ek)" userId="f42a8710-aefb-48d6-a28a-53d71dfc3c31" providerId="ADAL" clId="{95B6F2A5-FB68-4358-8492-CA41FD66844B}" dt="2023-12-02T05:14:00.578" v="4932"/>
+          <ac:spMkLst>
+            <pc:docMk/>
+            <pc:sldMk cId="4076319507" sldId="362"/>
+            <ac:spMk id="11" creationId="{6706FF30-0C9B-FD68-79FA-318BCCF0E8A6}"/>
+          </ac:spMkLst>
+        </pc:spChg>
+        <pc:spChg chg="mod">
+          <ac:chgData name="Ohashi, Naomi (fju4ek)" userId="f42a8710-aefb-48d6-a28a-53d71dfc3c31" providerId="ADAL" clId="{95B6F2A5-FB68-4358-8492-CA41FD66844B}" dt="2023-12-02T05:14:00.578" v="4932"/>
+          <ac:spMkLst>
+            <pc:docMk/>
+            <pc:sldMk cId="4076319507" sldId="362"/>
+            <ac:spMk id="12" creationId="{37AB3F49-B0E5-B403-51C4-8D852D2DEBB1}"/>
+          </ac:spMkLst>
+        </pc:spChg>
+        <pc:spChg chg="mod">
+          <ac:chgData name="Ohashi, Naomi (fju4ek)" userId="f42a8710-aefb-48d6-a28a-53d71dfc3c31" providerId="ADAL" clId="{95B6F2A5-FB68-4358-8492-CA41FD66844B}" dt="2023-12-02T05:14:00.578" v="4932"/>
+          <ac:spMkLst>
+            <pc:docMk/>
+            <pc:sldMk cId="4076319507" sldId="362"/>
+            <ac:spMk id="13" creationId="{E7F5E5EF-C8F5-DB8D-982E-F2A1ACA3B374}"/>
+          </ac:spMkLst>
+        </pc:spChg>
       </pc:sldChg>
-      <pc:sldChg chg="modSp add mod">
-        <pc:chgData name="Ohashi, Naomi (fju4ek)" userId="f42a8710-aefb-48d6-a28a-53d71dfc3c31" providerId="ADAL" clId="{95B6F2A5-FB68-4358-8492-CA41FD66844B}" dt="2023-12-01T07:26:58.498" v="4552" actId="20577"/>
+      <pc:sldChg chg="addSp modSp add mod addCm">
+        <pc:chgData name="Ohashi, Naomi (fju4ek)" userId="f42a8710-aefb-48d6-a28a-53d71dfc3c31" providerId="ADAL" clId="{95B6F2A5-FB68-4358-8492-CA41FD66844B}" dt="2023-12-02T07:18:03.783" v="6210"/>
         <pc:sldMkLst>
           <pc:docMk/>
           <pc:sldMk cId="2615644293" sldId="363"/>
         </pc:sldMkLst>
         <pc:spChg chg="mod">
-          <ac:chgData name="Ohashi, Naomi (fju4ek)" userId="f42a8710-aefb-48d6-a28a-53d71dfc3c31" providerId="ADAL" clId="{95B6F2A5-FB68-4358-8492-CA41FD66844B}" dt="2023-12-01T07:26:58.498" v="4552" actId="20577"/>
+          <ac:chgData name="Ohashi, Naomi (fju4ek)" userId="f42a8710-aefb-48d6-a28a-53d71dfc3c31" providerId="ADAL" clId="{95B6F2A5-FB68-4358-8492-CA41FD66844B}" dt="2023-12-02T06:16:49.896" v="5957" actId="20577"/>
           <ac:spMkLst>
             <pc:docMk/>
             <pc:sldMk cId="2615644293" sldId="363"/>
             <ac:spMk id="2" creationId="{D85C271D-AD98-DC98-55AA-36C93AFA4982}"/>
           </ac:spMkLst>
         </pc:spChg>
+        <pc:spChg chg="add mod">
+          <ac:chgData name="Ohashi, Naomi (fju4ek)" userId="f42a8710-aefb-48d6-a28a-53d71dfc3c31" providerId="ADAL" clId="{95B6F2A5-FB68-4358-8492-CA41FD66844B}" dt="2023-12-02T07:16:44.991" v="6209" actId="948"/>
+          <ac:spMkLst>
+            <pc:docMk/>
+            <pc:sldMk cId="2615644293" sldId="363"/>
+            <ac:spMk id="3" creationId="{F7CAE945-68FA-33B6-1090-85B5E8D2EF6C}"/>
+          </ac:spMkLst>
+        </pc:spChg>
+        <pc:spChg chg="mod">
+          <ac:chgData name="Ohashi, Naomi (fju4ek)" userId="f42a8710-aefb-48d6-a28a-53d71dfc3c31" providerId="ADAL" clId="{95B6F2A5-FB68-4358-8492-CA41FD66844B}" dt="2023-12-02T05:14:00.578" v="4932"/>
+          <ac:spMkLst>
+            <pc:docMk/>
+            <pc:sldMk cId="2615644293" sldId="363"/>
+            <ac:spMk id="11" creationId="{6706FF30-0C9B-FD68-79FA-318BCCF0E8A6}"/>
+          </ac:spMkLst>
+        </pc:spChg>
+        <pc:spChg chg="mod">
+          <ac:chgData name="Ohashi, Naomi (fju4ek)" userId="f42a8710-aefb-48d6-a28a-53d71dfc3c31" providerId="ADAL" clId="{95B6F2A5-FB68-4358-8492-CA41FD66844B}" dt="2023-12-02T05:14:00.578" v="4932"/>
+          <ac:spMkLst>
+            <pc:docMk/>
+            <pc:sldMk cId="2615644293" sldId="363"/>
+            <ac:spMk id="12" creationId="{37AB3F49-B0E5-B403-51C4-8D852D2DEBB1}"/>
+          </ac:spMkLst>
+        </pc:spChg>
+        <pc:spChg chg="mod">
+          <ac:chgData name="Ohashi, Naomi (fju4ek)" userId="f42a8710-aefb-48d6-a28a-53d71dfc3c31" providerId="ADAL" clId="{95B6F2A5-FB68-4358-8492-CA41FD66844B}" dt="2023-12-02T05:14:00.578" v="4932"/>
+          <ac:spMkLst>
+            <pc:docMk/>
+            <pc:sldMk cId="2615644293" sldId="363"/>
+            <ac:spMk id="13" creationId="{E7F5E5EF-C8F5-DB8D-982E-F2A1ACA3B374}"/>
+          </ac:spMkLst>
+        </pc:spChg>
+        <pc:extLst>
+          <p:ext xmlns:p="http://schemas.openxmlformats.org/presentationml/2006/main" uri="{D6D511B9-2390-475A-947B-AFAB55BFBCF1}">
+            <pc226:cmChg xmlns:pc226="http://schemas.microsoft.com/office/powerpoint/2022/06/main/command" chg="add">
+              <pc226:chgData name="Ohashi, Naomi (fju4ek)" userId="f42a8710-aefb-48d6-a28a-53d71dfc3c31" providerId="ADAL" clId="{95B6F2A5-FB68-4358-8492-CA41FD66844B}" dt="2023-12-02T07:18:03.783" v="6210"/>
+              <pc2:cmMkLst xmlns:pc2="http://schemas.microsoft.com/office/powerpoint/2019/9/main/command">
+                <pc:docMk/>
+                <pc:sldMk cId="2615644293" sldId="363"/>
+                <pc2:cmMk id="{214D4E06-392C-4C58-9BDF-918FDE42D9CC}"/>
+              </pc2:cmMkLst>
+            </pc226:cmChg>
+          </p:ext>
+        </pc:extLst>
       </pc:sldChg>
       <pc:sldChg chg="modSp add mod">
-        <pc:chgData name="Ohashi, Naomi (fju4ek)" userId="f42a8710-aefb-48d6-a28a-53d71dfc3c31" providerId="ADAL" clId="{95B6F2A5-FB68-4358-8492-CA41FD66844B}" dt="2023-12-01T05:18:09.369" v="2998" actId="20577"/>
+        <pc:chgData name="Ohashi, Naomi (fju4ek)" userId="f42a8710-aefb-48d6-a28a-53d71dfc3c31" providerId="ADAL" clId="{95B6F2A5-FB68-4358-8492-CA41FD66844B}" dt="2023-12-02T05:14:00.578" v="4932"/>
         <pc:sldMkLst>
           <pc:docMk/>
           <pc:sldMk cId="686419370" sldId="364"/>
@@ -1663,9 +1771,33 @@
             <ac:spMk id="2" creationId="{D85C271D-AD98-DC98-55AA-36C93AFA4982}"/>
           </ac:spMkLst>
         </pc:spChg>
+        <pc:spChg chg="mod">
+          <ac:chgData name="Ohashi, Naomi (fju4ek)" userId="f42a8710-aefb-48d6-a28a-53d71dfc3c31" providerId="ADAL" clId="{95B6F2A5-FB68-4358-8492-CA41FD66844B}" dt="2023-12-02T05:14:00.578" v="4932"/>
+          <ac:spMkLst>
+            <pc:docMk/>
+            <pc:sldMk cId="686419370" sldId="364"/>
+            <ac:spMk id="11" creationId="{6706FF30-0C9B-FD68-79FA-318BCCF0E8A6}"/>
+          </ac:spMkLst>
+        </pc:spChg>
+        <pc:spChg chg="mod">
+          <ac:chgData name="Ohashi, Naomi (fju4ek)" userId="f42a8710-aefb-48d6-a28a-53d71dfc3c31" providerId="ADAL" clId="{95B6F2A5-FB68-4358-8492-CA41FD66844B}" dt="2023-12-02T05:14:00.578" v="4932"/>
+          <ac:spMkLst>
+            <pc:docMk/>
+            <pc:sldMk cId="686419370" sldId="364"/>
+            <ac:spMk id="12" creationId="{37AB3F49-B0E5-B403-51C4-8D852D2DEBB1}"/>
+          </ac:spMkLst>
+        </pc:spChg>
+        <pc:spChg chg="mod">
+          <ac:chgData name="Ohashi, Naomi (fju4ek)" userId="f42a8710-aefb-48d6-a28a-53d71dfc3c31" providerId="ADAL" clId="{95B6F2A5-FB68-4358-8492-CA41FD66844B}" dt="2023-12-02T05:14:00.578" v="4932"/>
+          <ac:spMkLst>
+            <pc:docMk/>
+            <pc:sldMk cId="686419370" sldId="364"/>
+            <ac:spMk id="13" creationId="{E7F5E5EF-C8F5-DB8D-982E-F2A1ACA3B374}"/>
+          </ac:spMkLst>
+        </pc:spChg>
       </pc:sldChg>
       <pc:sldChg chg="modSp add mod">
-        <pc:chgData name="Ohashi, Naomi (fju4ek)" userId="f42a8710-aefb-48d6-a28a-53d71dfc3c31" providerId="ADAL" clId="{95B6F2A5-FB68-4358-8492-CA41FD66844B}" dt="2023-12-01T05:18:24.317" v="3009" actId="20577"/>
+        <pc:chgData name="Ohashi, Naomi (fju4ek)" userId="f42a8710-aefb-48d6-a28a-53d71dfc3c31" providerId="ADAL" clId="{95B6F2A5-FB68-4358-8492-CA41FD66844B}" dt="2023-12-02T05:14:00.578" v="4932"/>
         <pc:sldMkLst>
           <pc:docMk/>
           <pc:sldMk cId="146786848" sldId="365"/>
@@ -1678,13 +1810,45 @@
             <ac:spMk id="2" creationId="{D85C271D-AD98-DC98-55AA-36C93AFA4982}"/>
           </ac:spMkLst>
         </pc:spChg>
+        <pc:spChg chg="mod">
+          <ac:chgData name="Ohashi, Naomi (fju4ek)" userId="f42a8710-aefb-48d6-a28a-53d71dfc3c31" providerId="ADAL" clId="{95B6F2A5-FB68-4358-8492-CA41FD66844B}" dt="2023-12-02T05:14:00.578" v="4932"/>
+          <ac:spMkLst>
+            <pc:docMk/>
+            <pc:sldMk cId="146786848" sldId="365"/>
+            <ac:spMk id="11" creationId="{6706FF30-0C9B-FD68-79FA-318BCCF0E8A6}"/>
+          </ac:spMkLst>
+        </pc:spChg>
+        <pc:spChg chg="mod">
+          <ac:chgData name="Ohashi, Naomi (fju4ek)" userId="f42a8710-aefb-48d6-a28a-53d71dfc3c31" providerId="ADAL" clId="{95B6F2A5-FB68-4358-8492-CA41FD66844B}" dt="2023-12-02T05:14:00.578" v="4932"/>
+          <ac:spMkLst>
+            <pc:docMk/>
+            <pc:sldMk cId="146786848" sldId="365"/>
+            <ac:spMk id="12" creationId="{37AB3F49-B0E5-B403-51C4-8D852D2DEBB1}"/>
+          </ac:spMkLst>
+        </pc:spChg>
+        <pc:spChg chg="mod">
+          <ac:chgData name="Ohashi, Naomi (fju4ek)" userId="f42a8710-aefb-48d6-a28a-53d71dfc3c31" providerId="ADAL" clId="{95B6F2A5-FB68-4358-8492-CA41FD66844B}" dt="2023-12-02T05:14:00.578" v="4932"/>
+          <ac:spMkLst>
+            <pc:docMk/>
+            <pc:sldMk cId="146786848" sldId="365"/>
+            <ac:spMk id="13" creationId="{E7F5E5EF-C8F5-DB8D-982E-F2A1ACA3B374}"/>
+          </ac:spMkLst>
+        </pc:spChg>
       </pc:sldChg>
       <pc:sldChg chg="addSp delSp modSp new mod modShow">
-        <pc:chgData name="Ohashi, Naomi (fju4ek)" userId="f42a8710-aefb-48d6-a28a-53d71dfc3c31" providerId="ADAL" clId="{95B6F2A5-FB68-4358-8492-CA41FD66844B}" dt="2023-12-01T08:02:52.827" v="4666" actId="729"/>
+        <pc:chgData name="Ohashi, Naomi (fju4ek)" userId="f42a8710-aefb-48d6-a28a-53d71dfc3c31" providerId="ADAL" clId="{95B6F2A5-FB68-4358-8492-CA41FD66844B}" dt="2023-12-02T05:14:00.578" v="4932"/>
         <pc:sldMkLst>
           <pc:docMk/>
           <pc:sldMk cId="1452033519" sldId="366"/>
         </pc:sldMkLst>
+        <pc:spChg chg="mod">
+          <ac:chgData name="Ohashi, Naomi (fju4ek)" userId="f42a8710-aefb-48d6-a28a-53d71dfc3c31" providerId="ADAL" clId="{95B6F2A5-FB68-4358-8492-CA41FD66844B}" dt="2023-12-02T05:14:00.578" v="4932"/>
+          <ac:spMkLst>
+            <pc:docMk/>
+            <pc:sldMk cId="1452033519" sldId="366"/>
+            <ac:spMk id="2" creationId="{D21CF68D-4252-C5B4-5A4A-C1525BC82747}"/>
+          </ac:spMkLst>
+        </pc:spChg>
         <pc:spChg chg="del mod">
           <ac:chgData name="Ohashi, Naomi (fju4ek)" userId="f42a8710-aefb-48d6-a28a-53d71dfc3c31" providerId="ADAL" clId="{95B6F2A5-FB68-4358-8492-CA41FD66844B}" dt="2023-12-01T07:53:37.297" v="4606" actId="478"/>
           <ac:spMkLst>
@@ -1757,9 +1921,319 @@
           <pc:sldMk cId="1784924187" sldId="366"/>
         </pc:sldMkLst>
       </pc:sldChg>
+      <pc:sldChg chg="addSp delSp modSp new add del mod modNotesTx">
+        <pc:chgData name="Ohashi, Naomi (fju4ek)" userId="f42a8710-aefb-48d6-a28a-53d71dfc3c31" providerId="ADAL" clId="{95B6F2A5-FB68-4358-8492-CA41FD66844B}" dt="2023-12-02T07:12:22.833" v="6163" actId="693"/>
+        <pc:sldMkLst>
+          <pc:docMk/>
+          <pc:sldMk cId="2610845337" sldId="367"/>
+        </pc:sldMkLst>
+        <pc:spChg chg="mod">
+          <ac:chgData name="Ohashi, Naomi (fju4ek)" userId="f42a8710-aefb-48d6-a28a-53d71dfc3c31" providerId="ADAL" clId="{95B6F2A5-FB68-4358-8492-CA41FD66844B}" dt="2023-12-02T07:09:44.485" v="6152" actId="20577"/>
+          <ac:spMkLst>
+            <pc:docMk/>
+            <pc:sldMk cId="2610845337" sldId="367"/>
+            <ac:spMk id="2" creationId="{E1984695-179E-80B5-2C33-AADE6CCF3781}"/>
+          </ac:spMkLst>
+        </pc:spChg>
+        <pc:spChg chg="del mod">
+          <ac:chgData name="Ohashi, Naomi (fju4ek)" userId="f42a8710-aefb-48d6-a28a-53d71dfc3c31" providerId="ADAL" clId="{95B6F2A5-FB68-4358-8492-CA41FD66844B}" dt="2023-12-02T05:17:06.999" v="4955" actId="478"/>
+          <ac:spMkLst>
+            <pc:docMk/>
+            <pc:sldMk cId="2610845337" sldId="367"/>
+            <ac:spMk id="3" creationId="{91E66FEC-7447-482B-1491-7D3FF4DFDD6A}"/>
+          </ac:spMkLst>
+        </pc:spChg>
+        <pc:spChg chg="mod">
+          <ac:chgData name="Ohashi, Naomi (fju4ek)" userId="f42a8710-aefb-48d6-a28a-53d71dfc3c31" providerId="ADAL" clId="{95B6F2A5-FB68-4358-8492-CA41FD66844B}" dt="2023-12-02T07:04:00.963" v="6130" actId="27636"/>
+          <ac:spMkLst>
+            <pc:docMk/>
+            <pc:sldMk cId="2610845337" sldId="367"/>
+            <ac:spMk id="4" creationId="{1C803283-D35E-A19E-4580-17CF731FA712}"/>
+          </ac:spMkLst>
+        </pc:spChg>
+        <pc:spChg chg="del mod">
+          <ac:chgData name="Ohashi, Naomi (fju4ek)" userId="f42a8710-aefb-48d6-a28a-53d71dfc3c31" providerId="ADAL" clId="{95B6F2A5-FB68-4358-8492-CA41FD66844B}" dt="2023-12-02T05:17:11.133" v="4956" actId="478"/>
+          <ac:spMkLst>
+            <pc:docMk/>
+            <pc:sldMk cId="2610845337" sldId="367"/>
+            <ac:spMk id="5" creationId="{05C5A6E5-406D-E878-CD36-ECCC6F9A1FCB}"/>
+          </ac:spMkLst>
+        </pc:spChg>
+        <pc:spChg chg="del mod">
+          <ac:chgData name="Ohashi, Naomi (fju4ek)" userId="f42a8710-aefb-48d6-a28a-53d71dfc3c31" providerId="ADAL" clId="{95B6F2A5-FB68-4358-8492-CA41FD66844B}" dt="2023-12-02T05:17:12.914" v="4957" actId="478"/>
+          <ac:spMkLst>
+            <pc:docMk/>
+            <pc:sldMk cId="2610845337" sldId="367"/>
+            <ac:spMk id="6" creationId="{26D8B4F5-CEF9-1EBE-F430-E1602C48636E}"/>
+          </ac:spMkLst>
+        </pc:spChg>
+        <pc:spChg chg="del mod">
+          <ac:chgData name="Ohashi, Naomi (fju4ek)" userId="f42a8710-aefb-48d6-a28a-53d71dfc3c31" providerId="ADAL" clId="{95B6F2A5-FB68-4358-8492-CA41FD66844B}" dt="2023-12-02T05:17:15.801" v="4958" actId="478"/>
+          <ac:spMkLst>
+            <pc:docMk/>
+            <pc:sldMk cId="2610845337" sldId="367"/>
+            <ac:spMk id="7" creationId="{81055CA6-0346-FE58-A178-A5CA679E89AF}"/>
+          </ac:spMkLst>
+        </pc:spChg>
+        <pc:spChg chg="del mod">
+          <ac:chgData name="Ohashi, Naomi (fju4ek)" userId="f42a8710-aefb-48d6-a28a-53d71dfc3c31" providerId="ADAL" clId="{95B6F2A5-FB68-4358-8492-CA41FD66844B}" dt="2023-12-02T05:17:17.530" v="4959" actId="478"/>
+          <ac:spMkLst>
+            <pc:docMk/>
+            <pc:sldMk cId="2610845337" sldId="367"/>
+            <ac:spMk id="8" creationId="{44269300-BC97-C289-6D6E-A357A2E2E328}"/>
+          </ac:spMkLst>
+        </pc:spChg>
+        <pc:spChg chg="del mod">
+          <ac:chgData name="Ohashi, Naomi (fju4ek)" userId="f42a8710-aefb-48d6-a28a-53d71dfc3c31" providerId="ADAL" clId="{95B6F2A5-FB68-4358-8492-CA41FD66844B}" dt="2023-12-02T05:17:19.543" v="4960" actId="478"/>
+          <ac:spMkLst>
+            <pc:docMk/>
+            <pc:sldMk cId="2610845337" sldId="367"/>
+            <ac:spMk id="9" creationId="{A13EA83B-ADEC-1E45-39B8-5CF8D3EA692D}"/>
+          </ac:spMkLst>
+        </pc:spChg>
+        <pc:spChg chg="del mod">
+          <ac:chgData name="Ohashi, Naomi (fju4ek)" userId="f42a8710-aefb-48d6-a28a-53d71dfc3c31" providerId="ADAL" clId="{95B6F2A5-FB68-4358-8492-CA41FD66844B}" dt="2023-12-02T05:17:21.006" v="4961" actId="478"/>
+          <ac:spMkLst>
+            <pc:docMk/>
+            <pc:sldMk cId="2610845337" sldId="367"/>
+            <ac:spMk id="10" creationId="{5422BF11-F3E9-835A-3B37-93B47EA92179}"/>
+          </ac:spMkLst>
+        </pc:spChg>
+        <pc:spChg chg="add del mod">
+          <ac:chgData name="Ohashi, Naomi (fju4ek)" userId="f42a8710-aefb-48d6-a28a-53d71dfc3c31" providerId="ADAL" clId="{95B6F2A5-FB68-4358-8492-CA41FD66844B}" dt="2023-12-02T06:50:18.034" v="6040" actId="21"/>
+          <ac:spMkLst>
+            <pc:docMk/>
+            <pc:sldMk cId="2610845337" sldId="367"/>
+            <ac:spMk id="12" creationId="{6F16D5B8-B9AD-244D-BA49-C950C20CBD9A}"/>
+          </ac:spMkLst>
+        </pc:spChg>
+        <pc:spChg chg="add mod">
+          <ac:chgData name="Ohashi, Naomi (fju4ek)" userId="f42a8710-aefb-48d6-a28a-53d71dfc3c31" providerId="ADAL" clId="{95B6F2A5-FB68-4358-8492-CA41FD66844B}" dt="2023-12-02T07:07:58.305" v="6144" actId="13926"/>
+          <ac:spMkLst>
+            <pc:docMk/>
+            <pc:sldMk cId="2610845337" sldId="367"/>
+            <ac:spMk id="15" creationId="{D199D359-449D-731E-6933-6C574DD93376}"/>
+          </ac:spMkLst>
+        </pc:spChg>
+        <pc:picChg chg="add mod">
+          <ac:chgData name="Ohashi, Naomi (fju4ek)" userId="f42a8710-aefb-48d6-a28a-53d71dfc3c31" providerId="ADAL" clId="{95B6F2A5-FB68-4358-8492-CA41FD66844B}" dt="2023-12-02T07:04:59.991" v="6142" actId="1076"/>
+          <ac:picMkLst>
+            <pc:docMk/>
+            <pc:sldMk cId="2610845337" sldId="367"/>
+            <ac:picMk id="11" creationId="{7B3FD2CC-BA04-1E77-A059-0D47E35FB3EC}"/>
+          </ac:picMkLst>
+        </pc:picChg>
+        <pc:picChg chg="add del mod">
+          <ac:chgData name="Ohashi, Naomi (fju4ek)" userId="f42a8710-aefb-48d6-a28a-53d71dfc3c31" providerId="ADAL" clId="{95B6F2A5-FB68-4358-8492-CA41FD66844B}" dt="2023-12-02T06:50:02.040" v="6037" actId="21"/>
+          <ac:picMkLst>
+            <pc:docMk/>
+            <pc:sldMk cId="2610845337" sldId="367"/>
+            <ac:picMk id="14" creationId="{F1E23208-8041-EBB0-EF35-545AA99C5A44}"/>
+          </ac:picMkLst>
+        </pc:picChg>
+        <pc:picChg chg="add mod">
+          <ac:chgData name="Ohashi, Naomi (fju4ek)" userId="f42a8710-aefb-48d6-a28a-53d71dfc3c31" providerId="ADAL" clId="{95B6F2A5-FB68-4358-8492-CA41FD66844B}" dt="2023-12-02T07:01:34.468" v="6095" actId="1440"/>
+          <ac:picMkLst>
+            <pc:docMk/>
+            <pc:sldMk cId="2610845337" sldId="367"/>
+            <ac:picMk id="16" creationId="{B3D992C6-5A8F-6BE5-4BB6-797AAA765962}"/>
+          </ac:picMkLst>
+        </pc:picChg>
+        <pc:cxnChg chg="add mod">
+          <ac:chgData name="Ohashi, Naomi (fju4ek)" userId="f42a8710-aefb-48d6-a28a-53d71dfc3c31" providerId="ADAL" clId="{95B6F2A5-FB68-4358-8492-CA41FD66844B}" dt="2023-12-02T07:12:22.833" v="6163" actId="693"/>
+          <ac:cxnSpMkLst>
+            <pc:docMk/>
+            <pc:sldMk cId="2610845337" sldId="367"/>
+            <ac:cxnSpMk id="18" creationId="{508CAE6B-A7E8-5D9A-F4F7-AC4D1549FA56}"/>
+          </ac:cxnSpMkLst>
+        </pc:cxnChg>
+      </pc:sldChg>
+      <pc:sldChg chg="addSp delSp modSp new mod ord modNotesTx">
+        <pc:chgData name="Ohashi, Naomi (fju4ek)" userId="f42a8710-aefb-48d6-a28a-53d71dfc3c31" providerId="ADAL" clId="{95B6F2A5-FB68-4358-8492-CA41FD66844B}" dt="2023-12-02T07:13:20.172" v="6166"/>
+        <pc:sldMkLst>
+          <pc:docMk/>
+          <pc:sldMk cId="1484527436" sldId="368"/>
+        </pc:sldMkLst>
+        <pc:spChg chg="del">
+          <ac:chgData name="Ohashi, Naomi (fju4ek)" userId="f42a8710-aefb-48d6-a28a-53d71dfc3c31" providerId="ADAL" clId="{95B6F2A5-FB68-4358-8492-CA41FD66844B}" dt="2023-12-02T06:49:14.668" v="6009" actId="478"/>
+          <ac:spMkLst>
+            <pc:docMk/>
+            <pc:sldMk cId="1484527436" sldId="368"/>
+            <ac:spMk id="3" creationId="{DC1FCEFF-DE86-6BDE-9AFC-D45B904E37A1}"/>
+          </ac:spMkLst>
+        </pc:spChg>
+        <pc:spChg chg="del">
+          <ac:chgData name="Ohashi, Naomi (fju4ek)" userId="f42a8710-aefb-48d6-a28a-53d71dfc3c31" providerId="ADAL" clId="{95B6F2A5-FB68-4358-8492-CA41FD66844B}" dt="2023-12-02T06:49:14.668" v="6009" actId="478"/>
+          <ac:spMkLst>
+            <pc:docMk/>
+            <pc:sldMk cId="1484527436" sldId="368"/>
+            <ac:spMk id="4" creationId="{725279DB-8DE6-77C8-87A4-F72CD431BC08}"/>
+          </ac:spMkLst>
+        </pc:spChg>
+        <pc:spChg chg="del">
+          <ac:chgData name="Ohashi, Naomi (fju4ek)" userId="f42a8710-aefb-48d6-a28a-53d71dfc3c31" providerId="ADAL" clId="{95B6F2A5-FB68-4358-8492-CA41FD66844B}" dt="2023-12-02T06:49:14.668" v="6009" actId="478"/>
+          <ac:spMkLst>
+            <pc:docMk/>
+            <pc:sldMk cId="1484527436" sldId="368"/>
+            <ac:spMk id="5" creationId="{C8763A87-4966-850A-C159-CEC37AA0213E}"/>
+          </ac:spMkLst>
+        </pc:spChg>
+        <pc:spChg chg="del">
+          <ac:chgData name="Ohashi, Naomi (fju4ek)" userId="f42a8710-aefb-48d6-a28a-53d71dfc3c31" providerId="ADAL" clId="{95B6F2A5-FB68-4358-8492-CA41FD66844B}" dt="2023-12-02T06:49:14.668" v="6009" actId="478"/>
+          <ac:spMkLst>
+            <pc:docMk/>
+            <pc:sldMk cId="1484527436" sldId="368"/>
+            <ac:spMk id="6" creationId="{FB64B5A7-31F8-D662-2887-F0F1122F023F}"/>
+          </ac:spMkLst>
+        </pc:spChg>
+        <pc:spChg chg="del">
+          <ac:chgData name="Ohashi, Naomi (fju4ek)" userId="f42a8710-aefb-48d6-a28a-53d71dfc3c31" providerId="ADAL" clId="{95B6F2A5-FB68-4358-8492-CA41FD66844B}" dt="2023-12-02T06:49:14.668" v="6009" actId="478"/>
+          <ac:spMkLst>
+            <pc:docMk/>
+            <pc:sldMk cId="1484527436" sldId="368"/>
+            <ac:spMk id="7" creationId="{5ECBC337-8752-CAA8-2BD6-765ADEC512A2}"/>
+          </ac:spMkLst>
+        </pc:spChg>
+        <pc:spChg chg="del">
+          <ac:chgData name="Ohashi, Naomi (fju4ek)" userId="f42a8710-aefb-48d6-a28a-53d71dfc3c31" providerId="ADAL" clId="{95B6F2A5-FB68-4358-8492-CA41FD66844B}" dt="2023-12-02T06:49:14.668" v="6009" actId="478"/>
+          <ac:spMkLst>
+            <pc:docMk/>
+            <pc:sldMk cId="1484527436" sldId="368"/>
+            <ac:spMk id="8" creationId="{0228339F-15CA-5AC5-0675-E22404C40C5D}"/>
+          </ac:spMkLst>
+        </pc:spChg>
+        <pc:spChg chg="del">
+          <ac:chgData name="Ohashi, Naomi (fju4ek)" userId="f42a8710-aefb-48d6-a28a-53d71dfc3c31" providerId="ADAL" clId="{95B6F2A5-FB68-4358-8492-CA41FD66844B}" dt="2023-12-02T06:49:14.668" v="6009" actId="478"/>
+          <ac:spMkLst>
+            <pc:docMk/>
+            <pc:sldMk cId="1484527436" sldId="368"/>
+            <ac:spMk id="9" creationId="{C4B95E3D-C627-894B-4F2E-4EA1B62F4DA1}"/>
+          </ac:spMkLst>
+        </pc:spChg>
+        <pc:spChg chg="del">
+          <ac:chgData name="Ohashi, Naomi (fju4ek)" userId="f42a8710-aefb-48d6-a28a-53d71dfc3c31" providerId="ADAL" clId="{95B6F2A5-FB68-4358-8492-CA41FD66844B}" dt="2023-12-02T06:49:14.668" v="6009" actId="478"/>
+          <ac:spMkLst>
+            <pc:docMk/>
+            <pc:sldMk cId="1484527436" sldId="368"/>
+            <ac:spMk id="10" creationId="{A5E798CC-2E26-0AFE-AA7C-53AC75DC1966}"/>
+          </ac:spMkLst>
+        </pc:spChg>
+        <pc:spChg chg="add del mod">
+          <ac:chgData name="Ohashi, Naomi (fju4ek)" userId="f42a8710-aefb-48d6-a28a-53d71dfc3c31" providerId="ADAL" clId="{95B6F2A5-FB68-4358-8492-CA41FD66844B}" dt="2023-12-02T06:57:59.482" v="6081" actId="21"/>
+          <ac:spMkLst>
+            <pc:docMk/>
+            <pc:sldMk cId="1484527436" sldId="368"/>
+            <ac:spMk id="12" creationId="{27A388B3-E188-DAD7-8B56-7738448D1BE2}"/>
+          </ac:spMkLst>
+        </pc:spChg>
+        <pc:spChg chg="add del mod">
+          <ac:chgData name="Ohashi, Naomi (fju4ek)" userId="f42a8710-aefb-48d6-a28a-53d71dfc3c31" providerId="ADAL" clId="{95B6F2A5-FB68-4358-8492-CA41FD66844B}" dt="2023-12-02T06:57:14.971" v="6076"/>
+          <ac:spMkLst>
+            <pc:docMk/>
+            <pc:sldMk cId="1484527436" sldId="368"/>
+            <ac:spMk id="14" creationId="{A6101D8B-7806-D15D-6225-A3BAF7727C81}"/>
+          </ac:spMkLst>
+        </pc:spChg>
+        <pc:spChg chg="add del">
+          <ac:chgData name="Ohashi, Naomi (fju4ek)" userId="f42a8710-aefb-48d6-a28a-53d71dfc3c31" providerId="ADAL" clId="{95B6F2A5-FB68-4358-8492-CA41FD66844B}" dt="2023-12-02T06:55:55.564" v="6065"/>
+          <ac:spMkLst>
+            <pc:docMk/>
+            <pc:sldMk cId="1484527436" sldId="368"/>
+            <ac:spMk id="15" creationId="{1F15D70C-25A3-B557-4D67-7ACF6CC706CC}"/>
+          </ac:spMkLst>
+        </pc:spChg>
+        <pc:spChg chg="add del">
+          <ac:chgData name="Ohashi, Naomi (fju4ek)" userId="f42a8710-aefb-48d6-a28a-53d71dfc3c31" providerId="ADAL" clId="{95B6F2A5-FB68-4358-8492-CA41FD66844B}" dt="2023-12-02T06:56:23.569" v="6068"/>
+          <ac:spMkLst>
+            <pc:docMk/>
+            <pc:sldMk cId="1484527436" sldId="368"/>
+            <ac:spMk id="16" creationId="{3C629A8B-EE08-B9B1-7BDF-87196CCBFE94}"/>
+          </ac:spMkLst>
+        </pc:spChg>
+        <pc:picChg chg="add del mod">
+          <ac:chgData name="Ohashi, Naomi (fju4ek)" userId="f42a8710-aefb-48d6-a28a-53d71dfc3c31" providerId="ADAL" clId="{95B6F2A5-FB68-4358-8492-CA41FD66844B}" dt="2023-12-02T07:08:47.002" v="6145" actId="478"/>
+          <ac:picMkLst>
+            <pc:docMk/>
+            <pc:sldMk cId="1484527436" sldId="368"/>
+            <ac:picMk id="13" creationId="{1F38F986-7CC1-BC09-F33E-50013699D2AF}"/>
+          </ac:picMkLst>
+        </pc:picChg>
+      </pc:sldChg>
+      <pc:sldChg chg="new del">
+        <pc:chgData name="Ohashi, Naomi (fju4ek)" userId="f42a8710-aefb-48d6-a28a-53d71dfc3c31" providerId="ADAL" clId="{95B6F2A5-FB68-4358-8492-CA41FD66844B}" dt="2023-12-02T05:12:19.469" v="4923" actId="2696"/>
+        <pc:sldMkLst>
+          <pc:docMk/>
+          <pc:sldMk cId="2475664793" sldId="368"/>
+        </pc:sldMkLst>
+      </pc:sldChg>
+      <pc:sldMasterChg chg="delSldLayout">
+        <pc:chgData name="Ohashi, Naomi (fju4ek)" userId="f42a8710-aefb-48d6-a28a-53d71dfc3c31" providerId="ADAL" clId="{95B6F2A5-FB68-4358-8492-CA41FD66844B}" dt="2023-12-02T05:12:19.469" v="4923" actId="2696"/>
+        <pc:sldMasterMkLst>
+          <pc:docMk/>
+          <pc:sldMasterMk cId="887881939" sldId="2147483661"/>
+        </pc:sldMasterMkLst>
+        <pc:sldLayoutChg chg="del">
+          <pc:chgData name="Ohashi, Naomi (fju4ek)" userId="f42a8710-aefb-48d6-a28a-53d71dfc3c31" providerId="ADAL" clId="{95B6F2A5-FB68-4358-8492-CA41FD66844B}" dt="2023-12-02T05:12:19.469" v="4923" actId="2696"/>
+          <pc:sldLayoutMkLst>
+            <pc:docMk/>
+            <pc:sldMasterMk cId="887881939" sldId="2147483661"/>
+            <pc:sldLayoutMk cId="1606845082" sldId="2147483669"/>
+          </pc:sldLayoutMkLst>
+        </pc:sldLayoutChg>
+      </pc:sldMasterChg>
+      <pc:sldMasterChg chg="modSldLayout">
+        <pc:chgData name="Ohashi, Naomi (fju4ek)" userId="f42a8710-aefb-48d6-a28a-53d71dfc3c31" providerId="ADAL" clId="{95B6F2A5-FB68-4358-8492-CA41FD66844B}" dt="2023-12-02T05:13:05.775" v="4924"/>
+        <pc:sldMasterMkLst>
+          <pc:docMk/>
+          <pc:sldMasterMk cId="1840458446" sldId="2147483673"/>
+        </pc:sldMasterMkLst>
+        <pc:sldLayoutChg chg="addSp">
+          <pc:chgData name="Ohashi, Naomi (fju4ek)" userId="f42a8710-aefb-48d6-a28a-53d71dfc3c31" providerId="ADAL" clId="{95B6F2A5-FB68-4358-8492-CA41FD66844B}" dt="2023-12-02T05:13:05.775" v="4924"/>
+          <pc:sldLayoutMkLst>
+            <pc:docMk/>
+            <pc:sldMasterMk cId="1840458446" sldId="2147483673"/>
+            <pc:sldLayoutMk cId="1313755501" sldId="2147483678"/>
+          </pc:sldLayoutMkLst>
+          <pc:picChg chg="add">
+            <ac:chgData name="Ohashi, Naomi (fju4ek)" userId="f42a8710-aefb-48d6-a28a-53d71dfc3c31" providerId="ADAL" clId="{95B6F2A5-FB68-4358-8492-CA41FD66844B}" dt="2023-12-02T05:13:05.775" v="4924"/>
+            <ac:picMkLst>
+              <pc:docMk/>
+              <pc:sldMasterMk cId="1840458446" sldId="2147483673"/>
+              <pc:sldLayoutMk cId="1313755501" sldId="2147483678"/>
+              <ac:picMk id="6" creationId="{F75AB561-BBE9-00BD-1677-AF35B8400F4A}"/>
+            </ac:picMkLst>
+          </pc:picChg>
+        </pc:sldLayoutChg>
+      </pc:sldMasterChg>
     </pc:docChg>
   </pc:docChgLst>
 </pc:chgInfo>
+</file>
+
+<file path=ppt/comments/modernComment_16B_9BE79085.xml><?xml version="1.0" encoding="utf-8"?>
+<p188:cmLst xmlns:a="http://schemas.openxmlformats.org/drawingml/2006/main" xmlns:r="http://schemas.openxmlformats.org/officeDocument/2006/relationships" xmlns:p188="http://schemas.microsoft.com/office/powerpoint/2018/8/main">
+  <p188:cm id="{214D4E06-392C-4C58-9BDF-918FDE42D9CC}" authorId="{6BA60550-ADB3-90A8-2D8F-2B807E1617C5}" created="2023-12-02T07:18:03.735">
+    <ac:txMkLst xmlns:ac="http://schemas.microsoft.com/office/drawing/2013/main/command">
+      <pc:docMk xmlns:pc="http://schemas.microsoft.com/office/powerpoint/2013/main/command"/>
+      <pc:sldMk xmlns:pc="http://schemas.microsoft.com/office/powerpoint/2013/main/command" cId="2615644293" sldId="363"/>
+      <ac:spMk id="3" creationId="{F7CAE945-68FA-33B6-1090-85B5E8D2EF6C}"/>
+      <ac:txMk cp="285" len="58">
+        <ac:context len="346" hash="3229521432"/>
+      </ac:txMk>
+    </ac:txMkLst>
+    <p188:pos x="3692260" y="3383479"/>
+    <p188:txBody>
+      <a:bodyPr/>
+      <a:lstStyle/>
+      <a:p>
+        <a:r>
+          <a:rPr lang="en-US"/>
+          <a:t>How would you like to summarize BNN?</a:t>
+        </a:r>
+      </a:p>
+    </p188:txBody>
+  </p188:cm>
+</p188:cmLst>
 </file>
 
 <file path=ppt/diagrams/colors1.xml><?xml version="1.0" encoding="utf-8"?>
@@ -6004,6 +6478,340 @@
           <a:bodyPr/>
           <a:lstStyle/>
           <a:p>
+            <a:pPr marL="457200" indent="-457200">
+              <a:buFont typeface="Arial" panose="020B0604020202020204" pitchFamily="34" charset="0"/>
+              <a:buChar char="•"/>
+            </a:pPr>
+            <a:r>
+              <a:rPr lang="en-US" sz="1100" dirty="0">
+                <a:latin typeface="Calibri" panose="020F0502020204030204" pitchFamily="34" charset="0"/>
+                <a:ea typeface="Calibri" panose="020F0502020204030204" pitchFamily="34" charset="0"/>
+                <a:cs typeface="Calibri" panose="020F0502020204030204" pitchFamily="34" charset="0"/>
+              </a:rPr>
+              <a:t>Docking is a computational simulation of a candidate ligand binding to a receptor</a:t>
+            </a:r>
+          </a:p>
+          <a:p>
+            <a:pPr marL="457200" indent="-457200">
+              <a:buFont typeface="Arial" panose="020B0604020202020204" pitchFamily="34" charset="0"/>
+              <a:buChar char="•"/>
+            </a:pPr>
+            <a:r>
+              <a:rPr lang="en-US" sz="1100" dirty="0">
+                <a:solidFill>
+                  <a:srgbClr val="CC5D08"/>
+                </a:solidFill>
+                <a:latin typeface="Calibri" panose="020F0502020204030204" pitchFamily="34" charset="0"/>
+                <a:ea typeface="Calibri" panose="020F0502020204030204" pitchFamily="34" charset="0"/>
+                <a:cs typeface="Calibri" panose="020F0502020204030204" pitchFamily="34" charset="0"/>
+              </a:rPr>
+              <a:t>Scoring</a:t>
+            </a:r>
+            <a:r>
+              <a:rPr lang="en-US" sz="1100" dirty="0">
+                <a:latin typeface="Calibri" panose="020F0502020204030204" pitchFamily="34" charset="0"/>
+                <a:ea typeface="Calibri" panose="020F0502020204030204" pitchFamily="34" charset="0"/>
+                <a:cs typeface="Calibri" panose="020F0502020204030204" pitchFamily="34" charset="0"/>
+              </a:rPr>
+              <a:t> is a process of evaluating a pose by counting number of favorable molecular interactions</a:t>
+            </a:r>
+          </a:p>
+        </p:txBody>
+      </p:sp>
+    </p:spTree>
+    <p:extLst>
+      <p:ext uri="{BB962C8B-B14F-4D97-AF65-F5344CB8AC3E}">
+        <p14:creationId xmlns:p14="http://schemas.microsoft.com/office/powerpoint/2010/main" val="1571953171"/>
+      </p:ext>
+    </p:extLst>
+  </p:cSld>
+  <p:clrMapOvr>
+    <a:masterClrMapping/>
+  </p:clrMapOvr>
+</p:notes>
+</file>
+
+<file path=ppt/notesSlides/notesSlide5.xml><?xml version="1.0" encoding="utf-8"?>
+<p:notes xmlns:a="http://schemas.openxmlformats.org/drawingml/2006/main" xmlns:r="http://schemas.openxmlformats.org/officeDocument/2006/relationships" xmlns:p="http://schemas.openxmlformats.org/presentationml/2006/main">
+  <p:cSld>
+    <p:spTree>
+      <p:nvGrpSpPr>
+        <p:cNvPr id="1" name=""/>
+        <p:cNvGrpSpPr/>
+        <p:nvPr/>
+      </p:nvGrpSpPr>
+      <p:grpSpPr>
+        <a:xfrm>
+          <a:off x="0" y="0"/>
+          <a:ext cx="0" cy="0"/>
+          <a:chOff x="0" y="0"/>
+          <a:chExt cx="0" cy="0"/>
+        </a:xfrm>
+      </p:grpSpPr>
+      <p:sp>
+        <p:nvSpPr>
+          <p:cNvPr id="2" name="Slide Image Placeholder 1"/>
+          <p:cNvSpPr>
+            <a:spLocks noGrp="1" noRot="1" noChangeAspect="1"/>
+          </p:cNvSpPr>
+          <p:nvPr>
+            <p:ph type="sldImg"/>
+          </p:nvPr>
+        </p:nvSpPr>
+        <p:spPr>
+          <a:xfrm>
+            <a:off x="381000" y="685800"/>
+            <a:ext cx="6096000" cy="3429000"/>
+          </a:xfrm>
+        </p:spPr>
+      </p:sp>
+      <p:sp>
+        <p:nvSpPr>
+          <p:cNvPr id="3" name="Notes Placeholder 2"/>
+          <p:cNvSpPr>
+            <a:spLocks noGrp="1"/>
+          </p:cNvSpPr>
+          <p:nvPr>
+            <p:ph type="body" idx="1"/>
+          </p:nvPr>
+        </p:nvSpPr>
+        <p:spPr/>
+        <p:txBody>
+          <a:bodyPr/>
+          <a:lstStyle/>
+          <a:p>
+            <a:pPr marL="457200" marR="0" lvl="0" indent="-298450" algn="l" defTabSz="914400" rtl="0" eaLnBrk="1" fontAlgn="auto" latinLnBrk="0" hangingPunct="1">
+              <a:lnSpc>
+                <a:spcPct val="100000"/>
+              </a:lnSpc>
+              <a:spcBef>
+                <a:spcPts val="0"/>
+              </a:spcBef>
+              <a:spcAft>
+                <a:spcPts val="0"/>
+              </a:spcAft>
+              <a:buClr>
+                <a:srgbClr val="000000"/>
+              </a:buClr>
+              <a:buSzPts val="1100"/>
+              <a:buFont typeface="Arial"/>
+              <a:buChar char="●"/>
+              <a:tabLst/>
+              <a:defRPr/>
+            </a:pPr>
+            <a:r>
+              <a:rPr lang="en-US" sz="1100" dirty="0">
+                <a:latin typeface="Calibri" panose="020F0502020204030204" pitchFamily="34" charset="0"/>
+                <a:ea typeface="Calibri" panose="020F0502020204030204" pitchFamily="34" charset="0"/>
+                <a:cs typeface="Calibri" panose="020F0502020204030204" pitchFamily="34" charset="0"/>
+              </a:rPr>
+              <a:t>Each row encapsulates data relating to a ligand docking to the protein:</a:t>
+            </a:r>
+          </a:p>
+          <a:p>
+            <a:r>
+              <a:rPr lang="en-US" b="0" dirty="0">
+                <a:solidFill>
+                  <a:srgbClr val="FFA657"/>
+                </a:solidFill>
+                <a:effectLst/>
+                <a:latin typeface="Consolas" panose="020B0609020204030204" pitchFamily="49" charset="0"/>
+              </a:rPr>
+              <a:t>-</a:t>
+            </a:r>
+            <a:r>
+              <a:rPr lang="en-US" b="0" dirty="0">
+                <a:solidFill>
+                  <a:srgbClr val="E6EDF3"/>
+                </a:solidFill>
+                <a:effectLst/>
+                <a:latin typeface="Consolas" panose="020B0609020204030204" pitchFamily="49" charset="0"/>
+              </a:rPr>
+              <a:t> Molecular Weight &lt;= 500 Da</a:t>
+            </a:r>
+          </a:p>
+          <a:p>
+            <a:r>
+              <a:rPr lang="en-US" b="0" dirty="0">
+                <a:solidFill>
+                  <a:srgbClr val="FFA657"/>
+                </a:solidFill>
+                <a:effectLst/>
+                <a:latin typeface="Consolas" panose="020B0609020204030204" pitchFamily="49" charset="0"/>
+              </a:rPr>
+              <a:t>-</a:t>
+            </a:r>
+            <a:r>
+              <a:rPr lang="en-US" b="0" dirty="0">
+                <a:solidFill>
+                  <a:srgbClr val="E6EDF3"/>
+                </a:solidFill>
+                <a:effectLst/>
+                <a:latin typeface="Consolas" panose="020B0609020204030204" pitchFamily="49" charset="0"/>
+              </a:rPr>
+              <a:t> No. Hydrogen Bond Donors &lt;= 10</a:t>
+            </a:r>
+          </a:p>
+          <a:p>
+            <a:r>
+              <a:rPr lang="en-US" b="0" dirty="0">
+                <a:solidFill>
+                  <a:srgbClr val="FFA657"/>
+                </a:solidFill>
+                <a:effectLst/>
+                <a:latin typeface="Consolas" panose="020B0609020204030204" pitchFamily="49" charset="0"/>
+              </a:rPr>
+              <a:t>-</a:t>
+            </a:r>
+            <a:r>
+              <a:rPr lang="en-US" b="0" dirty="0">
+                <a:solidFill>
+                  <a:srgbClr val="E6EDF3"/>
+                </a:solidFill>
+                <a:effectLst/>
+                <a:latin typeface="Consolas" panose="020B0609020204030204" pitchFamily="49" charset="0"/>
+              </a:rPr>
+              <a:t> No. Hydrogen Bond Acceptors &lt;= 5</a:t>
+            </a:r>
+          </a:p>
+          <a:p>
+            <a:r>
+              <a:rPr lang="en-US" b="0" dirty="0">
+                <a:solidFill>
+                  <a:srgbClr val="FFA657"/>
+                </a:solidFill>
+                <a:effectLst/>
+                <a:latin typeface="Consolas" panose="020B0609020204030204" pitchFamily="49" charset="0"/>
+              </a:rPr>
+              <a:t>-</a:t>
+            </a:r>
+            <a:r>
+              <a:rPr lang="en-US" b="0" dirty="0">
+                <a:solidFill>
+                  <a:srgbClr val="E6EDF3"/>
+                </a:solidFill>
+                <a:effectLst/>
+                <a:latin typeface="Consolas" panose="020B0609020204030204" pitchFamily="49" charset="0"/>
+              </a:rPr>
+              <a:t> </a:t>
+            </a:r>
+            <a:r>
+              <a:rPr lang="en-US" b="0" dirty="0" err="1">
+                <a:solidFill>
+                  <a:srgbClr val="E6EDF3"/>
+                </a:solidFill>
+                <a:effectLst/>
+                <a:latin typeface="Consolas" panose="020B0609020204030204" pitchFamily="49" charset="0"/>
+              </a:rPr>
+              <a:t>LogP</a:t>
+            </a:r>
+            <a:r>
+              <a:rPr lang="en-US" b="0" dirty="0">
+                <a:solidFill>
+                  <a:srgbClr val="E6EDF3"/>
+                </a:solidFill>
+                <a:effectLst/>
+                <a:latin typeface="Consolas" panose="020B0609020204030204" pitchFamily="49" charset="0"/>
+              </a:rPr>
+              <a:t> &lt;= 5</a:t>
+            </a:r>
+          </a:p>
+          <a:p>
+            <a:pPr marL="158750" marR="0" lvl="0" indent="0" algn="l" defTabSz="914400" rtl="0" eaLnBrk="1" fontAlgn="auto" latinLnBrk="0" hangingPunct="1">
+              <a:lnSpc>
+                <a:spcPct val="100000"/>
+              </a:lnSpc>
+              <a:spcBef>
+                <a:spcPts val="0"/>
+              </a:spcBef>
+              <a:spcAft>
+                <a:spcPts val="0"/>
+              </a:spcAft>
+              <a:buClr>
+                <a:srgbClr val="000000"/>
+              </a:buClr>
+              <a:buSzPts val="1100"/>
+              <a:buFont typeface="Arial"/>
+              <a:buNone/>
+              <a:tabLst/>
+              <a:defRPr/>
+            </a:pPr>
+            <a:r>
+              <a:rPr lang="en-US" sz="1100" dirty="0">
+                <a:latin typeface="Calibri" panose="020F0502020204030204" pitchFamily="34" charset="0"/>
+                <a:ea typeface="Calibri" panose="020F0502020204030204" pitchFamily="34" charset="0"/>
+                <a:cs typeface="Calibri" panose="020F0502020204030204" pitchFamily="34" charset="0"/>
+              </a:rPr>
+              <a:t> </a:t>
+            </a:r>
+          </a:p>
+          <a:p>
+            <a:endParaRPr lang="en-US" dirty="0"/>
+          </a:p>
+        </p:txBody>
+      </p:sp>
+    </p:spTree>
+    <p:extLst>
+      <p:ext uri="{BB962C8B-B14F-4D97-AF65-F5344CB8AC3E}">
+        <p14:creationId xmlns:p14="http://schemas.microsoft.com/office/powerpoint/2010/main" val="1905459636"/>
+      </p:ext>
+    </p:extLst>
+  </p:cSld>
+  <p:clrMapOvr>
+    <a:masterClrMapping/>
+  </p:clrMapOvr>
+</p:notes>
+</file>
+
+<file path=ppt/notesSlides/notesSlide6.xml><?xml version="1.0" encoding="utf-8"?>
+<p:notes xmlns:a="http://schemas.openxmlformats.org/drawingml/2006/main" xmlns:r="http://schemas.openxmlformats.org/officeDocument/2006/relationships" xmlns:p="http://schemas.openxmlformats.org/presentationml/2006/main">
+  <p:cSld>
+    <p:spTree>
+      <p:nvGrpSpPr>
+        <p:cNvPr id="1" name=""/>
+        <p:cNvGrpSpPr/>
+        <p:nvPr/>
+      </p:nvGrpSpPr>
+      <p:grpSpPr>
+        <a:xfrm>
+          <a:off x="0" y="0"/>
+          <a:ext cx="0" cy="0"/>
+          <a:chOff x="0" y="0"/>
+          <a:chExt cx="0" cy="0"/>
+        </a:xfrm>
+      </p:grpSpPr>
+      <p:sp>
+        <p:nvSpPr>
+          <p:cNvPr id="2" name="Slide Image Placeholder 1"/>
+          <p:cNvSpPr>
+            <a:spLocks noGrp="1" noRot="1" noChangeAspect="1"/>
+          </p:cNvSpPr>
+          <p:nvPr>
+            <p:ph type="sldImg"/>
+          </p:nvPr>
+        </p:nvSpPr>
+        <p:spPr>
+          <a:xfrm>
+            <a:off x="381000" y="685800"/>
+            <a:ext cx="6096000" cy="3429000"/>
+          </a:xfrm>
+        </p:spPr>
+      </p:sp>
+      <p:sp>
+        <p:nvSpPr>
+          <p:cNvPr id="3" name="Notes Placeholder 2"/>
+          <p:cNvSpPr>
+            <a:spLocks noGrp="1"/>
+          </p:cNvSpPr>
+          <p:nvPr>
+            <p:ph type="body" idx="1"/>
+          </p:nvPr>
+        </p:nvSpPr>
+        <p:spPr/>
+        <p:txBody>
+          <a:bodyPr/>
+          <a:lstStyle/>
+          <a:p>
             <a:r>
               <a:rPr lang="en-US" sz="1100" dirty="0">
                 <a:latin typeface="Calibri" panose="020F0502020204030204" pitchFamily="34" charset="0"/>
@@ -6020,6 +6828,190 @@
     <p:extLst>
       <p:ext uri="{BB962C8B-B14F-4D97-AF65-F5344CB8AC3E}">
         <p14:creationId xmlns:p14="http://schemas.microsoft.com/office/powerpoint/2010/main" val="2840839660"/>
+      </p:ext>
+    </p:extLst>
+  </p:cSld>
+  <p:clrMapOvr>
+    <a:masterClrMapping/>
+  </p:clrMapOvr>
+</p:notes>
+</file>
+
+<file path=ppt/notesSlides/notesSlide7.xml><?xml version="1.0" encoding="utf-8"?>
+<p:notes xmlns:a="http://schemas.openxmlformats.org/drawingml/2006/main" xmlns:r="http://schemas.openxmlformats.org/officeDocument/2006/relationships" xmlns:p="http://schemas.openxmlformats.org/presentationml/2006/main">
+  <p:cSld>
+    <p:spTree>
+      <p:nvGrpSpPr>
+        <p:cNvPr id="1" name=""/>
+        <p:cNvGrpSpPr/>
+        <p:nvPr/>
+      </p:nvGrpSpPr>
+      <p:grpSpPr>
+        <a:xfrm>
+          <a:off x="0" y="0"/>
+          <a:ext cx="0" cy="0"/>
+          <a:chOff x="0" y="0"/>
+          <a:chExt cx="0" cy="0"/>
+        </a:xfrm>
+      </p:grpSpPr>
+      <p:sp>
+        <p:nvSpPr>
+          <p:cNvPr id="2" name="Slide Image Placeholder 1"/>
+          <p:cNvSpPr>
+            <a:spLocks noGrp="1" noRot="1" noChangeAspect="1"/>
+          </p:cNvSpPr>
+          <p:nvPr>
+            <p:ph type="sldImg"/>
+          </p:nvPr>
+        </p:nvSpPr>
+        <p:spPr>
+          <a:xfrm>
+            <a:off x="381000" y="685800"/>
+            <a:ext cx="6096000" cy="3429000"/>
+          </a:xfrm>
+        </p:spPr>
+      </p:sp>
+      <p:sp>
+        <p:nvSpPr>
+          <p:cNvPr id="3" name="Notes Placeholder 2"/>
+          <p:cNvSpPr>
+            <a:spLocks noGrp="1"/>
+          </p:cNvSpPr>
+          <p:nvPr>
+            <p:ph type="body" idx="1"/>
+          </p:nvPr>
+        </p:nvSpPr>
+        <p:spPr/>
+        <p:txBody>
+          <a:bodyPr/>
+          <a:lstStyle/>
+          <a:p>
+            <a:r>
+              <a:rPr lang="en-US" dirty="0"/>
+              <a:t>Probability density function (PDF) of docking score is shown for the whole dataset.  The histogram of the PDF and kernel density estimation (KDE) which is smoothing for probability density estimation.  The mean of the docking score is -5.829 and standard deviation of 1.477.</a:t>
+            </a:r>
+          </a:p>
+          <a:p>
+            <a:r>
+              <a:rPr lang="en-US" sz="1800" dirty="0">
+                <a:effectLst/>
+                <a:latin typeface="Times New Roman" panose="02020603050405020304" pitchFamily="18" charset="0"/>
+                <a:ea typeface="Yu Mincho" panose="02020400000000000000" pitchFamily="18" charset="-128"/>
+              </a:rPr>
+              <a:t>Each vector of numbers of occurrences of substructures is folded into a vector of 1024 numbers of occurrences of substructures.</a:t>
+            </a:r>
+          </a:p>
+          <a:p>
+            <a:pPr marL="457200" marR="0" lvl="0" indent="-298450" algn="l" defTabSz="914400" rtl="0" eaLnBrk="1" fontAlgn="auto" latinLnBrk="0" hangingPunct="1">
+              <a:lnSpc>
+                <a:spcPct val="100000"/>
+              </a:lnSpc>
+              <a:spcBef>
+                <a:spcPts val="0"/>
+              </a:spcBef>
+              <a:spcAft>
+                <a:spcPts val="0"/>
+              </a:spcAft>
+              <a:buClr>
+                <a:srgbClr val="000000"/>
+              </a:buClr>
+              <a:buSzPts val="1100"/>
+              <a:buFont typeface="Arial"/>
+              <a:buChar char="●"/>
+              <a:tabLst/>
+              <a:defRPr/>
+            </a:pPr>
+            <a:r>
+              <a:rPr lang="en-US" sz="1800" kern="100" dirty="0">
+                <a:effectLst/>
+                <a:latin typeface="Times New Roman" panose="02020603050405020304" pitchFamily="18" charset="0"/>
+                <a:ea typeface="Yu Mincho" panose="02020400000000000000" pitchFamily="18" charset="-128"/>
+                <a:cs typeface="Times New Roman" panose="02020603050405020304" pitchFamily="18" charset="0"/>
+              </a:rPr>
+              <a:t>We construct a training and testing feature matrix where each row contains a docking score and 1024 numbers of occurrences of substructures. Our feature matrix has up to 2,121,226 observations.</a:t>
+            </a:r>
+            <a:endParaRPr lang="en-US" sz="1800" kern="100" dirty="0">
+              <a:effectLst/>
+              <a:latin typeface="Calibri" panose="020F0502020204030204" pitchFamily="34" charset="0"/>
+              <a:ea typeface="Calibri" panose="020F0502020204030204" pitchFamily="34" charset="0"/>
+              <a:cs typeface="Times New Roman" panose="02020603050405020304" pitchFamily="18" charset="0"/>
+            </a:endParaRPr>
+          </a:p>
+          <a:p>
+            <a:endParaRPr lang="en-US" dirty="0"/>
+          </a:p>
+        </p:txBody>
+      </p:sp>
+    </p:spTree>
+    <p:extLst>
+      <p:ext uri="{BB962C8B-B14F-4D97-AF65-F5344CB8AC3E}">
+        <p14:creationId xmlns:p14="http://schemas.microsoft.com/office/powerpoint/2010/main" val="2954016569"/>
+      </p:ext>
+    </p:extLst>
+  </p:cSld>
+  <p:clrMapOvr>
+    <a:masterClrMapping/>
+  </p:clrMapOvr>
+</p:notes>
+</file>
+
+<file path=ppt/notesSlides/notesSlide8.xml><?xml version="1.0" encoding="utf-8"?>
+<p:notes xmlns:a="http://schemas.openxmlformats.org/drawingml/2006/main" xmlns:r="http://schemas.openxmlformats.org/officeDocument/2006/relationships" xmlns:p="http://schemas.openxmlformats.org/presentationml/2006/main">
+  <p:cSld>
+    <p:spTree>
+      <p:nvGrpSpPr>
+        <p:cNvPr id="1" name=""/>
+        <p:cNvGrpSpPr/>
+        <p:nvPr/>
+      </p:nvGrpSpPr>
+      <p:grpSpPr>
+        <a:xfrm>
+          <a:off x="0" y="0"/>
+          <a:ext cx="0" cy="0"/>
+          <a:chOff x="0" y="0"/>
+          <a:chExt cx="0" cy="0"/>
+        </a:xfrm>
+      </p:grpSpPr>
+      <p:sp>
+        <p:nvSpPr>
+          <p:cNvPr id="2" name="Slide Image Placeholder 1"/>
+          <p:cNvSpPr>
+            <a:spLocks noGrp="1" noRot="1" noChangeAspect="1"/>
+          </p:cNvSpPr>
+          <p:nvPr>
+            <p:ph type="sldImg"/>
+          </p:nvPr>
+        </p:nvSpPr>
+        <p:spPr>
+          <a:xfrm>
+            <a:off x="381000" y="685800"/>
+            <a:ext cx="6096000" cy="3429000"/>
+          </a:xfrm>
+        </p:spPr>
+      </p:sp>
+      <p:sp>
+        <p:nvSpPr>
+          <p:cNvPr id="3" name="Notes Placeholder 2"/>
+          <p:cNvSpPr>
+            <a:spLocks noGrp="1"/>
+          </p:cNvSpPr>
+          <p:nvPr>
+            <p:ph type="body" idx="1"/>
+          </p:nvPr>
+        </p:nvSpPr>
+        <p:spPr/>
+        <p:txBody>
+          <a:bodyPr/>
+          <a:lstStyle/>
+          <a:p>
+            <a:endParaRPr lang="en-US" dirty="0"/>
+          </a:p>
+        </p:txBody>
+      </p:sp>
+    </p:spTree>
+    <p:extLst>
+      <p:ext uri="{BB962C8B-B14F-4D97-AF65-F5344CB8AC3E}">
+        <p14:creationId xmlns:p14="http://schemas.microsoft.com/office/powerpoint/2010/main" val="3463340012"/>
       </p:ext>
     </p:extLst>
   </p:cSld>
@@ -7076,1052 +8068,6 @@
 </file>
 
 <file path=ppt/slideLayouts/slideLayout10.xml><?xml version="1.0" encoding="utf-8"?>
-<p:sldLayout xmlns:a="http://schemas.openxmlformats.org/drawingml/2006/main" xmlns:r="http://schemas.openxmlformats.org/officeDocument/2006/relationships" xmlns:p="http://schemas.openxmlformats.org/presentationml/2006/main" matchingName="Vertical Title and Text" type="vertTitleAndTx">
-  <p:cSld name="Vertical Title and Text">
-    <p:spTree>
-      <p:nvGrpSpPr>
-        <p:cNvPr id="1" name="Shape 74"/>
-        <p:cNvGrpSpPr/>
-        <p:nvPr/>
-      </p:nvGrpSpPr>
-      <p:grpSpPr>
-        <a:xfrm>
-          <a:off x="0" y="0"/>
-          <a:ext cx="0" cy="0"/>
-          <a:chOff x="0" y="0"/>
-          <a:chExt cx="0" cy="0"/>
-        </a:xfrm>
-      </p:grpSpPr>
-      <p:sp>
-        <p:nvSpPr>
-          <p:cNvPr id="75" name="Google Shape;75;p12"/>
-          <p:cNvSpPr txBox="1">
-            <a:spLocks noGrp="1"/>
-          </p:cNvSpPr>
-          <p:nvPr>
-            <p:ph type="title"/>
-          </p:nvPr>
-        </p:nvSpPr>
-        <p:spPr>
-          <a:xfrm rot="5400000">
-            <a:off x="7133431" y="1956594"/>
-            <a:ext cx="5811838" cy="2628900"/>
-          </a:xfrm>
-          <a:prstGeom prst="rect">
-            <a:avLst/>
-          </a:prstGeom>
-          <a:noFill/>
-          <a:ln>
-            <a:noFill/>
-          </a:ln>
-        </p:spPr>
-        <p:txBody>
-          <a:bodyPr spcFirstLastPara="1" wrap="square" lIns="91425" tIns="91425" rIns="91425" bIns="91425" anchor="ctr" anchorCtr="0">
-            <a:noAutofit/>
-          </a:bodyPr>
-          <a:lstStyle>
-            <a:lvl1pPr marR="0" lvl="0" algn="l" rtl="0">
-              <a:lnSpc>
-                <a:spcPct val="90000"/>
-              </a:lnSpc>
-              <a:spcBef>
-                <a:spcPts val="0"/>
-              </a:spcBef>
-              <a:spcAft>
-                <a:spcPts val="0"/>
-              </a:spcAft>
-              <a:buClr>
-                <a:schemeClr val="dk1"/>
-              </a:buClr>
-              <a:buSzPts val="4400"/>
-              <a:buFont typeface="Calibri"/>
-              <a:buNone/>
-              <a:defRPr sz="4400" b="0" i="0" u="none" strike="noStrike" cap="none">
-                <a:solidFill>
-                  <a:schemeClr val="dk1"/>
-                </a:solidFill>
-                <a:latin typeface="Calibri"/>
-                <a:ea typeface="Calibri"/>
-                <a:cs typeface="Calibri"/>
-                <a:sym typeface="Calibri"/>
-              </a:defRPr>
-            </a:lvl1pPr>
-            <a:lvl2pPr lvl="1">
-              <a:spcBef>
-                <a:spcPts val="0"/>
-              </a:spcBef>
-              <a:spcAft>
-                <a:spcPts val="0"/>
-              </a:spcAft>
-              <a:buSzPts val="1400"/>
-              <a:buNone/>
-              <a:defRPr sz="1800"/>
-            </a:lvl2pPr>
-            <a:lvl3pPr lvl="2">
-              <a:spcBef>
-                <a:spcPts val="0"/>
-              </a:spcBef>
-              <a:spcAft>
-                <a:spcPts val="0"/>
-              </a:spcAft>
-              <a:buSzPts val="1400"/>
-              <a:buNone/>
-              <a:defRPr sz="1800"/>
-            </a:lvl3pPr>
-            <a:lvl4pPr lvl="3">
-              <a:spcBef>
-                <a:spcPts val="0"/>
-              </a:spcBef>
-              <a:spcAft>
-                <a:spcPts val="0"/>
-              </a:spcAft>
-              <a:buSzPts val="1400"/>
-              <a:buNone/>
-              <a:defRPr sz="1800"/>
-            </a:lvl4pPr>
-            <a:lvl5pPr lvl="4">
-              <a:spcBef>
-                <a:spcPts val="0"/>
-              </a:spcBef>
-              <a:spcAft>
-                <a:spcPts val="0"/>
-              </a:spcAft>
-              <a:buSzPts val="1400"/>
-              <a:buNone/>
-              <a:defRPr sz="1800"/>
-            </a:lvl5pPr>
-            <a:lvl6pPr lvl="5">
-              <a:spcBef>
-                <a:spcPts val="0"/>
-              </a:spcBef>
-              <a:spcAft>
-                <a:spcPts val="0"/>
-              </a:spcAft>
-              <a:buSzPts val="1400"/>
-              <a:buNone/>
-              <a:defRPr sz="1800"/>
-            </a:lvl6pPr>
-            <a:lvl7pPr lvl="6">
-              <a:spcBef>
-                <a:spcPts val="0"/>
-              </a:spcBef>
-              <a:spcAft>
-                <a:spcPts val="0"/>
-              </a:spcAft>
-              <a:buSzPts val="1400"/>
-              <a:buNone/>
-              <a:defRPr sz="1800"/>
-            </a:lvl7pPr>
-            <a:lvl8pPr lvl="7">
-              <a:spcBef>
-                <a:spcPts val="0"/>
-              </a:spcBef>
-              <a:spcAft>
-                <a:spcPts val="0"/>
-              </a:spcAft>
-              <a:buSzPts val="1400"/>
-              <a:buNone/>
-              <a:defRPr sz="1800"/>
-            </a:lvl8pPr>
-            <a:lvl9pPr lvl="8">
-              <a:spcBef>
-                <a:spcPts val="0"/>
-              </a:spcBef>
-              <a:spcAft>
-                <a:spcPts val="0"/>
-              </a:spcAft>
-              <a:buSzPts val="1400"/>
-              <a:buNone/>
-              <a:defRPr sz="1800"/>
-            </a:lvl9pPr>
-          </a:lstStyle>
-          <a:p>
-            <a:r>
-              <a:rPr lang="en-US"/>
-              <a:t>Click to edit Master title style</a:t>
-            </a:r>
-            <a:endParaRPr/>
-          </a:p>
-        </p:txBody>
-      </p:sp>
-      <p:sp>
-        <p:nvSpPr>
-          <p:cNvPr id="76" name="Google Shape;76;p12"/>
-          <p:cNvSpPr txBox="1">
-            <a:spLocks noGrp="1"/>
-          </p:cNvSpPr>
-          <p:nvPr>
-            <p:ph type="body" idx="1"/>
-          </p:nvPr>
-        </p:nvSpPr>
-        <p:spPr>
-          <a:xfrm rot="5400000">
-            <a:off x="1799431" y="-596106"/>
-            <a:ext cx="5811838" cy="7734300"/>
-          </a:xfrm>
-          <a:prstGeom prst="rect">
-            <a:avLst/>
-          </a:prstGeom>
-          <a:noFill/>
-          <a:ln>
-            <a:noFill/>
-          </a:ln>
-        </p:spPr>
-        <p:txBody>
-          <a:bodyPr spcFirstLastPara="1" wrap="square" lIns="91425" tIns="91425" rIns="91425" bIns="91425" anchor="t" anchorCtr="0">
-            <a:noAutofit/>
-          </a:bodyPr>
-          <a:lstStyle>
-            <a:lvl1pPr marL="457200" marR="0" lvl="0" indent="-406400" algn="l" rtl="0">
-              <a:lnSpc>
-                <a:spcPct val="90000"/>
-              </a:lnSpc>
-              <a:spcBef>
-                <a:spcPts val="1000"/>
-              </a:spcBef>
-              <a:spcAft>
-                <a:spcPts val="0"/>
-              </a:spcAft>
-              <a:buClr>
-                <a:schemeClr val="dk1"/>
-              </a:buClr>
-              <a:buSzPts val="2800"/>
-              <a:buFont typeface="Arial"/>
-              <a:buChar char="•"/>
-              <a:defRPr sz="2800" b="0" i="0" u="none" strike="noStrike" cap="none">
-                <a:solidFill>
-                  <a:schemeClr val="dk1"/>
-                </a:solidFill>
-                <a:latin typeface="Calibri"/>
-                <a:ea typeface="Calibri"/>
-                <a:cs typeface="Calibri"/>
-                <a:sym typeface="Calibri"/>
-              </a:defRPr>
-            </a:lvl1pPr>
-            <a:lvl2pPr marL="914400" marR="0" lvl="1" indent="-381000" algn="l" rtl="0">
-              <a:lnSpc>
-                <a:spcPct val="90000"/>
-              </a:lnSpc>
-              <a:spcBef>
-                <a:spcPts val="500"/>
-              </a:spcBef>
-              <a:spcAft>
-                <a:spcPts val="0"/>
-              </a:spcAft>
-              <a:buClr>
-                <a:schemeClr val="dk1"/>
-              </a:buClr>
-              <a:buSzPts val="2400"/>
-              <a:buFont typeface="Arial"/>
-              <a:buChar char="•"/>
-              <a:defRPr sz="2400" b="0" i="0" u="none" strike="noStrike" cap="none">
-                <a:solidFill>
-                  <a:schemeClr val="dk1"/>
-                </a:solidFill>
-                <a:latin typeface="Calibri"/>
-                <a:ea typeface="Calibri"/>
-                <a:cs typeface="Calibri"/>
-                <a:sym typeface="Calibri"/>
-              </a:defRPr>
-            </a:lvl2pPr>
-            <a:lvl3pPr marL="1371600" marR="0" lvl="2" indent="-355600" algn="l" rtl="0">
-              <a:lnSpc>
-                <a:spcPct val="90000"/>
-              </a:lnSpc>
-              <a:spcBef>
-                <a:spcPts val="500"/>
-              </a:spcBef>
-              <a:spcAft>
-                <a:spcPts val="0"/>
-              </a:spcAft>
-              <a:buClr>
-                <a:schemeClr val="dk1"/>
-              </a:buClr>
-              <a:buSzPts val="2000"/>
-              <a:buFont typeface="Arial"/>
-              <a:buChar char="•"/>
-              <a:defRPr sz="2000" b="0" i="0" u="none" strike="noStrike" cap="none">
-                <a:solidFill>
-                  <a:schemeClr val="dk1"/>
-                </a:solidFill>
-                <a:latin typeface="Calibri"/>
-                <a:ea typeface="Calibri"/>
-                <a:cs typeface="Calibri"/>
-                <a:sym typeface="Calibri"/>
-              </a:defRPr>
-            </a:lvl3pPr>
-            <a:lvl4pPr marL="1828800" marR="0" lvl="3" indent="-342900" algn="l" rtl="0">
-              <a:lnSpc>
-                <a:spcPct val="90000"/>
-              </a:lnSpc>
-              <a:spcBef>
-                <a:spcPts val="500"/>
-              </a:spcBef>
-              <a:spcAft>
-                <a:spcPts val="0"/>
-              </a:spcAft>
-              <a:buClr>
-                <a:schemeClr val="dk1"/>
-              </a:buClr>
-              <a:buSzPts val="1800"/>
-              <a:buFont typeface="Arial"/>
-              <a:buChar char="•"/>
-              <a:defRPr sz="1800" b="0" i="0" u="none" strike="noStrike" cap="none">
-                <a:solidFill>
-                  <a:schemeClr val="dk1"/>
-                </a:solidFill>
-                <a:latin typeface="Calibri"/>
-                <a:ea typeface="Calibri"/>
-                <a:cs typeface="Calibri"/>
-                <a:sym typeface="Calibri"/>
-              </a:defRPr>
-            </a:lvl4pPr>
-            <a:lvl5pPr marL="2286000" marR="0" lvl="4" indent="-342900" algn="l" rtl="0">
-              <a:lnSpc>
-                <a:spcPct val="90000"/>
-              </a:lnSpc>
-              <a:spcBef>
-                <a:spcPts val="500"/>
-              </a:spcBef>
-              <a:spcAft>
-                <a:spcPts val="0"/>
-              </a:spcAft>
-              <a:buClr>
-                <a:schemeClr val="dk1"/>
-              </a:buClr>
-              <a:buSzPts val="1800"/>
-              <a:buFont typeface="Arial"/>
-              <a:buChar char="•"/>
-              <a:defRPr sz="1800" b="0" i="0" u="none" strike="noStrike" cap="none">
-                <a:solidFill>
-                  <a:schemeClr val="dk1"/>
-                </a:solidFill>
-                <a:latin typeface="Calibri"/>
-                <a:ea typeface="Calibri"/>
-                <a:cs typeface="Calibri"/>
-                <a:sym typeface="Calibri"/>
-              </a:defRPr>
-            </a:lvl5pPr>
-            <a:lvl6pPr marL="2743200" marR="0" lvl="5" indent="-342900" algn="l" rtl="0">
-              <a:lnSpc>
-                <a:spcPct val="90000"/>
-              </a:lnSpc>
-              <a:spcBef>
-                <a:spcPts val="500"/>
-              </a:spcBef>
-              <a:spcAft>
-                <a:spcPts val="0"/>
-              </a:spcAft>
-              <a:buClr>
-                <a:schemeClr val="dk1"/>
-              </a:buClr>
-              <a:buSzPts val="1800"/>
-              <a:buFont typeface="Arial"/>
-              <a:buChar char="•"/>
-              <a:defRPr sz="1800" b="0" i="0" u="none" strike="noStrike" cap="none">
-                <a:solidFill>
-                  <a:schemeClr val="dk1"/>
-                </a:solidFill>
-                <a:latin typeface="Calibri"/>
-                <a:ea typeface="Calibri"/>
-                <a:cs typeface="Calibri"/>
-                <a:sym typeface="Calibri"/>
-              </a:defRPr>
-            </a:lvl6pPr>
-            <a:lvl7pPr marL="3200400" marR="0" lvl="6" indent="-342900" algn="l" rtl="0">
-              <a:lnSpc>
-                <a:spcPct val="90000"/>
-              </a:lnSpc>
-              <a:spcBef>
-                <a:spcPts val="500"/>
-              </a:spcBef>
-              <a:spcAft>
-                <a:spcPts val="0"/>
-              </a:spcAft>
-              <a:buClr>
-                <a:schemeClr val="dk1"/>
-              </a:buClr>
-              <a:buSzPts val="1800"/>
-              <a:buFont typeface="Arial"/>
-              <a:buChar char="•"/>
-              <a:defRPr sz="1800" b="0" i="0" u="none" strike="noStrike" cap="none">
-                <a:solidFill>
-                  <a:schemeClr val="dk1"/>
-                </a:solidFill>
-                <a:latin typeface="Calibri"/>
-                <a:ea typeface="Calibri"/>
-                <a:cs typeface="Calibri"/>
-                <a:sym typeface="Calibri"/>
-              </a:defRPr>
-            </a:lvl7pPr>
-            <a:lvl8pPr marL="3657600" marR="0" lvl="7" indent="-342900" algn="l" rtl="0">
-              <a:lnSpc>
-                <a:spcPct val="90000"/>
-              </a:lnSpc>
-              <a:spcBef>
-                <a:spcPts val="500"/>
-              </a:spcBef>
-              <a:spcAft>
-                <a:spcPts val="0"/>
-              </a:spcAft>
-              <a:buClr>
-                <a:schemeClr val="dk1"/>
-              </a:buClr>
-              <a:buSzPts val="1800"/>
-              <a:buFont typeface="Arial"/>
-              <a:buChar char="•"/>
-              <a:defRPr sz="1800" b="0" i="0" u="none" strike="noStrike" cap="none">
-                <a:solidFill>
-                  <a:schemeClr val="dk1"/>
-                </a:solidFill>
-                <a:latin typeface="Calibri"/>
-                <a:ea typeface="Calibri"/>
-                <a:cs typeface="Calibri"/>
-                <a:sym typeface="Calibri"/>
-              </a:defRPr>
-            </a:lvl8pPr>
-            <a:lvl9pPr marL="4114800" marR="0" lvl="8" indent="-342900" algn="l" rtl="0">
-              <a:lnSpc>
-                <a:spcPct val="90000"/>
-              </a:lnSpc>
-              <a:spcBef>
-                <a:spcPts val="500"/>
-              </a:spcBef>
-              <a:spcAft>
-                <a:spcPts val="0"/>
-              </a:spcAft>
-              <a:buClr>
-                <a:schemeClr val="dk1"/>
-              </a:buClr>
-              <a:buSzPts val="1800"/>
-              <a:buFont typeface="Arial"/>
-              <a:buChar char="•"/>
-              <a:defRPr sz="1800" b="0" i="0" u="none" strike="noStrike" cap="none">
-                <a:solidFill>
-                  <a:schemeClr val="dk1"/>
-                </a:solidFill>
-                <a:latin typeface="Calibri"/>
-                <a:ea typeface="Calibri"/>
-                <a:cs typeface="Calibri"/>
-                <a:sym typeface="Calibri"/>
-              </a:defRPr>
-            </a:lvl9pPr>
-          </a:lstStyle>
-          <a:p>
-            <a:pPr lvl="0"/>
-            <a:r>
-              <a:rPr lang="en-US"/>
-              <a:t>Click to edit Master text styles</a:t>
-            </a:r>
-          </a:p>
-        </p:txBody>
-      </p:sp>
-      <p:sp>
-        <p:nvSpPr>
-          <p:cNvPr id="77" name="Google Shape;77;p12"/>
-          <p:cNvSpPr txBox="1">
-            <a:spLocks noGrp="1"/>
-          </p:cNvSpPr>
-          <p:nvPr>
-            <p:ph type="dt" idx="10"/>
-          </p:nvPr>
-        </p:nvSpPr>
-        <p:spPr>
-          <a:xfrm>
-            <a:off x="838200" y="6356350"/>
-            <a:ext cx="2743200" cy="365125"/>
-          </a:xfrm>
-          <a:prstGeom prst="rect">
-            <a:avLst/>
-          </a:prstGeom>
-          <a:noFill/>
-          <a:ln>
-            <a:noFill/>
-          </a:ln>
-        </p:spPr>
-        <p:txBody>
-          <a:bodyPr spcFirstLastPara="1" wrap="square" lIns="91425" tIns="91425" rIns="91425" bIns="91425" anchor="ctr" anchorCtr="0">
-            <a:noAutofit/>
-          </a:bodyPr>
-          <a:lstStyle>
-            <a:lvl1pPr marR="0" lvl="0" algn="l" rtl="0">
-              <a:spcBef>
-                <a:spcPts val="0"/>
-              </a:spcBef>
-              <a:spcAft>
-                <a:spcPts val="0"/>
-              </a:spcAft>
-              <a:buSzPts val="1400"/>
-              <a:buNone/>
-              <a:defRPr sz="1200">
-                <a:solidFill>
-                  <a:srgbClr val="888888"/>
-                </a:solidFill>
-                <a:latin typeface="Calibri"/>
-                <a:ea typeface="Calibri"/>
-                <a:cs typeface="Calibri"/>
-                <a:sym typeface="Calibri"/>
-              </a:defRPr>
-            </a:lvl1pPr>
-            <a:lvl2pPr marR="0" lvl="1" algn="l" rtl="0">
-              <a:spcBef>
-                <a:spcPts val="0"/>
-              </a:spcBef>
-              <a:spcAft>
-                <a:spcPts val="0"/>
-              </a:spcAft>
-              <a:buSzPts val="1400"/>
-              <a:buNone/>
-              <a:defRPr sz="1800" b="0" i="0" u="none" strike="noStrike" cap="none">
-                <a:solidFill>
-                  <a:schemeClr val="dk1"/>
-                </a:solidFill>
-                <a:latin typeface="Calibri"/>
-                <a:ea typeface="Calibri"/>
-                <a:cs typeface="Calibri"/>
-                <a:sym typeface="Calibri"/>
-              </a:defRPr>
-            </a:lvl2pPr>
-            <a:lvl3pPr marR="0" lvl="2" algn="l" rtl="0">
-              <a:spcBef>
-                <a:spcPts val="0"/>
-              </a:spcBef>
-              <a:spcAft>
-                <a:spcPts val="0"/>
-              </a:spcAft>
-              <a:buSzPts val="1400"/>
-              <a:buNone/>
-              <a:defRPr sz="1800" b="0" i="0" u="none" strike="noStrike" cap="none">
-                <a:solidFill>
-                  <a:schemeClr val="dk1"/>
-                </a:solidFill>
-                <a:latin typeface="Calibri"/>
-                <a:ea typeface="Calibri"/>
-                <a:cs typeface="Calibri"/>
-                <a:sym typeface="Calibri"/>
-              </a:defRPr>
-            </a:lvl3pPr>
-            <a:lvl4pPr marR="0" lvl="3" algn="l" rtl="0">
-              <a:spcBef>
-                <a:spcPts val="0"/>
-              </a:spcBef>
-              <a:spcAft>
-                <a:spcPts val="0"/>
-              </a:spcAft>
-              <a:buSzPts val="1400"/>
-              <a:buNone/>
-              <a:defRPr sz="1800" b="0" i="0" u="none" strike="noStrike" cap="none">
-                <a:solidFill>
-                  <a:schemeClr val="dk1"/>
-                </a:solidFill>
-                <a:latin typeface="Calibri"/>
-                <a:ea typeface="Calibri"/>
-                <a:cs typeface="Calibri"/>
-                <a:sym typeface="Calibri"/>
-              </a:defRPr>
-            </a:lvl4pPr>
-            <a:lvl5pPr marR="0" lvl="4" algn="l" rtl="0">
-              <a:spcBef>
-                <a:spcPts val="0"/>
-              </a:spcBef>
-              <a:spcAft>
-                <a:spcPts val="0"/>
-              </a:spcAft>
-              <a:buSzPts val="1400"/>
-              <a:buNone/>
-              <a:defRPr sz="1800" b="0" i="0" u="none" strike="noStrike" cap="none">
-                <a:solidFill>
-                  <a:schemeClr val="dk1"/>
-                </a:solidFill>
-                <a:latin typeface="Calibri"/>
-                <a:ea typeface="Calibri"/>
-                <a:cs typeface="Calibri"/>
-                <a:sym typeface="Calibri"/>
-              </a:defRPr>
-            </a:lvl5pPr>
-            <a:lvl6pPr marR="0" lvl="5" algn="l" rtl="0">
-              <a:spcBef>
-                <a:spcPts val="0"/>
-              </a:spcBef>
-              <a:spcAft>
-                <a:spcPts val="0"/>
-              </a:spcAft>
-              <a:buSzPts val="1400"/>
-              <a:buNone/>
-              <a:defRPr sz="1800" b="0" i="0" u="none" strike="noStrike" cap="none">
-                <a:solidFill>
-                  <a:schemeClr val="dk1"/>
-                </a:solidFill>
-                <a:latin typeface="Calibri"/>
-                <a:ea typeface="Calibri"/>
-                <a:cs typeface="Calibri"/>
-                <a:sym typeface="Calibri"/>
-              </a:defRPr>
-            </a:lvl6pPr>
-            <a:lvl7pPr marR="0" lvl="6" algn="l" rtl="0">
-              <a:spcBef>
-                <a:spcPts val="0"/>
-              </a:spcBef>
-              <a:spcAft>
-                <a:spcPts val="0"/>
-              </a:spcAft>
-              <a:buSzPts val="1400"/>
-              <a:buNone/>
-              <a:defRPr sz="1800" b="0" i="0" u="none" strike="noStrike" cap="none">
-                <a:solidFill>
-                  <a:schemeClr val="dk1"/>
-                </a:solidFill>
-                <a:latin typeface="Calibri"/>
-                <a:ea typeface="Calibri"/>
-                <a:cs typeface="Calibri"/>
-                <a:sym typeface="Calibri"/>
-              </a:defRPr>
-            </a:lvl7pPr>
-            <a:lvl8pPr marR="0" lvl="7" algn="l" rtl="0">
-              <a:spcBef>
-                <a:spcPts val="0"/>
-              </a:spcBef>
-              <a:spcAft>
-                <a:spcPts val="0"/>
-              </a:spcAft>
-              <a:buSzPts val="1400"/>
-              <a:buNone/>
-              <a:defRPr sz="1800" b="0" i="0" u="none" strike="noStrike" cap="none">
-                <a:solidFill>
-                  <a:schemeClr val="dk1"/>
-                </a:solidFill>
-                <a:latin typeface="Calibri"/>
-                <a:ea typeface="Calibri"/>
-                <a:cs typeface="Calibri"/>
-                <a:sym typeface="Calibri"/>
-              </a:defRPr>
-            </a:lvl8pPr>
-            <a:lvl9pPr marR="0" lvl="8" algn="l" rtl="0">
-              <a:spcBef>
-                <a:spcPts val="0"/>
-              </a:spcBef>
-              <a:spcAft>
-                <a:spcPts val="0"/>
-              </a:spcAft>
-              <a:buSzPts val="1400"/>
-              <a:buNone/>
-              <a:defRPr sz="1800" b="0" i="0" u="none" strike="noStrike" cap="none">
-                <a:solidFill>
-                  <a:schemeClr val="dk1"/>
-                </a:solidFill>
-                <a:latin typeface="Calibri"/>
-                <a:ea typeface="Calibri"/>
-                <a:cs typeface="Calibri"/>
-                <a:sym typeface="Calibri"/>
-              </a:defRPr>
-            </a:lvl9pPr>
-          </a:lstStyle>
-          <a:p>
-            <a:endParaRPr lang="en-US"/>
-          </a:p>
-        </p:txBody>
-      </p:sp>
-      <p:sp>
-        <p:nvSpPr>
-          <p:cNvPr id="78" name="Google Shape;78;p12"/>
-          <p:cNvSpPr txBox="1">
-            <a:spLocks noGrp="1"/>
-          </p:cNvSpPr>
-          <p:nvPr>
-            <p:ph type="ftr" idx="11"/>
-          </p:nvPr>
-        </p:nvSpPr>
-        <p:spPr>
-          <a:xfrm>
-            <a:off x="4038600" y="6356350"/>
-            <a:ext cx="4114800" cy="365125"/>
-          </a:xfrm>
-          <a:prstGeom prst="rect">
-            <a:avLst/>
-          </a:prstGeom>
-          <a:noFill/>
-          <a:ln>
-            <a:noFill/>
-          </a:ln>
-        </p:spPr>
-        <p:txBody>
-          <a:bodyPr spcFirstLastPara="1" wrap="square" lIns="91425" tIns="91425" rIns="91425" bIns="91425" anchor="ctr" anchorCtr="0">
-            <a:noAutofit/>
-          </a:bodyPr>
-          <a:lstStyle>
-            <a:lvl1pPr marR="0" lvl="0" algn="ctr" rtl="0">
-              <a:spcBef>
-                <a:spcPts val="0"/>
-              </a:spcBef>
-              <a:spcAft>
-                <a:spcPts val="0"/>
-              </a:spcAft>
-              <a:buSzPts val="1400"/>
-              <a:buNone/>
-              <a:defRPr sz="1200">
-                <a:solidFill>
-                  <a:srgbClr val="888888"/>
-                </a:solidFill>
-                <a:latin typeface="Calibri"/>
-                <a:ea typeface="Calibri"/>
-                <a:cs typeface="Calibri"/>
-                <a:sym typeface="Calibri"/>
-              </a:defRPr>
-            </a:lvl1pPr>
-            <a:lvl2pPr marR="0" lvl="1" algn="l" rtl="0">
-              <a:spcBef>
-                <a:spcPts val="0"/>
-              </a:spcBef>
-              <a:spcAft>
-                <a:spcPts val="0"/>
-              </a:spcAft>
-              <a:buSzPts val="1400"/>
-              <a:buNone/>
-              <a:defRPr sz="1800" b="0" i="0" u="none" strike="noStrike" cap="none">
-                <a:solidFill>
-                  <a:schemeClr val="dk1"/>
-                </a:solidFill>
-                <a:latin typeface="Calibri"/>
-                <a:ea typeface="Calibri"/>
-                <a:cs typeface="Calibri"/>
-                <a:sym typeface="Calibri"/>
-              </a:defRPr>
-            </a:lvl2pPr>
-            <a:lvl3pPr marR="0" lvl="2" algn="l" rtl="0">
-              <a:spcBef>
-                <a:spcPts val="0"/>
-              </a:spcBef>
-              <a:spcAft>
-                <a:spcPts val="0"/>
-              </a:spcAft>
-              <a:buSzPts val="1400"/>
-              <a:buNone/>
-              <a:defRPr sz="1800" b="0" i="0" u="none" strike="noStrike" cap="none">
-                <a:solidFill>
-                  <a:schemeClr val="dk1"/>
-                </a:solidFill>
-                <a:latin typeface="Calibri"/>
-                <a:ea typeface="Calibri"/>
-                <a:cs typeface="Calibri"/>
-                <a:sym typeface="Calibri"/>
-              </a:defRPr>
-            </a:lvl3pPr>
-            <a:lvl4pPr marR="0" lvl="3" algn="l" rtl="0">
-              <a:spcBef>
-                <a:spcPts val="0"/>
-              </a:spcBef>
-              <a:spcAft>
-                <a:spcPts val="0"/>
-              </a:spcAft>
-              <a:buSzPts val="1400"/>
-              <a:buNone/>
-              <a:defRPr sz="1800" b="0" i="0" u="none" strike="noStrike" cap="none">
-                <a:solidFill>
-                  <a:schemeClr val="dk1"/>
-                </a:solidFill>
-                <a:latin typeface="Calibri"/>
-                <a:ea typeface="Calibri"/>
-                <a:cs typeface="Calibri"/>
-                <a:sym typeface="Calibri"/>
-              </a:defRPr>
-            </a:lvl4pPr>
-            <a:lvl5pPr marR="0" lvl="4" algn="l" rtl="0">
-              <a:spcBef>
-                <a:spcPts val="0"/>
-              </a:spcBef>
-              <a:spcAft>
-                <a:spcPts val="0"/>
-              </a:spcAft>
-              <a:buSzPts val="1400"/>
-              <a:buNone/>
-              <a:defRPr sz="1800" b="0" i="0" u="none" strike="noStrike" cap="none">
-                <a:solidFill>
-                  <a:schemeClr val="dk1"/>
-                </a:solidFill>
-                <a:latin typeface="Calibri"/>
-                <a:ea typeface="Calibri"/>
-                <a:cs typeface="Calibri"/>
-                <a:sym typeface="Calibri"/>
-              </a:defRPr>
-            </a:lvl5pPr>
-            <a:lvl6pPr marR="0" lvl="5" algn="l" rtl="0">
-              <a:spcBef>
-                <a:spcPts val="0"/>
-              </a:spcBef>
-              <a:spcAft>
-                <a:spcPts val="0"/>
-              </a:spcAft>
-              <a:buSzPts val="1400"/>
-              <a:buNone/>
-              <a:defRPr sz="1800" b="0" i="0" u="none" strike="noStrike" cap="none">
-                <a:solidFill>
-                  <a:schemeClr val="dk1"/>
-                </a:solidFill>
-                <a:latin typeface="Calibri"/>
-                <a:ea typeface="Calibri"/>
-                <a:cs typeface="Calibri"/>
-                <a:sym typeface="Calibri"/>
-              </a:defRPr>
-            </a:lvl6pPr>
-            <a:lvl7pPr marR="0" lvl="6" algn="l" rtl="0">
-              <a:spcBef>
-                <a:spcPts val="0"/>
-              </a:spcBef>
-              <a:spcAft>
-                <a:spcPts val="0"/>
-              </a:spcAft>
-              <a:buSzPts val="1400"/>
-              <a:buNone/>
-              <a:defRPr sz="1800" b="0" i="0" u="none" strike="noStrike" cap="none">
-                <a:solidFill>
-                  <a:schemeClr val="dk1"/>
-                </a:solidFill>
-                <a:latin typeface="Calibri"/>
-                <a:ea typeface="Calibri"/>
-                <a:cs typeface="Calibri"/>
-                <a:sym typeface="Calibri"/>
-              </a:defRPr>
-            </a:lvl7pPr>
-            <a:lvl8pPr marR="0" lvl="7" algn="l" rtl="0">
-              <a:spcBef>
-                <a:spcPts val="0"/>
-              </a:spcBef>
-              <a:spcAft>
-                <a:spcPts val="0"/>
-              </a:spcAft>
-              <a:buSzPts val="1400"/>
-              <a:buNone/>
-              <a:defRPr sz="1800" b="0" i="0" u="none" strike="noStrike" cap="none">
-                <a:solidFill>
-                  <a:schemeClr val="dk1"/>
-                </a:solidFill>
-                <a:latin typeface="Calibri"/>
-                <a:ea typeface="Calibri"/>
-                <a:cs typeface="Calibri"/>
-                <a:sym typeface="Calibri"/>
-              </a:defRPr>
-            </a:lvl8pPr>
-            <a:lvl9pPr marR="0" lvl="8" algn="l" rtl="0">
-              <a:spcBef>
-                <a:spcPts val="0"/>
-              </a:spcBef>
-              <a:spcAft>
-                <a:spcPts val="0"/>
-              </a:spcAft>
-              <a:buSzPts val="1400"/>
-              <a:buNone/>
-              <a:defRPr sz="1800" b="0" i="0" u="none" strike="noStrike" cap="none">
-                <a:solidFill>
-                  <a:schemeClr val="dk1"/>
-                </a:solidFill>
-                <a:latin typeface="Calibri"/>
-                <a:ea typeface="Calibri"/>
-                <a:cs typeface="Calibri"/>
-                <a:sym typeface="Calibri"/>
-              </a:defRPr>
-            </a:lvl9pPr>
-          </a:lstStyle>
-          <a:p>
-            <a:endParaRPr lang="en-US"/>
-          </a:p>
-        </p:txBody>
-      </p:sp>
-      <p:sp>
-        <p:nvSpPr>
-          <p:cNvPr id="79" name="Google Shape;79;p12"/>
-          <p:cNvSpPr txBox="1">
-            <a:spLocks noGrp="1"/>
-          </p:cNvSpPr>
-          <p:nvPr>
-            <p:ph type="sldNum" idx="12"/>
-          </p:nvPr>
-        </p:nvSpPr>
-        <p:spPr>
-          <a:xfrm>
-            <a:off x="8610600" y="6356350"/>
-            <a:ext cx="2743200" cy="365125"/>
-          </a:xfrm>
-          <a:prstGeom prst="rect">
-            <a:avLst/>
-          </a:prstGeom>
-          <a:noFill/>
-          <a:ln>
-            <a:noFill/>
-          </a:ln>
-        </p:spPr>
-        <p:txBody>
-          <a:bodyPr spcFirstLastPara="1" wrap="square" lIns="91425" tIns="45700" rIns="91425" bIns="45700" anchor="ctr" anchorCtr="0">
-            <a:noAutofit/>
-          </a:bodyPr>
-          <a:lstStyle>
-            <a:lvl1pPr marL="0" marR="0" lvl="0" indent="0" algn="r" rtl="0">
-              <a:spcBef>
-                <a:spcPts val="0"/>
-              </a:spcBef>
-              <a:buNone/>
-              <a:defRPr sz="1200">
-                <a:solidFill>
-                  <a:srgbClr val="888888"/>
-                </a:solidFill>
-                <a:latin typeface="Calibri"/>
-                <a:ea typeface="Calibri"/>
-                <a:cs typeface="Calibri"/>
-                <a:sym typeface="Calibri"/>
-              </a:defRPr>
-            </a:lvl1pPr>
-            <a:lvl2pPr marL="0" marR="0" lvl="1" indent="0" algn="r" rtl="0">
-              <a:spcBef>
-                <a:spcPts val="0"/>
-              </a:spcBef>
-              <a:buNone/>
-              <a:defRPr sz="1200">
-                <a:solidFill>
-                  <a:srgbClr val="888888"/>
-                </a:solidFill>
-                <a:latin typeface="Calibri"/>
-                <a:ea typeface="Calibri"/>
-                <a:cs typeface="Calibri"/>
-                <a:sym typeface="Calibri"/>
-              </a:defRPr>
-            </a:lvl2pPr>
-            <a:lvl3pPr marL="0" marR="0" lvl="2" indent="0" algn="r" rtl="0">
-              <a:spcBef>
-                <a:spcPts val="0"/>
-              </a:spcBef>
-              <a:buNone/>
-              <a:defRPr sz="1200">
-                <a:solidFill>
-                  <a:srgbClr val="888888"/>
-                </a:solidFill>
-                <a:latin typeface="Calibri"/>
-                <a:ea typeface="Calibri"/>
-                <a:cs typeface="Calibri"/>
-                <a:sym typeface="Calibri"/>
-              </a:defRPr>
-            </a:lvl3pPr>
-            <a:lvl4pPr marL="0" marR="0" lvl="3" indent="0" algn="r" rtl="0">
-              <a:spcBef>
-                <a:spcPts val="0"/>
-              </a:spcBef>
-              <a:buNone/>
-              <a:defRPr sz="1200">
-                <a:solidFill>
-                  <a:srgbClr val="888888"/>
-                </a:solidFill>
-                <a:latin typeface="Calibri"/>
-                <a:ea typeface="Calibri"/>
-                <a:cs typeface="Calibri"/>
-                <a:sym typeface="Calibri"/>
-              </a:defRPr>
-            </a:lvl4pPr>
-            <a:lvl5pPr marL="0" marR="0" lvl="4" indent="0" algn="r" rtl="0">
-              <a:spcBef>
-                <a:spcPts val="0"/>
-              </a:spcBef>
-              <a:buNone/>
-              <a:defRPr sz="1200">
-                <a:solidFill>
-                  <a:srgbClr val="888888"/>
-                </a:solidFill>
-                <a:latin typeface="Calibri"/>
-                <a:ea typeface="Calibri"/>
-                <a:cs typeface="Calibri"/>
-                <a:sym typeface="Calibri"/>
-              </a:defRPr>
-            </a:lvl5pPr>
-            <a:lvl6pPr marL="0" marR="0" lvl="5" indent="0" algn="r" rtl="0">
-              <a:spcBef>
-                <a:spcPts val="0"/>
-              </a:spcBef>
-              <a:buNone/>
-              <a:defRPr sz="1200">
-                <a:solidFill>
-                  <a:srgbClr val="888888"/>
-                </a:solidFill>
-                <a:latin typeface="Calibri"/>
-                <a:ea typeface="Calibri"/>
-                <a:cs typeface="Calibri"/>
-                <a:sym typeface="Calibri"/>
-              </a:defRPr>
-            </a:lvl6pPr>
-            <a:lvl7pPr marL="0" marR="0" lvl="6" indent="0" algn="r" rtl="0">
-              <a:spcBef>
-                <a:spcPts val="0"/>
-              </a:spcBef>
-              <a:buNone/>
-              <a:defRPr sz="1200">
-                <a:solidFill>
-                  <a:srgbClr val="888888"/>
-                </a:solidFill>
-                <a:latin typeface="Calibri"/>
-                <a:ea typeface="Calibri"/>
-                <a:cs typeface="Calibri"/>
-                <a:sym typeface="Calibri"/>
-              </a:defRPr>
-            </a:lvl7pPr>
-            <a:lvl8pPr marL="0" marR="0" lvl="7" indent="0" algn="r" rtl="0">
-              <a:spcBef>
-                <a:spcPts val="0"/>
-              </a:spcBef>
-              <a:buNone/>
-              <a:defRPr sz="1200">
-                <a:solidFill>
-                  <a:srgbClr val="888888"/>
-                </a:solidFill>
-                <a:latin typeface="Calibri"/>
-                <a:ea typeface="Calibri"/>
-                <a:cs typeface="Calibri"/>
-                <a:sym typeface="Calibri"/>
-              </a:defRPr>
-            </a:lvl8pPr>
-            <a:lvl9pPr marL="0" marR="0" lvl="8" indent="0" algn="r" rtl="0">
-              <a:spcBef>
-                <a:spcPts val="0"/>
-              </a:spcBef>
-              <a:buNone/>
-              <a:defRPr sz="1200">
-                <a:solidFill>
-                  <a:srgbClr val="888888"/>
-                </a:solidFill>
-                <a:latin typeface="Calibri"/>
-                <a:ea typeface="Calibri"/>
-                <a:cs typeface="Calibri"/>
-                <a:sym typeface="Calibri"/>
-              </a:defRPr>
-            </a:lvl9pPr>
-          </a:lstStyle>
-          <a:p>
-            <a:pPr marL="0" lvl="0" indent="0" algn="r" rtl="0">
-              <a:spcBef>
-                <a:spcPts val="0"/>
-              </a:spcBef>
-              <a:spcAft>
-                <a:spcPts val="0"/>
-              </a:spcAft>
-              <a:buNone/>
-            </a:pPr>
-            <a:fld id="{00000000-1234-1234-1234-123412341234}" type="slidenum">
-              <a:rPr lang="en-US" smtClean="0"/>
-              <a:t>‹#›</a:t>
-            </a:fld>
-            <a:endParaRPr lang="en-US"/>
-          </a:p>
-        </p:txBody>
-      </p:sp>
-    </p:spTree>
-    <p:extLst>
-      <p:ext uri="{BB962C8B-B14F-4D97-AF65-F5344CB8AC3E}">
-        <p14:creationId xmlns:p14="http://schemas.microsoft.com/office/powerpoint/2010/main" val="504512511"/>
-      </p:ext>
-    </p:extLst>
-  </p:cSld>
-  <p:clrMapOvr>
-    <a:masterClrMapping/>
-  </p:clrMapOvr>
-</p:sldLayout>
-</file>
-
-<file path=ppt/slideLayouts/slideLayout11.xml><?xml version="1.0" encoding="utf-8"?>
 <p:sldLayout xmlns:a="http://schemas.openxmlformats.org/drawingml/2006/main" xmlns:r="http://schemas.openxmlformats.org/officeDocument/2006/relationships" xmlns:p="http://schemas.openxmlformats.org/presentationml/2006/main" userDrawn="1">
   <p:cSld name="Content 3 Column">
     <p:bg>
@@ -15413,1324 +15359,6 @@
 </file>
 
 <file path=ppt/slideLayouts/slideLayout8.xml><?xml version="1.0" encoding="utf-8"?>
-<p:sldLayout xmlns:a="http://schemas.openxmlformats.org/drawingml/2006/main" xmlns:r="http://schemas.openxmlformats.org/officeDocument/2006/relationships" xmlns:p="http://schemas.openxmlformats.org/presentationml/2006/main" matchingName="Picture with Caption" type="picTx">
-  <p:cSld name="Picture with Caption">
-    <p:spTree>
-      <p:nvGrpSpPr>
-        <p:cNvPr id="1" name="Shape 61"/>
-        <p:cNvGrpSpPr/>
-        <p:nvPr/>
-      </p:nvGrpSpPr>
-      <p:grpSpPr>
-        <a:xfrm>
-          <a:off x="0" y="0"/>
-          <a:ext cx="0" cy="0"/>
-          <a:chOff x="0" y="0"/>
-          <a:chExt cx="0" cy="0"/>
-        </a:xfrm>
-      </p:grpSpPr>
-      <p:sp>
-        <p:nvSpPr>
-          <p:cNvPr id="62" name="Google Shape;62;p10"/>
-          <p:cNvSpPr txBox="1">
-            <a:spLocks noGrp="1"/>
-          </p:cNvSpPr>
-          <p:nvPr>
-            <p:ph type="title"/>
-          </p:nvPr>
-        </p:nvSpPr>
-        <p:spPr>
-          <a:xfrm>
-            <a:off x="839788" y="457200"/>
-            <a:ext cx="3932237" cy="1600200"/>
-          </a:xfrm>
-          <a:prstGeom prst="rect">
-            <a:avLst/>
-          </a:prstGeom>
-          <a:noFill/>
-          <a:ln>
-            <a:noFill/>
-          </a:ln>
-        </p:spPr>
-        <p:txBody>
-          <a:bodyPr spcFirstLastPara="1" wrap="square" lIns="91425" tIns="91425" rIns="91425" bIns="91425" anchor="b" anchorCtr="0">
-            <a:noAutofit/>
-          </a:bodyPr>
-          <a:lstStyle>
-            <a:lvl1pPr marR="0" lvl="0" algn="l" rtl="0">
-              <a:lnSpc>
-                <a:spcPct val="90000"/>
-              </a:lnSpc>
-              <a:spcBef>
-                <a:spcPts val="0"/>
-              </a:spcBef>
-              <a:spcAft>
-                <a:spcPts val="0"/>
-              </a:spcAft>
-              <a:buClr>
-                <a:schemeClr val="dk1"/>
-              </a:buClr>
-              <a:buSzPts val="3200"/>
-              <a:buFont typeface="Calibri"/>
-              <a:buNone/>
-              <a:defRPr sz="3200" b="0" i="0" u="none" strike="noStrike" cap="none">
-                <a:solidFill>
-                  <a:schemeClr val="dk1"/>
-                </a:solidFill>
-                <a:latin typeface="Calibri"/>
-                <a:ea typeface="Calibri"/>
-                <a:cs typeface="Calibri"/>
-                <a:sym typeface="Calibri"/>
-              </a:defRPr>
-            </a:lvl1pPr>
-            <a:lvl2pPr lvl="1">
-              <a:spcBef>
-                <a:spcPts val="0"/>
-              </a:spcBef>
-              <a:spcAft>
-                <a:spcPts val="0"/>
-              </a:spcAft>
-              <a:buSzPts val="1400"/>
-              <a:buNone/>
-              <a:defRPr sz="1800"/>
-            </a:lvl2pPr>
-            <a:lvl3pPr lvl="2">
-              <a:spcBef>
-                <a:spcPts val="0"/>
-              </a:spcBef>
-              <a:spcAft>
-                <a:spcPts val="0"/>
-              </a:spcAft>
-              <a:buSzPts val="1400"/>
-              <a:buNone/>
-              <a:defRPr sz="1800"/>
-            </a:lvl3pPr>
-            <a:lvl4pPr lvl="3">
-              <a:spcBef>
-                <a:spcPts val="0"/>
-              </a:spcBef>
-              <a:spcAft>
-                <a:spcPts val="0"/>
-              </a:spcAft>
-              <a:buSzPts val="1400"/>
-              <a:buNone/>
-              <a:defRPr sz="1800"/>
-            </a:lvl4pPr>
-            <a:lvl5pPr lvl="4">
-              <a:spcBef>
-                <a:spcPts val="0"/>
-              </a:spcBef>
-              <a:spcAft>
-                <a:spcPts val="0"/>
-              </a:spcAft>
-              <a:buSzPts val="1400"/>
-              <a:buNone/>
-              <a:defRPr sz="1800"/>
-            </a:lvl5pPr>
-            <a:lvl6pPr lvl="5">
-              <a:spcBef>
-                <a:spcPts val="0"/>
-              </a:spcBef>
-              <a:spcAft>
-                <a:spcPts val="0"/>
-              </a:spcAft>
-              <a:buSzPts val="1400"/>
-              <a:buNone/>
-              <a:defRPr sz="1800"/>
-            </a:lvl6pPr>
-            <a:lvl7pPr lvl="6">
-              <a:spcBef>
-                <a:spcPts val="0"/>
-              </a:spcBef>
-              <a:spcAft>
-                <a:spcPts val="0"/>
-              </a:spcAft>
-              <a:buSzPts val="1400"/>
-              <a:buNone/>
-              <a:defRPr sz="1800"/>
-            </a:lvl7pPr>
-            <a:lvl8pPr lvl="7">
-              <a:spcBef>
-                <a:spcPts val="0"/>
-              </a:spcBef>
-              <a:spcAft>
-                <a:spcPts val="0"/>
-              </a:spcAft>
-              <a:buSzPts val="1400"/>
-              <a:buNone/>
-              <a:defRPr sz="1800"/>
-            </a:lvl8pPr>
-            <a:lvl9pPr lvl="8">
-              <a:spcBef>
-                <a:spcPts val="0"/>
-              </a:spcBef>
-              <a:spcAft>
-                <a:spcPts val="0"/>
-              </a:spcAft>
-              <a:buSzPts val="1400"/>
-              <a:buNone/>
-              <a:defRPr sz="1800"/>
-            </a:lvl9pPr>
-          </a:lstStyle>
-          <a:p>
-            <a:r>
-              <a:rPr lang="en-US"/>
-              <a:t>Click to edit Master title style</a:t>
-            </a:r>
-            <a:endParaRPr/>
-          </a:p>
-        </p:txBody>
-      </p:sp>
-      <p:sp>
-        <p:nvSpPr>
-          <p:cNvPr id="63" name="Google Shape;63;p10"/>
-          <p:cNvSpPr>
-            <a:spLocks noGrp="1"/>
-          </p:cNvSpPr>
-          <p:nvPr>
-            <p:ph type="pic" idx="2"/>
-          </p:nvPr>
-        </p:nvSpPr>
-        <p:spPr>
-          <a:xfrm>
-            <a:off x="5183188" y="987425"/>
-            <a:ext cx="6172200" cy="4873625"/>
-          </a:xfrm>
-          <a:prstGeom prst="rect">
-            <a:avLst/>
-          </a:prstGeom>
-          <a:noFill/>
-          <a:ln>
-            <a:noFill/>
-          </a:ln>
-        </p:spPr>
-        <p:txBody>
-          <a:bodyPr spcFirstLastPara="1" wrap="square" lIns="91425" tIns="91425" rIns="91425" bIns="91425" anchor="t" anchorCtr="0">
-            <a:noAutofit/>
-          </a:bodyPr>
-          <a:lstStyle>
-            <a:lvl1pPr marR="0" lvl="0" algn="l" rtl="0">
-              <a:lnSpc>
-                <a:spcPct val="90000"/>
-              </a:lnSpc>
-              <a:spcBef>
-                <a:spcPts val="1000"/>
-              </a:spcBef>
-              <a:spcAft>
-                <a:spcPts val="0"/>
-              </a:spcAft>
-              <a:buClr>
-                <a:schemeClr val="dk1"/>
-              </a:buClr>
-              <a:buSzPts val="3200"/>
-              <a:buFont typeface="Arial"/>
-              <a:buNone/>
-              <a:defRPr sz="3200" b="0" i="0" u="none" strike="noStrike" cap="none">
-                <a:solidFill>
-                  <a:schemeClr val="dk1"/>
-                </a:solidFill>
-                <a:latin typeface="Calibri"/>
-                <a:ea typeface="Calibri"/>
-                <a:cs typeface="Calibri"/>
-                <a:sym typeface="Calibri"/>
-              </a:defRPr>
-            </a:lvl1pPr>
-            <a:lvl2pPr marR="0" lvl="1" algn="l" rtl="0">
-              <a:lnSpc>
-                <a:spcPct val="90000"/>
-              </a:lnSpc>
-              <a:spcBef>
-                <a:spcPts val="500"/>
-              </a:spcBef>
-              <a:spcAft>
-                <a:spcPts val="0"/>
-              </a:spcAft>
-              <a:buClr>
-                <a:schemeClr val="dk1"/>
-              </a:buClr>
-              <a:buSzPts val="2800"/>
-              <a:buFont typeface="Arial"/>
-              <a:buNone/>
-              <a:defRPr sz="2800" b="0" i="0" u="none" strike="noStrike" cap="none">
-                <a:solidFill>
-                  <a:schemeClr val="dk1"/>
-                </a:solidFill>
-                <a:latin typeface="Calibri"/>
-                <a:ea typeface="Calibri"/>
-                <a:cs typeface="Calibri"/>
-                <a:sym typeface="Calibri"/>
-              </a:defRPr>
-            </a:lvl2pPr>
-            <a:lvl3pPr marR="0" lvl="2" algn="l" rtl="0">
-              <a:lnSpc>
-                <a:spcPct val="90000"/>
-              </a:lnSpc>
-              <a:spcBef>
-                <a:spcPts val="500"/>
-              </a:spcBef>
-              <a:spcAft>
-                <a:spcPts val="0"/>
-              </a:spcAft>
-              <a:buClr>
-                <a:schemeClr val="dk1"/>
-              </a:buClr>
-              <a:buSzPts val="2400"/>
-              <a:buFont typeface="Arial"/>
-              <a:buNone/>
-              <a:defRPr sz="2400" b="0" i="0" u="none" strike="noStrike" cap="none">
-                <a:solidFill>
-                  <a:schemeClr val="dk1"/>
-                </a:solidFill>
-                <a:latin typeface="Calibri"/>
-                <a:ea typeface="Calibri"/>
-                <a:cs typeface="Calibri"/>
-                <a:sym typeface="Calibri"/>
-              </a:defRPr>
-            </a:lvl3pPr>
-            <a:lvl4pPr marR="0" lvl="3" algn="l" rtl="0">
-              <a:lnSpc>
-                <a:spcPct val="90000"/>
-              </a:lnSpc>
-              <a:spcBef>
-                <a:spcPts val="500"/>
-              </a:spcBef>
-              <a:spcAft>
-                <a:spcPts val="0"/>
-              </a:spcAft>
-              <a:buClr>
-                <a:schemeClr val="dk1"/>
-              </a:buClr>
-              <a:buSzPts val="2000"/>
-              <a:buFont typeface="Arial"/>
-              <a:buNone/>
-              <a:defRPr sz="2000" b="0" i="0" u="none" strike="noStrike" cap="none">
-                <a:solidFill>
-                  <a:schemeClr val="dk1"/>
-                </a:solidFill>
-                <a:latin typeface="Calibri"/>
-                <a:ea typeface="Calibri"/>
-                <a:cs typeface="Calibri"/>
-                <a:sym typeface="Calibri"/>
-              </a:defRPr>
-            </a:lvl4pPr>
-            <a:lvl5pPr marR="0" lvl="4" algn="l" rtl="0">
-              <a:lnSpc>
-                <a:spcPct val="90000"/>
-              </a:lnSpc>
-              <a:spcBef>
-                <a:spcPts val="500"/>
-              </a:spcBef>
-              <a:spcAft>
-                <a:spcPts val="0"/>
-              </a:spcAft>
-              <a:buClr>
-                <a:schemeClr val="dk1"/>
-              </a:buClr>
-              <a:buSzPts val="2000"/>
-              <a:buFont typeface="Arial"/>
-              <a:buNone/>
-              <a:defRPr sz="2000" b="0" i="0" u="none" strike="noStrike" cap="none">
-                <a:solidFill>
-                  <a:schemeClr val="dk1"/>
-                </a:solidFill>
-                <a:latin typeface="Calibri"/>
-                <a:ea typeface="Calibri"/>
-                <a:cs typeface="Calibri"/>
-                <a:sym typeface="Calibri"/>
-              </a:defRPr>
-            </a:lvl5pPr>
-            <a:lvl6pPr marR="0" lvl="5" algn="l" rtl="0">
-              <a:lnSpc>
-                <a:spcPct val="90000"/>
-              </a:lnSpc>
-              <a:spcBef>
-                <a:spcPts val="500"/>
-              </a:spcBef>
-              <a:spcAft>
-                <a:spcPts val="0"/>
-              </a:spcAft>
-              <a:buClr>
-                <a:schemeClr val="dk1"/>
-              </a:buClr>
-              <a:buSzPts val="2000"/>
-              <a:buFont typeface="Arial"/>
-              <a:buNone/>
-              <a:defRPr sz="2000" b="0" i="0" u="none" strike="noStrike" cap="none">
-                <a:solidFill>
-                  <a:schemeClr val="dk1"/>
-                </a:solidFill>
-                <a:latin typeface="Calibri"/>
-                <a:ea typeface="Calibri"/>
-                <a:cs typeface="Calibri"/>
-                <a:sym typeface="Calibri"/>
-              </a:defRPr>
-            </a:lvl6pPr>
-            <a:lvl7pPr marR="0" lvl="6" algn="l" rtl="0">
-              <a:lnSpc>
-                <a:spcPct val="90000"/>
-              </a:lnSpc>
-              <a:spcBef>
-                <a:spcPts val="500"/>
-              </a:spcBef>
-              <a:spcAft>
-                <a:spcPts val="0"/>
-              </a:spcAft>
-              <a:buClr>
-                <a:schemeClr val="dk1"/>
-              </a:buClr>
-              <a:buSzPts val="2000"/>
-              <a:buFont typeface="Arial"/>
-              <a:buNone/>
-              <a:defRPr sz="2000" b="0" i="0" u="none" strike="noStrike" cap="none">
-                <a:solidFill>
-                  <a:schemeClr val="dk1"/>
-                </a:solidFill>
-                <a:latin typeface="Calibri"/>
-                <a:ea typeface="Calibri"/>
-                <a:cs typeface="Calibri"/>
-                <a:sym typeface="Calibri"/>
-              </a:defRPr>
-            </a:lvl7pPr>
-            <a:lvl8pPr marR="0" lvl="7" algn="l" rtl="0">
-              <a:lnSpc>
-                <a:spcPct val="90000"/>
-              </a:lnSpc>
-              <a:spcBef>
-                <a:spcPts val="500"/>
-              </a:spcBef>
-              <a:spcAft>
-                <a:spcPts val="0"/>
-              </a:spcAft>
-              <a:buClr>
-                <a:schemeClr val="dk1"/>
-              </a:buClr>
-              <a:buSzPts val="2000"/>
-              <a:buFont typeface="Arial"/>
-              <a:buNone/>
-              <a:defRPr sz="2000" b="0" i="0" u="none" strike="noStrike" cap="none">
-                <a:solidFill>
-                  <a:schemeClr val="dk1"/>
-                </a:solidFill>
-                <a:latin typeface="Calibri"/>
-                <a:ea typeface="Calibri"/>
-                <a:cs typeface="Calibri"/>
-                <a:sym typeface="Calibri"/>
-              </a:defRPr>
-            </a:lvl8pPr>
-            <a:lvl9pPr marR="0" lvl="8" algn="l" rtl="0">
-              <a:lnSpc>
-                <a:spcPct val="90000"/>
-              </a:lnSpc>
-              <a:spcBef>
-                <a:spcPts val="500"/>
-              </a:spcBef>
-              <a:spcAft>
-                <a:spcPts val="0"/>
-              </a:spcAft>
-              <a:buClr>
-                <a:schemeClr val="dk1"/>
-              </a:buClr>
-              <a:buSzPts val="2000"/>
-              <a:buFont typeface="Arial"/>
-              <a:buNone/>
-              <a:defRPr sz="2000" b="0" i="0" u="none" strike="noStrike" cap="none">
-                <a:solidFill>
-                  <a:schemeClr val="dk1"/>
-                </a:solidFill>
-                <a:latin typeface="Calibri"/>
-                <a:ea typeface="Calibri"/>
-                <a:cs typeface="Calibri"/>
-                <a:sym typeface="Calibri"/>
-              </a:defRPr>
-            </a:lvl9pPr>
-          </a:lstStyle>
-          <a:p>
-            <a:r>
-              <a:rPr lang="en-US"/>
-              <a:t>Click icon to add picture</a:t>
-            </a:r>
-            <a:endParaRPr/>
-          </a:p>
-        </p:txBody>
-      </p:sp>
-      <p:sp>
-        <p:nvSpPr>
-          <p:cNvPr id="64" name="Google Shape;64;p10"/>
-          <p:cNvSpPr txBox="1">
-            <a:spLocks noGrp="1"/>
-          </p:cNvSpPr>
-          <p:nvPr>
-            <p:ph type="body" idx="1"/>
-          </p:nvPr>
-        </p:nvSpPr>
-        <p:spPr>
-          <a:xfrm>
-            <a:off x="839788" y="2057400"/>
-            <a:ext cx="3932237" cy="3811588"/>
-          </a:xfrm>
-          <a:prstGeom prst="rect">
-            <a:avLst/>
-          </a:prstGeom>
-          <a:noFill/>
-          <a:ln>
-            <a:noFill/>
-          </a:ln>
-        </p:spPr>
-        <p:txBody>
-          <a:bodyPr spcFirstLastPara="1" wrap="square" lIns="91425" tIns="91425" rIns="91425" bIns="91425" anchor="t" anchorCtr="0">
-            <a:noAutofit/>
-          </a:bodyPr>
-          <a:lstStyle>
-            <a:lvl1pPr marL="457200" marR="0" lvl="0" indent="-228600" algn="l" rtl="0">
-              <a:lnSpc>
-                <a:spcPct val="90000"/>
-              </a:lnSpc>
-              <a:spcBef>
-                <a:spcPts val="1000"/>
-              </a:spcBef>
-              <a:spcAft>
-                <a:spcPts val="0"/>
-              </a:spcAft>
-              <a:buClr>
-                <a:schemeClr val="dk1"/>
-              </a:buClr>
-              <a:buSzPts val="1600"/>
-              <a:buFont typeface="Arial"/>
-              <a:buNone/>
-              <a:defRPr sz="1600" b="0" i="0" u="none" strike="noStrike" cap="none">
-                <a:solidFill>
-                  <a:schemeClr val="dk1"/>
-                </a:solidFill>
-                <a:latin typeface="Calibri"/>
-                <a:ea typeface="Calibri"/>
-                <a:cs typeface="Calibri"/>
-                <a:sym typeface="Calibri"/>
-              </a:defRPr>
-            </a:lvl1pPr>
-            <a:lvl2pPr marL="914400" marR="0" lvl="1" indent="-228600" algn="l" rtl="0">
-              <a:lnSpc>
-                <a:spcPct val="90000"/>
-              </a:lnSpc>
-              <a:spcBef>
-                <a:spcPts val="500"/>
-              </a:spcBef>
-              <a:spcAft>
-                <a:spcPts val="0"/>
-              </a:spcAft>
-              <a:buClr>
-                <a:schemeClr val="dk1"/>
-              </a:buClr>
-              <a:buSzPts val="1400"/>
-              <a:buFont typeface="Arial"/>
-              <a:buNone/>
-              <a:defRPr sz="1400" b="0" i="0" u="none" strike="noStrike" cap="none">
-                <a:solidFill>
-                  <a:schemeClr val="dk1"/>
-                </a:solidFill>
-                <a:latin typeface="Calibri"/>
-                <a:ea typeface="Calibri"/>
-                <a:cs typeface="Calibri"/>
-                <a:sym typeface="Calibri"/>
-              </a:defRPr>
-            </a:lvl2pPr>
-            <a:lvl3pPr marL="1371600" marR="0" lvl="2" indent="-228600" algn="l" rtl="0">
-              <a:lnSpc>
-                <a:spcPct val="90000"/>
-              </a:lnSpc>
-              <a:spcBef>
-                <a:spcPts val="500"/>
-              </a:spcBef>
-              <a:spcAft>
-                <a:spcPts val="0"/>
-              </a:spcAft>
-              <a:buClr>
-                <a:schemeClr val="dk1"/>
-              </a:buClr>
-              <a:buSzPts val="1200"/>
-              <a:buFont typeface="Arial"/>
-              <a:buNone/>
-              <a:defRPr sz="1200" b="0" i="0" u="none" strike="noStrike" cap="none">
-                <a:solidFill>
-                  <a:schemeClr val="dk1"/>
-                </a:solidFill>
-                <a:latin typeface="Calibri"/>
-                <a:ea typeface="Calibri"/>
-                <a:cs typeface="Calibri"/>
-                <a:sym typeface="Calibri"/>
-              </a:defRPr>
-            </a:lvl3pPr>
-            <a:lvl4pPr marL="1828800" marR="0" lvl="3" indent="-228600" algn="l" rtl="0">
-              <a:lnSpc>
-                <a:spcPct val="90000"/>
-              </a:lnSpc>
-              <a:spcBef>
-                <a:spcPts val="500"/>
-              </a:spcBef>
-              <a:spcAft>
-                <a:spcPts val="0"/>
-              </a:spcAft>
-              <a:buClr>
-                <a:schemeClr val="dk1"/>
-              </a:buClr>
-              <a:buSzPts val="1000"/>
-              <a:buFont typeface="Arial"/>
-              <a:buNone/>
-              <a:defRPr sz="1000" b="0" i="0" u="none" strike="noStrike" cap="none">
-                <a:solidFill>
-                  <a:schemeClr val="dk1"/>
-                </a:solidFill>
-                <a:latin typeface="Calibri"/>
-                <a:ea typeface="Calibri"/>
-                <a:cs typeface="Calibri"/>
-                <a:sym typeface="Calibri"/>
-              </a:defRPr>
-            </a:lvl4pPr>
-            <a:lvl5pPr marL="2286000" marR="0" lvl="4" indent="-228600" algn="l" rtl="0">
-              <a:lnSpc>
-                <a:spcPct val="90000"/>
-              </a:lnSpc>
-              <a:spcBef>
-                <a:spcPts val="500"/>
-              </a:spcBef>
-              <a:spcAft>
-                <a:spcPts val="0"/>
-              </a:spcAft>
-              <a:buClr>
-                <a:schemeClr val="dk1"/>
-              </a:buClr>
-              <a:buSzPts val="1000"/>
-              <a:buFont typeface="Arial"/>
-              <a:buNone/>
-              <a:defRPr sz="1000" b="0" i="0" u="none" strike="noStrike" cap="none">
-                <a:solidFill>
-                  <a:schemeClr val="dk1"/>
-                </a:solidFill>
-                <a:latin typeface="Calibri"/>
-                <a:ea typeface="Calibri"/>
-                <a:cs typeface="Calibri"/>
-                <a:sym typeface="Calibri"/>
-              </a:defRPr>
-            </a:lvl5pPr>
-            <a:lvl6pPr marL="2743200" marR="0" lvl="5" indent="-228600" algn="l" rtl="0">
-              <a:lnSpc>
-                <a:spcPct val="90000"/>
-              </a:lnSpc>
-              <a:spcBef>
-                <a:spcPts val="500"/>
-              </a:spcBef>
-              <a:spcAft>
-                <a:spcPts val="0"/>
-              </a:spcAft>
-              <a:buClr>
-                <a:schemeClr val="dk1"/>
-              </a:buClr>
-              <a:buSzPts val="1000"/>
-              <a:buFont typeface="Arial"/>
-              <a:buNone/>
-              <a:defRPr sz="1000" b="0" i="0" u="none" strike="noStrike" cap="none">
-                <a:solidFill>
-                  <a:schemeClr val="dk1"/>
-                </a:solidFill>
-                <a:latin typeface="Calibri"/>
-                <a:ea typeface="Calibri"/>
-                <a:cs typeface="Calibri"/>
-                <a:sym typeface="Calibri"/>
-              </a:defRPr>
-            </a:lvl6pPr>
-            <a:lvl7pPr marL="3200400" marR="0" lvl="6" indent="-228600" algn="l" rtl="0">
-              <a:lnSpc>
-                <a:spcPct val="90000"/>
-              </a:lnSpc>
-              <a:spcBef>
-                <a:spcPts val="500"/>
-              </a:spcBef>
-              <a:spcAft>
-                <a:spcPts val="0"/>
-              </a:spcAft>
-              <a:buClr>
-                <a:schemeClr val="dk1"/>
-              </a:buClr>
-              <a:buSzPts val="1000"/>
-              <a:buFont typeface="Arial"/>
-              <a:buNone/>
-              <a:defRPr sz="1000" b="0" i="0" u="none" strike="noStrike" cap="none">
-                <a:solidFill>
-                  <a:schemeClr val="dk1"/>
-                </a:solidFill>
-                <a:latin typeface="Calibri"/>
-                <a:ea typeface="Calibri"/>
-                <a:cs typeface="Calibri"/>
-                <a:sym typeface="Calibri"/>
-              </a:defRPr>
-            </a:lvl7pPr>
-            <a:lvl8pPr marL="3657600" marR="0" lvl="7" indent="-228600" algn="l" rtl="0">
-              <a:lnSpc>
-                <a:spcPct val="90000"/>
-              </a:lnSpc>
-              <a:spcBef>
-                <a:spcPts val="500"/>
-              </a:spcBef>
-              <a:spcAft>
-                <a:spcPts val="0"/>
-              </a:spcAft>
-              <a:buClr>
-                <a:schemeClr val="dk1"/>
-              </a:buClr>
-              <a:buSzPts val="1000"/>
-              <a:buFont typeface="Arial"/>
-              <a:buNone/>
-              <a:defRPr sz="1000" b="0" i="0" u="none" strike="noStrike" cap="none">
-                <a:solidFill>
-                  <a:schemeClr val="dk1"/>
-                </a:solidFill>
-                <a:latin typeface="Calibri"/>
-                <a:ea typeface="Calibri"/>
-                <a:cs typeface="Calibri"/>
-                <a:sym typeface="Calibri"/>
-              </a:defRPr>
-            </a:lvl8pPr>
-            <a:lvl9pPr marL="4114800" marR="0" lvl="8" indent="-228600" algn="l" rtl="0">
-              <a:lnSpc>
-                <a:spcPct val="90000"/>
-              </a:lnSpc>
-              <a:spcBef>
-                <a:spcPts val="500"/>
-              </a:spcBef>
-              <a:spcAft>
-                <a:spcPts val="0"/>
-              </a:spcAft>
-              <a:buClr>
-                <a:schemeClr val="dk1"/>
-              </a:buClr>
-              <a:buSzPts val="1000"/>
-              <a:buFont typeface="Arial"/>
-              <a:buNone/>
-              <a:defRPr sz="1000" b="0" i="0" u="none" strike="noStrike" cap="none">
-                <a:solidFill>
-                  <a:schemeClr val="dk1"/>
-                </a:solidFill>
-                <a:latin typeface="Calibri"/>
-                <a:ea typeface="Calibri"/>
-                <a:cs typeface="Calibri"/>
-                <a:sym typeface="Calibri"/>
-              </a:defRPr>
-            </a:lvl9pPr>
-          </a:lstStyle>
-          <a:p>
-            <a:pPr lvl="0"/>
-            <a:r>
-              <a:rPr lang="en-US"/>
-              <a:t>Click to edit Master text styles</a:t>
-            </a:r>
-          </a:p>
-        </p:txBody>
-      </p:sp>
-      <p:sp>
-        <p:nvSpPr>
-          <p:cNvPr id="65" name="Google Shape;65;p10"/>
-          <p:cNvSpPr txBox="1">
-            <a:spLocks noGrp="1"/>
-          </p:cNvSpPr>
-          <p:nvPr>
-            <p:ph type="dt" idx="10"/>
-          </p:nvPr>
-        </p:nvSpPr>
-        <p:spPr>
-          <a:xfrm>
-            <a:off x="838200" y="6356350"/>
-            <a:ext cx="2743200" cy="365125"/>
-          </a:xfrm>
-          <a:prstGeom prst="rect">
-            <a:avLst/>
-          </a:prstGeom>
-          <a:noFill/>
-          <a:ln>
-            <a:noFill/>
-          </a:ln>
-        </p:spPr>
-        <p:txBody>
-          <a:bodyPr spcFirstLastPara="1" wrap="square" lIns="91425" tIns="91425" rIns="91425" bIns="91425" anchor="ctr" anchorCtr="0">
-            <a:noAutofit/>
-          </a:bodyPr>
-          <a:lstStyle>
-            <a:lvl1pPr marR="0" lvl="0" algn="l" rtl="0">
-              <a:spcBef>
-                <a:spcPts val="0"/>
-              </a:spcBef>
-              <a:spcAft>
-                <a:spcPts val="0"/>
-              </a:spcAft>
-              <a:buSzPts val="1400"/>
-              <a:buNone/>
-              <a:defRPr sz="1200">
-                <a:solidFill>
-                  <a:srgbClr val="888888"/>
-                </a:solidFill>
-                <a:latin typeface="Calibri"/>
-                <a:ea typeface="Calibri"/>
-                <a:cs typeface="Calibri"/>
-                <a:sym typeface="Calibri"/>
-              </a:defRPr>
-            </a:lvl1pPr>
-            <a:lvl2pPr marR="0" lvl="1" algn="l" rtl="0">
-              <a:spcBef>
-                <a:spcPts val="0"/>
-              </a:spcBef>
-              <a:spcAft>
-                <a:spcPts val="0"/>
-              </a:spcAft>
-              <a:buSzPts val="1400"/>
-              <a:buNone/>
-              <a:defRPr sz="1800" b="0" i="0" u="none" strike="noStrike" cap="none">
-                <a:solidFill>
-                  <a:schemeClr val="dk1"/>
-                </a:solidFill>
-                <a:latin typeface="Calibri"/>
-                <a:ea typeface="Calibri"/>
-                <a:cs typeface="Calibri"/>
-                <a:sym typeface="Calibri"/>
-              </a:defRPr>
-            </a:lvl2pPr>
-            <a:lvl3pPr marR="0" lvl="2" algn="l" rtl="0">
-              <a:spcBef>
-                <a:spcPts val="0"/>
-              </a:spcBef>
-              <a:spcAft>
-                <a:spcPts val="0"/>
-              </a:spcAft>
-              <a:buSzPts val="1400"/>
-              <a:buNone/>
-              <a:defRPr sz="1800" b="0" i="0" u="none" strike="noStrike" cap="none">
-                <a:solidFill>
-                  <a:schemeClr val="dk1"/>
-                </a:solidFill>
-                <a:latin typeface="Calibri"/>
-                <a:ea typeface="Calibri"/>
-                <a:cs typeface="Calibri"/>
-                <a:sym typeface="Calibri"/>
-              </a:defRPr>
-            </a:lvl3pPr>
-            <a:lvl4pPr marR="0" lvl="3" algn="l" rtl="0">
-              <a:spcBef>
-                <a:spcPts val="0"/>
-              </a:spcBef>
-              <a:spcAft>
-                <a:spcPts val="0"/>
-              </a:spcAft>
-              <a:buSzPts val="1400"/>
-              <a:buNone/>
-              <a:defRPr sz="1800" b="0" i="0" u="none" strike="noStrike" cap="none">
-                <a:solidFill>
-                  <a:schemeClr val="dk1"/>
-                </a:solidFill>
-                <a:latin typeface="Calibri"/>
-                <a:ea typeface="Calibri"/>
-                <a:cs typeface="Calibri"/>
-                <a:sym typeface="Calibri"/>
-              </a:defRPr>
-            </a:lvl4pPr>
-            <a:lvl5pPr marR="0" lvl="4" algn="l" rtl="0">
-              <a:spcBef>
-                <a:spcPts val="0"/>
-              </a:spcBef>
-              <a:spcAft>
-                <a:spcPts val="0"/>
-              </a:spcAft>
-              <a:buSzPts val="1400"/>
-              <a:buNone/>
-              <a:defRPr sz="1800" b="0" i="0" u="none" strike="noStrike" cap="none">
-                <a:solidFill>
-                  <a:schemeClr val="dk1"/>
-                </a:solidFill>
-                <a:latin typeface="Calibri"/>
-                <a:ea typeface="Calibri"/>
-                <a:cs typeface="Calibri"/>
-                <a:sym typeface="Calibri"/>
-              </a:defRPr>
-            </a:lvl5pPr>
-            <a:lvl6pPr marR="0" lvl="5" algn="l" rtl="0">
-              <a:spcBef>
-                <a:spcPts val="0"/>
-              </a:spcBef>
-              <a:spcAft>
-                <a:spcPts val="0"/>
-              </a:spcAft>
-              <a:buSzPts val="1400"/>
-              <a:buNone/>
-              <a:defRPr sz="1800" b="0" i="0" u="none" strike="noStrike" cap="none">
-                <a:solidFill>
-                  <a:schemeClr val="dk1"/>
-                </a:solidFill>
-                <a:latin typeface="Calibri"/>
-                <a:ea typeface="Calibri"/>
-                <a:cs typeface="Calibri"/>
-                <a:sym typeface="Calibri"/>
-              </a:defRPr>
-            </a:lvl6pPr>
-            <a:lvl7pPr marR="0" lvl="6" algn="l" rtl="0">
-              <a:spcBef>
-                <a:spcPts val="0"/>
-              </a:spcBef>
-              <a:spcAft>
-                <a:spcPts val="0"/>
-              </a:spcAft>
-              <a:buSzPts val="1400"/>
-              <a:buNone/>
-              <a:defRPr sz="1800" b="0" i="0" u="none" strike="noStrike" cap="none">
-                <a:solidFill>
-                  <a:schemeClr val="dk1"/>
-                </a:solidFill>
-                <a:latin typeface="Calibri"/>
-                <a:ea typeface="Calibri"/>
-                <a:cs typeface="Calibri"/>
-                <a:sym typeface="Calibri"/>
-              </a:defRPr>
-            </a:lvl7pPr>
-            <a:lvl8pPr marR="0" lvl="7" algn="l" rtl="0">
-              <a:spcBef>
-                <a:spcPts val="0"/>
-              </a:spcBef>
-              <a:spcAft>
-                <a:spcPts val="0"/>
-              </a:spcAft>
-              <a:buSzPts val="1400"/>
-              <a:buNone/>
-              <a:defRPr sz="1800" b="0" i="0" u="none" strike="noStrike" cap="none">
-                <a:solidFill>
-                  <a:schemeClr val="dk1"/>
-                </a:solidFill>
-                <a:latin typeface="Calibri"/>
-                <a:ea typeface="Calibri"/>
-                <a:cs typeface="Calibri"/>
-                <a:sym typeface="Calibri"/>
-              </a:defRPr>
-            </a:lvl8pPr>
-            <a:lvl9pPr marR="0" lvl="8" algn="l" rtl="0">
-              <a:spcBef>
-                <a:spcPts val="0"/>
-              </a:spcBef>
-              <a:spcAft>
-                <a:spcPts val="0"/>
-              </a:spcAft>
-              <a:buSzPts val="1400"/>
-              <a:buNone/>
-              <a:defRPr sz="1800" b="0" i="0" u="none" strike="noStrike" cap="none">
-                <a:solidFill>
-                  <a:schemeClr val="dk1"/>
-                </a:solidFill>
-                <a:latin typeface="Calibri"/>
-                <a:ea typeface="Calibri"/>
-                <a:cs typeface="Calibri"/>
-                <a:sym typeface="Calibri"/>
-              </a:defRPr>
-            </a:lvl9pPr>
-          </a:lstStyle>
-          <a:p>
-            <a:endParaRPr lang="en-US"/>
-          </a:p>
-        </p:txBody>
-      </p:sp>
-      <p:sp>
-        <p:nvSpPr>
-          <p:cNvPr id="66" name="Google Shape;66;p10"/>
-          <p:cNvSpPr txBox="1">
-            <a:spLocks noGrp="1"/>
-          </p:cNvSpPr>
-          <p:nvPr>
-            <p:ph type="ftr" idx="11"/>
-          </p:nvPr>
-        </p:nvSpPr>
-        <p:spPr>
-          <a:xfrm>
-            <a:off x="4038600" y="6356350"/>
-            <a:ext cx="4114800" cy="365125"/>
-          </a:xfrm>
-          <a:prstGeom prst="rect">
-            <a:avLst/>
-          </a:prstGeom>
-          <a:noFill/>
-          <a:ln>
-            <a:noFill/>
-          </a:ln>
-        </p:spPr>
-        <p:txBody>
-          <a:bodyPr spcFirstLastPara="1" wrap="square" lIns="91425" tIns="91425" rIns="91425" bIns="91425" anchor="ctr" anchorCtr="0">
-            <a:noAutofit/>
-          </a:bodyPr>
-          <a:lstStyle>
-            <a:lvl1pPr marR="0" lvl="0" algn="ctr" rtl="0">
-              <a:spcBef>
-                <a:spcPts val="0"/>
-              </a:spcBef>
-              <a:spcAft>
-                <a:spcPts val="0"/>
-              </a:spcAft>
-              <a:buSzPts val="1400"/>
-              <a:buNone/>
-              <a:defRPr sz="1200">
-                <a:solidFill>
-                  <a:srgbClr val="888888"/>
-                </a:solidFill>
-                <a:latin typeface="Calibri"/>
-                <a:ea typeface="Calibri"/>
-                <a:cs typeface="Calibri"/>
-                <a:sym typeface="Calibri"/>
-              </a:defRPr>
-            </a:lvl1pPr>
-            <a:lvl2pPr marR="0" lvl="1" algn="l" rtl="0">
-              <a:spcBef>
-                <a:spcPts val="0"/>
-              </a:spcBef>
-              <a:spcAft>
-                <a:spcPts val="0"/>
-              </a:spcAft>
-              <a:buSzPts val="1400"/>
-              <a:buNone/>
-              <a:defRPr sz="1800" b="0" i="0" u="none" strike="noStrike" cap="none">
-                <a:solidFill>
-                  <a:schemeClr val="dk1"/>
-                </a:solidFill>
-                <a:latin typeface="Calibri"/>
-                <a:ea typeface="Calibri"/>
-                <a:cs typeface="Calibri"/>
-                <a:sym typeface="Calibri"/>
-              </a:defRPr>
-            </a:lvl2pPr>
-            <a:lvl3pPr marR="0" lvl="2" algn="l" rtl="0">
-              <a:spcBef>
-                <a:spcPts val="0"/>
-              </a:spcBef>
-              <a:spcAft>
-                <a:spcPts val="0"/>
-              </a:spcAft>
-              <a:buSzPts val="1400"/>
-              <a:buNone/>
-              <a:defRPr sz="1800" b="0" i="0" u="none" strike="noStrike" cap="none">
-                <a:solidFill>
-                  <a:schemeClr val="dk1"/>
-                </a:solidFill>
-                <a:latin typeface="Calibri"/>
-                <a:ea typeface="Calibri"/>
-                <a:cs typeface="Calibri"/>
-                <a:sym typeface="Calibri"/>
-              </a:defRPr>
-            </a:lvl3pPr>
-            <a:lvl4pPr marR="0" lvl="3" algn="l" rtl="0">
-              <a:spcBef>
-                <a:spcPts val="0"/>
-              </a:spcBef>
-              <a:spcAft>
-                <a:spcPts val="0"/>
-              </a:spcAft>
-              <a:buSzPts val="1400"/>
-              <a:buNone/>
-              <a:defRPr sz="1800" b="0" i="0" u="none" strike="noStrike" cap="none">
-                <a:solidFill>
-                  <a:schemeClr val="dk1"/>
-                </a:solidFill>
-                <a:latin typeface="Calibri"/>
-                <a:ea typeface="Calibri"/>
-                <a:cs typeface="Calibri"/>
-                <a:sym typeface="Calibri"/>
-              </a:defRPr>
-            </a:lvl4pPr>
-            <a:lvl5pPr marR="0" lvl="4" algn="l" rtl="0">
-              <a:spcBef>
-                <a:spcPts val="0"/>
-              </a:spcBef>
-              <a:spcAft>
-                <a:spcPts val="0"/>
-              </a:spcAft>
-              <a:buSzPts val="1400"/>
-              <a:buNone/>
-              <a:defRPr sz="1800" b="0" i="0" u="none" strike="noStrike" cap="none">
-                <a:solidFill>
-                  <a:schemeClr val="dk1"/>
-                </a:solidFill>
-                <a:latin typeface="Calibri"/>
-                <a:ea typeface="Calibri"/>
-                <a:cs typeface="Calibri"/>
-                <a:sym typeface="Calibri"/>
-              </a:defRPr>
-            </a:lvl5pPr>
-            <a:lvl6pPr marR="0" lvl="5" algn="l" rtl="0">
-              <a:spcBef>
-                <a:spcPts val="0"/>
-              </a:spcBef>
-              <a:spcAft>
-                <a:spcPts val="0"/>
-              </a:spcAft>
-              <a:buSzPts val="1400"/>
-              <a:buNone/>
-              <a:defRPr sz="1800" b="0" i="0" u="none" strike="noStrike" cap="none">
-                <a:solidFill>
-                  <a:schemeClr val="dk1"/>
-                </a:solidFill>
-                <a:latin typeface="Calibri"/>
-                <a:ea typeface="Calibri"/>
-                <a:cs typeface="Calibri"/>
-                <a:sym typeface="Calibri"/>
-              </a:defRPr>
-            </a:lvl6pPr>
-            <a:lvl7pPr marR="0" lvl="6" algn="l" rtl="0">
-              <a:spcBef>
-                <a:spcPts val="0"/>
-              </a:spcBef>
-              <a:spcAft>
-                <a:spcPts val="0"/>
-              </a:spcAft>
-              <a:buSzPts val="1400"/>
-              <a:buNone/>
-              <a:defRPr sz="1800" b="0" i="0" u="none" strike="noStrike" cap="none">
-                <a:solidFill>
-                  <a:schemeClr val="dk1"/>
-                </a:solidFill>
-                <a:latin typeface="Calibri"/>
-                <a:ea typeface="Calibri"/>
-                <a:cs typeface="Calibri"/>
-                <a:sym typeface="Calibri"/>
-              </a:defRPr>
-            </a:lvl7pPr>
-            <a:lvl8pPr marR="0" lvl="7" algn="l" rtl="0">
-              <a:spcBef>
-                <a:spcPts val="0"/>
-              </a:spcBef>
-              <a:spcAft>
-                <a:spcPts val="0"/>
-              </a:spcAft>
-              <a:buSzPts val="1400"/>
-              <a:buNone/>
-              <a:defRPr sz="1800" b="0" i="0" u="none" strike="noStrike" cap="none">
-                <a:solidFill>
-                  <a:schemeClr val="dk1"/>
-                </a:solidFill>
-                <a:latin typeface="Calibri"/>
-                <a:ea typeface="Calibri"/>
-                <a:cs typeface="Calibri"/>
-                <a:sym typeface="Calibri"/>
-              </a:defRPr>
-            </a:lvl8pPr>
-            <a:lvl9pPr marR="0" lvl="8" algn="l" rtl="0">
-              <a:spcBef>
-                <a:spcPts val="0"/>
-              </a:spcBef>
-              <a:spcAft>
-                <a:spcPts val="0"/>
-              </a:spcAft>
-              <a:buSzPts val="1400"/>
-              <a:buNone/>
-              <a:defRPr sz="1800" b="0" i="0" u="none" strike="noStrike" cap="none">
-                <a:solidFill>
-                  <a:schemeClr val="dk1"/>
-                </a:solidFill>
-                <a:latin typeface="Calibri"/>
-                <a:ea typeface="Calibri"/>
-                <a:cs typeface="Calibri"/>
-                <a:sym typeface="Calibri"/>
-              </a:defRPr>
-            </a:lvl9pPr>
-          </a:lstStyle>
-          <a:p>
-            <a:endParaRPr lang="en-US"/>
-          </a:p>
-        </p:txBody>
-      </p:sp>
-      <p:sp>
-        <p:nvSpPr>
-          <p:cNvPr id="67" name="Google Shape;67;p10"/>
-          <p:cNvSpPr txBox="1">
-            <a:spLocks noGrp="1"/>
-          </p:cNvSpPr>
-          <p:nvPr>
-            <p:ph type="sldNum" idx="12"/>
-          </p:nvPr>
-        </p:nvSpPr>
-        <p:spPr>
-          <a:xfrm>
-            <a:off x="8610600" y="6356350"/>
-            <a:ext cx="2743200" cy="365125"/>
-          </a:xfrm>
-          <a:prstGeom prst="rect">
-            <a:avLst/>
-          </a:prstGeom>
-          <a:noFill/>
-          <a:ln>
-            <a:noFill/>
-          </a:ln>
-        </p:spPr>
-        <p:txBody>
-          <a:bodyPr spcFirstLastPara="1" wrap="square" lIns="91425" tIns="45700" rIns="91425" bIns="45700" anchor="ctr" anchorCtr="0">
-            <a:noAutofit/>
-          </a:bodyPr>
-          <a:lstStyle>
-            <a:lvl1pPr marL="0" marR="0" lvl="0" indent="0" algn="r" rtl="0">
-              <a:spcBef>
-                <a:spcPts val="0"/>
-              </a:spcBef>
-              <a:buNone/>
-              <a:defRPr sz="1200">
-                <a:solidFill>
-                  <a:srgbClr val="888888"/>
-                </a:solidFill>
-                <a:latin typeface="Calibri"/>
-                <a:ea typeface="Calibri"/>
-                <a:cs typeface="Calibri"/>
-                <a:sym typeface="Calibri"/>
-              </a:defRPr>
-            </a:lvl1pPr>
-            <a:lvl2pPr marL="0" marR="0" lvl="1" indent="0" algn="r" rtl="0">
-              <a:spcBef>
-                <a:spcPts val="0"/>
-              </a:spcBef>
-              <a:buNone/>
-              <a:defRPr sz="1200">
-                <a:solidFill>
-                  <a:srgbClr val="888888"/>
-                </a:solidFill>
-                <a:latin typeface="Calibri"/>
-                <a:ea typeface="Calibri"/>
-                <a:cs typeface="Calibri"/>
-                <a:sym typeface="Calibri"/>
-              </a:defRPr>
-            </a:lvl2pPr>
-            <a:lvl3pPr marL="0" marR="0" lvl="2" indent="0" algn="r" rtl="0">
-              <a:spcBef>
-                <a:spcPts val="0"/>
-              </a:spcBef>
-              <a:buNone/>
-              <a:defRPr sz="1200">
-                <a:solidFill>
-                  <a:srgbClr val="888888"/>
-                </a:solidFill>
-                <a:latin typeface="Calibri"/>
-                <a:ea typeface="Calibri"/>
-                <a:cs typeface="Calibri"/>
-                <a:sym typeface="Calibri"/>
-              </a:defRPr>
-            </a:lvl3pPr>
-            <a:lvl4pPr marL="0" marR="0" lvl="3" indent="0" algn="r" rtl="0">
-              <a:spcBef>
-                <a:spcPts val="0"/>
-              </a:spcBef>
-              <a:buNone/>
-              <a:defRPr sz="1200">
-                <a:solidFill>
-                  <a:srgbClr val="888888"/>
-                </a:solidFill>
-                <a:latin typeface="Calibri"/>
-                <a:ea typeface="Calibri"/>
-                <a:cs typeface="Calibri"/>
-                <a:sym typeface="Calibri"/>
-              </a:defRPr>
-            </a:lvl4pPr>
-            <a:lvl5pPr marL="0" marR="0" lvl="4" indent="0" algn="r" rtl="0">
-              <a:spcBef>
-                <a:spcPts val="0"/>
-              </a:spcBef>
-              <a:buNone/>
-              <a:defRPr sz="1200">
-                <a:solidFill>
-                  <a:srgbClr val="888888"/>
-                </a:solidFill>
-                <a:latin typeface="Calibri"/>
-                <a:ea typeface="Calibri"/>
-                <a:cs typeface="Calibri"/>
-                <a:sym typeface="Calibri"/>
-              </a:defRPr>
-            </a:lvl5pPr>
-            <a:lvl6pPr marL="0" marR="0" lvl="5" indent="0" algn="r" rtl="0">
-              <a:spcBef>
-                <a:spcPts val="0"/>
-              </a:spcBef>
-              <a:buNone/>
-              <a:defRPr sz="1200">
-                <a:solidFill>
-                  <a:srgbClr val="888888"/>
-                </a:solidFill>
-                <a:latin typeface="Calibri"/>
-                <a:ea typeface="Calibri"/>
-                <a:cs typeface="Calibri"/>
-                <a:sym typeface="Calibri"/>
-              </a:defRPr>
-            </a:lvl6pPr>
-            <a:lvl7pPr marL="0" marR="0" lvl="6" indent="0" algn="r" rtl="0">
-              <a:spcBef>
-                <a:spcPts val="0"/>
-              </a:spcBef>
-              <a:buNone/>
-              <a:defRPr sz="1200">
-                <a:solidFill>
-                  <a:srgbClr val="888888"/>
-                </a:solidFill>
-                <a:latin typeface="Calibri"/>
-                <a:ea typeface="Calibri"/>
-                <a:cs typeface="Calibri"/>
-                <a:sym typeface="Calibri"/>
-              </a:defRPr>
-            </a:lvl7pPr>
-            <a:lvl8pPr marL="0" marR="0" lvl="7" indent="0" algn="r" rtl="0">
-              <a:spcBef>
-                <a:spcPts val="0"/>
-              </a:spcBef>
-              <a:buNone/>
-              <a:defRPr sz="1200">
-                <a:solidFill>
-                  <a:srgbClr val="888888"/>
-                </a:solidFill>
-                <a:latin typeface="Calibri"/>
-                <a:ea typeface="Calibri"/>
-                <a:cs typeface="Calibri"/>
-                <a:sym typeface="Calibri"/>
-              </a:defRPr>
-            </a:lvl8pPr>
-            <a:lvl9pPr marL="0" marR="0" lvl="8" indent="0" algn="r" rtl="0">
-              <a:spcBef>
-                <a:spcPts val="0"/>
-              </a:spcBef>
-              <a:buNone/>
-              <a:defRPr sz="1200">
-                <a:solidFill>
-                  <a:srgbClr val="888888"/>
-                </a:solidFill>
-                <a:latin typeface="Calibri"/>
-                <a:ea typeface="Calibri"/>
-                <a:cs typeface="Calibri"/>
-                <a:sym typeface="Calibri"/>
-              </a:defRPr>
-            </a:lvl9pPr>
-          </a:lstStyle>
-          <a:p>
-            <a:pPr marL="0" lvl="0" indent="0" algn="r" rtl="0">
-              <a:spcBef>
-                <a:spcPts val="0"/>
-              </a:spcBef>
-              <a:spcAft>
-                <a:spcPts val="0"/>
-              </a:spcAft>
-              <a:buNone/>
-            </a:pPr>
-            <a:fld id="{00000000-1234-1234-1234-123412341234}" type="slidenum">
-              <a:rPr lang="en-US" smtClean="0"/>
-              <a:t>‹#›</a:t>
-            </a:fld>
-            <a:endParaRPr lang="en-US"/>
-          </a:p>
-        </p:txBody>
-      </p:sp>
-    </p:spTree>
-    <p:extLst>
-      <p:ext uri="{BB962C8B-B14F-4D97-AF65-F5344CB8AC3E}">
-        <p14:creationId xmlns:p14="http://schemas.microsoft.com/office/powerpoint/2010/main" val="1606845082"/>
-      </p:ext>
-    </p:extLst>
-  </p:cSld>
-  <p:clrMapOvr>
-    <a:masterClrMapping/>
-  </p:clrMapOvr>
-</p:sldLayout>
-</file>
-
-<file path=ppt/slideLayouts/slideLayout9.xml><?xml version="1.0" encoding="utf-8"?>
 <p:sldLayout xmlns:a="http://schemas.openxmlformats.org/drawingml/2006/main" xmlns:r="http://schemas.openxmlformats.org/officeDocument/2006/relationships" xmlns:p="http://schemas.openxmlformats.org/presentationml/2006/main" matchingName="Title and Vertical Text" type="vertTx">
   <p:cSld name="Title and Vertical Text">
     <p:spTree>
@@ -17767,6 +16395,1052 @@
     <p:extLst>
       <p:ext uri="{BB962C8B-B14F-4D97-AF65-F5344CB8AC3E}">
         <p14:creationId xmlns:p14="http://schemas.microsoft.com/office/powerpoint/2010/main" val="1831892728"/>
+      </p:ext>
+    </p:extLst>
+  </p:cSld>
+  <p:clrMapOvr>
+    <a:masterClrMapping/>
+  </p:clrMapOvr>
+</p:sldLayout>
+</file>
+
+<file path=ppt/slideLayouts/slideLayout9.xml><?xml version="1.0" encoding="utf-8"?>
+<p:sldLayout xmlns:a="http://schemas.openxmlformats.org/drawingml/2006/main" xmlns:r="http://schemas.openxmlformats.org/officeDocument/2006/relationships" xmlns:p="http://schemas.openxmlformats.org/presentationml/2006/main" matchingName="Vertical Title and Text" type="vertTitleAndTx">
+  <p:cSld name="Vertical Title and Text">
+    <p:spTree>
+      <p:nvGrpSpPr>
+        <p:cNvPr id="1" name="Shape 74"/>
+        <p:cNvGrpSpPr/>
+        <p:nvPr/>
+      </p:nvGrpSpPr>
+      <p:grpSpPr>
+        <a:xfrm>
+          <a:off x="0" y="0"/>
+          <a:ext cx="0" cy="0"/>
+          <a:chOff x="0" y="0"/>
+          <a:chExt cx="0" cy="0"/>
+        </a:xfrm>
+      </p:grpSpPr>
+      <p:sp>
+        <p:nvSpPr>
+          <p:cNvPr id="75" name="Google Shape;75;p12"/>
+          <p:cNvSpPr txBox="1">
+            <a:spLocks noGrp="1"/>
+          </p:cNvSpPr>
+          <p:nvPr>
+            <p:ph type="title"/>
+          </p:nvPr>
+        </p:nvSpPr>
+        <p:spPr>
+          <a:xfrm rot="5400000">
+            <a:off x="7133431" y="1956594"/>
+            <a:ext cx="5811838" cy="2628900"/>
+          </a:xfrm>
+          <a:prstGeom prst="rect">
+            <a:avLst/>
+          </a:prstGeom>
+          <a:noFill/>
+          <a:ln>
+            <a:noFill/>
+          </a:ln>
+        </p:spPr>
+        <p:txBody>
+          <a:bodyPr spcFirstLastPara="1" wrap="square" lIns="91425" tIns="91425" rIns="91425" bIns="91425" anchor="ctr" anchorCtr="0">
+            <a:noAutofit/>
+          </a:bodyPr>
+          <a:lstStyle>
+            <a:lvl1pPr marR="0" lvl="0" algn="l" rtl="0">
+              <a:lnSpc>
+                <a:spcPct val="90000"/>
+              </a:lnSpc>
+              <a:spcBef>
+                <a:spcPts val="0"/>
+              </a:spcBef>
+              <a:spcAft>
+                <a:spcPts val="0"/>
+              </a:spcAft>
+              <a:buClr>
+                <a:schemeClr val="dk1"/>
+              </a:buClr>
+              <a:buSzPts val="4400"/>
+              <a:buFont typeface="Calibri"/>
+              <a:buNone/>
+              <a:defRPr sz="4400" b="0" i="0" u="none" strike="noStrike" cap="none">
+                <a:solidFill>
+                  <a:schemeClr val="dk1"/>
+                </a:solidFill>
+                <a:latin typeface="Calibri"/>
+                <a:ea typeface="Calibri"/>
+                <a:cs typeface="Calibri"/>
+                <a:sym typeface="Calibri"/>
+              </a:defRPr>
+            </a:lvl1pPr>
+            <a:lvl2pPr lvl="1">
+              <a:spcBef>
+                <a:spcPts val="0"/>
+              </a:spcBef>
+              <a:spcAft>
+                <a:spcPts val="0"/>
+              </a:spcAft>
+              <a:buSzPts val="1400"/>
+              <a:buNone/>
+              <a:defRPr sz="1800"/>
+            </a:lvl2pPr>
+            <a:lvl3pPr lvl="2">
+              <a:spcBef>
+                <a:spcPts val="0"/>
+              </a:spcBef>
+              <a:spcAft>
+                <a:spcPts val="0"/>
+              </a:spcAft>
+              <a:buSzPts val="1400"/>
+              <a:buNone/>
+              <a:defRPr sz="1800"/>
+            </a:lvl3pPr>
+            <a:lvl4pPr lvl="3">
+              <a:spcBef>
+                <a:spcPts val="0"/>
+              </a:spcBef>
+              <a:spcAft>
+                <a:spcPts val="0"/>
+              </a:spcAft>
+              <a:buSzPts val="1400"/>
+              <a:buNone/>
+              <a:defRPr sz="1800"/>
+            </a:lvl4pPr>
+            <a:lvl5pPr lvl="4">
+              <a:spcBef>
+                <a:spcPts val="0"/>
+              </a:spcBef>
+              <a:spcAft>
+                <a:spcPts val="0"/>
+              </a:spcAft>
+              <a:buSzPts val="1400"/>
+              <a:buNone/>
+              <a:defRPr sz="1800"/>
+            </a:lvl5pPr>
+            <a:lvl6pPr lvl="5">
+              <a:spcBef>
+                <a:spcPts val="0"/>
+              </a:spcBef>
+              <a:spcAft>
+                <a:spcPts val="0"/>
+              </a:spcAft>
+              <a:buSzPts val="1400"/>
+              <a:buNone/>
+              <a:defRPr sz="1800"/>
+            </a:lvl6pPr>
+            <a:lvl7pPr lvl="6">
+              <a:spcBef>
+                <a:spcPts val="0"/>
+              </a:spcBef>
+              <a:spcAft>
+                <a:spcPts val="0"/>
+              </a:spcAft>
+              <a:buSzPts val="1400"/>
+              <a:buNone/>
+              <a:defRPr sz="1800"/>
+            </a:lvl7pPr>
+            <a:lvl8pPr lvl="7">
+              <a:spcBef>
+                <a:spcPts val="0"/>
+              </a:spcBef>
+              <a:spcAft>
+                <a:spcPts val="0"/>
+              </a:spcAft>
+              <a:buSzPts val="1400"/>
+              <a:buNone/>
+              <a:defRPr sz="1800"/>
+            </a:lvl8pPr>
+            <a:lvl9pPr lvl="8">
+              <a:spcBef>
+                <a:spcPts val="0"/>
+              </a:spcBef>
+              <a:spcAft>
+                <a:spcPts val="0"/>
+              </a:spcAft>
+              <a:buSzPts val="1400"/>
+              <a:buNone/>
+              <a:defRPr sz="1800"/>
+            </a:lvl9pPr>
+          </a:lstStyle>
+          <a:p>
+            <a:r>
+              <a:rPr lang="en-US"/>
+              <a:t>Click to edit Master title style</a:t>
+            </a:r>
+            <a:endParaRPr/>
+          </a:p>
+        </p:txBody>
+      </p:sp>
+      <p:sp>
+        <p:nvSpPr>
+          <p:cNvPr id="76" name="Google Shape;76;p12"/>
+          <p:cNvSpPr txBox="1">
+            <a:spLocks noGrp="1"/>
+          </p:cNvSpPr>
+          <p:nvPr>
+            <p:ph type="body" idx="1"/>
+          </p:nvPr>
+        </p:nvSpPr>
+        <p:spPr>
+          <a:xfrm rot="5400000">
+            <a:off x="1799431" y="-596106"/>
+            <a:ext cx="5811838" cy="7734300"/>
+          </a:xfrm>
+          <a:prstGeom prst="rect">
+            <a:avLst/>
+          </a:prstGeom>
+          <a:noFill/>
+          <a:ln>
+            <a:noFill/>
+          </a:ln>
+        </p:spPr>
+        <p:txBody>
+          <a:bodyPr spcFirstLastPara="1" wrap="square" lIns="91425" tIns="91425" rIns="91425" bIns="91425" anchor="t" anchorCtr="0">
+            <a:noAutofit/>
+          </a:bodyPr>
+          <a:lstStyle>
+            <a:lvl1pPr marL="457200" marR="0" lvl="0" indent="-406400" algn="l" rtl="0">
+              <a:lnSpc>
+                <a:spcPct val="90000"/>
+              </a:lnSpc>
+              <a:spcBef>
+                <a:spcPts val="1000"/>
+              </a:spcBef>
+              <a:spcAft>
+                <a:spcPts val="0"/>
+              </a:spcAft>
+              <a:buClr>
+                <a:schemeClr val="dk1"/>
+              </a:buClr>
+              <a:buSzPts val="2800"/>
+              <a:buFont typeface="Arial"/>
+              <a:buChar char="•"/>
+              <a:defRPr sz="2800" b="0" i="0" u="none" strike="noStrike" cap="none">
+                <a:solidFill>
+                  <a:schemeClr val="dk1"/>
+                </a:solidFill>
+                <a:latin typeface="Calibri"/>
+                <a:ea typeface="Calibri"/>
+                <a:cs typeface="Calibri"/>
+                <a:sym typeface="Calibri"/>
+              </a:defRPr>
+            </a:lvl1pPr>
+            <a:lvl2pPr marL="914400" marR="0" lvl="1" indent="-381000" algn="l" rtl="0">
+              <a:lnSpc>
+                <a:spcPct val="90000"/>
+              </a:lnSpc>
+              <a:spcBef>
+                <a:spcPts val="500"/>
+              </a:spcBef>
+              <a:spcAft>
+                <a:spcPts val="0"/>
+              </a:spcAft>
+              <a:buClr>
+                <a:schemeClr val="dk1"/>
+              </a:buClr>
+              <a:buSzPts val="2400"/>
+              <a:buFont typeface="Arial"/>
+              <a:buChar char="•"/>
+              <a:defRPr sz="2400" b="0" i="0" u="none" strike="noStrike" cap="none">
+                <a:solidFill>
+                  <a:schemeClr val="dk1"/>
+                </a:solidFill>
+                <a:latin typeface="Calibri"/>
+                <a:ea typeface="Calibri"/>
+                <a:cs typeface="Calibri"/>
+                <a:sym typeface="Calibri"/>
+              </a:defRPr>
+            </a:lvl2pPr>
+            <a:lvl3pPr marL="1371600" marR="0" lvl="2" indent="-355600" algn="l" rtl="0">
+              <a:lnSpc>
+                <a:spcPct val="90000"/>
+              </a:lnSpc>
+              <a:spcBef>
+                <a:spcPts val="500"/>
+              </a:spcBef>
+              <a:spcAft>
+                <a:spcPts val="0"/>
+              </a:spcAft>
+              <a:buClr>
+                <a:schemeClr val="dk1"/>
+              </a:buClr>
+              <a:buSzPts val="2000"/>
+              <a:buFont typeface="Arial"/>
+              <a:buChar char="•"/>
+              <a:defRPr sz="2000" b="0" i="0" u="none" strike="noStrike" cap="none">
+                <a:solidFill>
+                  <a:schemeClr val="dk1"/>
+                </a:solidFill>
+                <a:latin typeface="Calibri"/>
+                <a:ea typeface="Calibri"/>
+                <a:cs typeface="Calibri"/>
+                <a:sym typeface="Calibri"/>
+              </a:defRPr>
+            </a:lvl3pPr>
+            <a:lvl4pPr marL="1828800" marR="0" lvl="3" indent="-342900" algn="l" rtl="0">
+              <a:lnSpc>
+                <a:spcPct val="90000"/>
+              </a:lnSpc>
+              <a:spcBef>
+                <a:spcPts val="500"/>
+              </a:spcBef>
+              <a:spcAft>
+                <a:spcPts val="0"/>
+              </a:spcAft>
+              <a:buClr>
+                <a:schemeClr val="dk1"/>
+              </a:buClr>
+              <a:buSzPts val="1800"/>
+              <a:buFont typeface="Arial"/>
+              <a:buChar char="•"/>
+              <a:defRPr sz="1800" b="0" i="0" u="none" strike="noStrike" cap="none">
+                <a:solidFill>
+                  <a:schemeClr val="dk1"/>
+                </a:solidFill>
+                <a:latin typeface="Calibri"/>
+                <a:ea typeface="Calibri"/>
+                <a:cs typeface="Calibri"/>
+                <a:sym typeface="Calibri"/>
+              </a:defRPr>
+            </a:lvl4pPr>
+            <a:lvl5pPr marL="2286000" marR="0" lvl="4" indent="-342900" algn="l" rtl="0">
+              <a:lnSpc>
+                <a:spcPct val="90000"/>
+              </a:lnSpc>
+              <a:spcBef>
+                <a:spcPts val="500"/>
+              </a:spcBef>
+              <a:spcAft>
+                <a:spcPts val="0"/>
+              </a:spcAft>
+              <a:buClr>
+                <a:schemeClr val="dk1"/>
+              </a:buClr>
+              <a:buSzPts val="1800"/>
+              <a:buFont typeface="Arial"/>
+              <a:buChar char="•"/>
+              <a:defRPr sz="1800" b="0" i="0" u="none" strike="noStrike" cap="none">
+                <a:solidFill>
+                  <a:schemeClr val="dk1"/>
+                </a:solidFill>
+                <a:latin typeface="Calibri"/>
+                <a:ea typeface="Calibri"/>
+                <a:cs typeface="Calibri"/>
+                <a:sym typeface="Calibri"/>
+              </a:defRPr>
+            </a:lvl5pPr>
+            <a:lvl6pPr marL="2743200" marR="0" lvl="5" indent="-342900" algn="l" rtl="0">
+              <a:lnSpc>
+                <a:spcPct val="90000"/>
+              </a:lnSpc>
+              <a:spcBef>
+                <a:spcPts val="500"/>
+              </a:spcBef>
+              <a:spcAft>
+                <a:spcPts val="0"/>
+              </a:spcAft>
+              <a:buClr>
+                <a:schemeClr val="dk1"/>
+              </a:buClr>
+              <a:buSzPts val="1800"/>
+              <a:buFont typeface="Arial"/>
+              <a:buChar char="•"/>
+              <a:defRPr sz="1800" b="0" i="0" u="none" strike="noStrike" cap="none">
+                <a:solidFill>
+                  <a:schemeClr val="dk1"/>
+                </a:solidFill>
+                <a:latin typeface="Calibri"/>
+                <a:ea typeface="Calibri"/>
+                <a:cs typeface="Calibri"/>
+                <a:sym typeface="Calibri"/>
+              </a:defRPr>
+            </a:lvl6pPr>
+            <a:lvl7pPr marL="3200400" marR="0" lvl="6" indent="-342900" algn="l" rtl="0">
+              <a:lnSpc>
+                <a:spcPct val="90000"/>
+              </a:lnSpc>
+              <a:spcBef>
+                <a:spcPts val="500"/>
+              </a:spcBef>
+              <a:spcAft>
+                <a:spcPts val="0"/>
+              </a:spcAft>
+              <a:buClr>
+                <a:schemeClr val="dk1"/>
+              </a:buClr>
+              <a:buSzPts val="1800"/>
+              <a:buFont typeface="Arial"/>
+              <a:buChar char="•"/>
+              <a:defRPr sz="1800" b="0" i="0" u="none" strike="noStrike" cap="none">
+                <a:solidFill>
+                  <a:schemeClr val="dk1"/>
+                </a:solidFill>
+                <a:latin typeface="Calibri"/>
+                <a:ea typeface="Calibri"/>
+                <a:cs typeface="Calibri"/>
+                <a:sym typeface="Calibri"/>
+              </a:defRPr>
+            </a:lvl7pPr>
+            <a:lvl8pPr marL="3657600" marR="0" lvl="7" indent="-342900" algn="l" rtl="0">
+              <a:lnSpc>
+                <a:spcPct val="90000"/>
+              </a:lnSpc>
+              <a:spcBef>
+                <a:spcPts val="500"/>
+              </a:spcBef>
+              <a:spcAft>
+                <a:spcPts val="0"/>
+              </a:spcAft>
+              <a:buClr>
+                <a:schemeClr val="dk1"/>
+              </a:buClr>
+              <a:buSzPts val="1800"/>
+              <a:buFont typeface="Arial"/>
+              <a:buChar char="•"/>
+              <a:defRPr sz="1800" b="0" i="0" u="none" strike="noStrike" cap="none">
+                <a:solidFill>
+                  <a:schemeClr val="dk1"/>
+                </a:solidFill>
+                <a:latin typeface="Calibri"/>
+                <a:ea typeface="Calibri"/>
+                <a:cs typeface="Calibri"/>
+                <a:sym typeface="Calibri"/>
+              </a:defRPr>
+            </a:lvl8pPr>
+            <a:lvl9pPr marL="4114800" marR="0" lvl="8" indent="-342900" algn="l" rtl="0">
+              <a:lnSpc>
+                <a:spcPct val="90000"/>
+              </a:lnSpc>
+              <a:spcBef>
+                <a:spcPts val="500"/>
+              </a:spcBef>
+              <a:spcAft>
+                <a:spcPts val="0"/>
+              </a:spcAft>
+              <a:buClr>
+                <a:schemeClr val="dk1"/>
+              </a:buClr>
+              <a:buSzPts val="1800"/>
+              <a:buFont typeface="Arial"/>
+              <a:buChar char="•"/>
+              <a:defRPr sz="1800" b="0" i="0" u="none" strike="noStrike" cap="none">
+                <a:solidFill>
+                  <a:schemeClr val="dk1"/>
+                </a:solidFill>
+                <a:latin typeface="Calibri"/>
+                <a:ea typeface="Calibri"/>
+                <a:cs typeface="Calibri"/>
+                <a:sym typeface="Calibri"/>
+              </a:defRPr>
+            </a:lvl9pPr>
+          </a:lstStyle>
+          <a:p>
+            <a:pPr lvl="0"/>
+            <a:r>
+              <a:rPr lang="en-US"/>
+              <a:t>Click to edit Master text styles</a:t>
+            </a:r>
+          </a:p>
+        </p:txBody>
+      </p:sp>
+      <p:sp>
+        <p:nvSpPr>
+          <p:cNvPr id="77" name="Google Shape;77;p12"/>
+          <p:cNvSpPr txBox="1">
+            <a:spLocks noGrp="1"/>
+          </p:cNvSpPr>
+          <p:nvPr>
+            <p:ph type="dt" idx="10"/>
+          </p:nvPr>
+        </p:nvSpPr>
+        <p:spPr>
+          <a:xfrm>
+            <a:off x="838200" y="6356350"/>
+            <a:ext cx="2743200" cy="365125"/>
+          </a:xfrm>
+          <a:prstGeom prst="rect">
+            <a:avLst/>
+          </a:prstGeom>
+          <a:noFill/>
+          <a:ln>
+            <a:noFill/>
+          </a:ln>
+        </p:spPr>
+        <p:txBody>
+          <a:bodyPr spcFirstLastPara="1" wrap="square" lIns="91425" tIns="91425" rIns="91425" bIns="91425" anchor="ctr" anchorCtr="0">
+            <a:noAutofit/>
+          </a:bodyPr>
+          <a:lstStyle>
+            <a:lvl1pPr marR="0" lvl="0" algn="l" rtl="0">
+              <a:spcBef>
+                <a:spcPts val="0"/>
+              </a:spcBef>
+              <a:spcAft>
+                <a:spcPts val="0"/>
+              </a:spcAft>
+              <a:buSzPts val="1400"/>
+              <a:buNone/>
+              <a:defRPr sz="1200">
+                <a:solidFill>
+                  <a:srgbClr val="888888"/>
+                </a:solidFill>
+                <a:latin typeface="Calibri"/>
+                <a:ea typeface="Calibri"/>
+                <a:cs typeface="Calibri"/>
+                <a:sym typeface="Calibri"/>
+              </a:defRPr>
+            </a:lvl1pPr>
+            <a:lvl2pPr marR="0" lvl="1" algn="l" rtl="0">
+              <a:spcBef>
+                <a:spcPts val="0"/>
+              </a:spcBef>
+              <a:spcAft>
+                <a:spcPts val="0"/>
+              </a:spcAft>
+              <a:buSzPts val="1400"/>
+              <a:buNone/>
+              <a:defRPr sz="1800" b="0" i="0" u="none" strike="noStrike" cap="none">
+                <a:solidFill>
+                  <a:schemeClr val="dk1"/>
+                </a:solidFill>
+                <a:latin typeface="Calibri"/>
+                <a:ea typeface="Calibri"/>
+                <a:cs typeface="Calibri"/>
+                <a:sym typeface="Calibri"/>
+              </a:defRPr>
+            </a:lvl2pPr>
+            <a:lvl3pPr marR="0" lvl="2" algn="l" rtl="0">
+              <a:spcBef>
+                <a:spcPts val="0"/>
+              </a:spcBef>
+              <a:spcAft>
+                <a:spcPts val="0"/>
+              </a:spcAft>
+              <a:buSzPts val="1400"/>
+              <a:buNone/>
+              <a:defRPr sz="1800" b="0" i="0" u="none" strike="noStrike" cap="none">
+                <a:solidFill>
+                  <a:schemeClr val="dk1"/>
+                </a:solidFill>
+                <a:latin typeface="Calibri"/>
+                <a:ea typeface="Calibri"/>
+                <a:cs typeface="Calibri"/>
+                <a:sym typeface="Calibri"/>
+              </a:defRPr>
+            </a:lvl3pPr>
+            <a:lvl4pPr marR="0" lvl="3" algn="l" rtl="0">
+              <a:spcBef>
+                <a:spcPts val="0"/>
+              </a:spcBef>
+              <a:spcAft>
+                <a:spcPts val="0"/>
+              </a:spcAft>
+              <a:buSzPts val="1400"/>
+              <a:buNone/>
+              <a:defRPr sz="1800" b="0" i="0" u="none" strike="noStrike" cap="none">
+                <a:solidFill>
+                  <a:schemeClr val="dk1"/>
+                </a:solidFill>
+                <a:latin typeface="Calibri"/>
+                <a:ea typeface="Calibri"/>
+                <a:cs typeface="Calibri"/>
+                <a:sym typeface="Calibri"/>
+              </a:defRPr>
+            </a:lvl4pPr>
+            <a:lvl5pPr marR="0" lvl="4" algn="l" rtl="0">
+              <a:spcBef>
+                <a:spcPts val="0"/>
+              </a:spcBef>
+              <a:spcAft>
+                <a:spcPts val="0"/>
+              </a:spcAft>
+              <a:buSzPts val="1400"/>
+              <a:buNone/>
+              <a:defRPr sz="1800" b="0" i="0" u="none" strike="noStrike" cap="none">
+                <a:solidFill>
+                  <a:schemeClr val="dk1"/>
+                </a:solidFill>
+                <a:latin typeface="Calibri"/>
+                <a:ea typeface="Calibri"/>
+                <a:cs typeface="Calibri"/>
+                <a:sym typeface="Calibri"/>
+              </a:defRPr>
+            </a:lvl5pPr>
+            <a:lvl6pPr marR="0" lvl="5" algn="l" rtl="0">
+              <a:spcBef>
+                <a:spcPts val="0"/>
+              </a:spcBef>
+              <a:spcAft>
+                <a:spcPts val="0"/>
+              </a:spcAft>
+              <a:buSzPts val="1400"/>
+              <a:buNone/>
+              <a:defRPr sz="1800" b="0" i="0" u="none" strike="noStrike" cap="none">
+                <a:solidFill>
+                  <a:schemeClr val="dk1"/>
+                </a:solidFill>
+                <a:latin typeface="Calibri"/>
+                <a:ea typeface="Calibri"/>
+                <a:cs typeface="Calibri"/>
+                <a:sym typeface="Calibri"/>
+              </a:defRPr>
+            </a:lvl6pPr>
+            <a:lvl7pPr marR="0" lvl="6" algn="l" rtl="0">
+              <a:spcBef>
+                <a:spcPts val="0"/>
+              </a:spcBef>
+              <a:spcAft>
+                <a:spcPts val="0"/>
+              </a:spcAft>
+              <a:buSzPts val="1400"/>
+              <a:buNone/>
+              <a:defRPr sz="1800" b="0" i="0" u="none" strike="noStrike" cap="none">
+                <a:solidFill>
+                  <a:schemeClr val="dk1"/>
+                </a:solidFill>
+                <a:latin typeface="Calibri"/>
+                <a:ea typeface="Calibri"/>
+                <a:cs typeface="Calibri"/>
+                <a:sym typeface="Calibri"/>
+              </a:defRPr>
+            </a:lvl7pPr>
+            <a:lvl8pPr marR="0" lvl="7" algn="l" rtl="0">
+              <a:spcBef>
+                <a:spcPts val="0"/>
+              </a:spcBef>
+              <a:spcAft>
+                <a:spcPts val="0"/>
+              </a:spcAft>
+              <a:buSzPts val="1400"/>
+              <a:buNone/>
+              <a:defRPr sz="1800" b="0" i="0" u="none" strike="noStrike" cap="none">
+                <a:solidFill>
+                  <a:schemeClr val="dk1"/>
+                </a:solidFill>
+                <a:latin typeface="Calibri"/>
+                <a:ea typeface="Calibri"/>
+                <a:cs typeface="Calibri"/>
+                <a:sym typeface="Calibri"/>
+              </a:defRPr>
+            </a:lvl8pPr>
+            <a:lvl9pPr marR="0" lvl="8" algn="l" rtl="0">
+              <a:spcBef>
+                <a:spcPts val="0"/>
+              </a:spcBef>
+              <a:spcAft>
+                <a:spcPts val="0"/>
+              </a:spcAft>
+              <a:buSzPts val="1400"/>
+              <a:buNone/>
+              <a:defRPr sz="1800" b="0" i="0" u="none" strike="noStrike" cap="none">
+                <a:solidFill>
+                  <a:schemeClr val="dk1"/>
+                </a:solidFill>
+                <a:latin typeface="Calibri"/>
+                <a:ea typeface="Calibri"/>
+                <a:cs typeface="Calibri"/>
+                <a:sym typeface="Calibri"/>
+              </a:defRPr>
+            </a:lvl9pPr>
+          </a:lstStyle>
+          <a:p>
+            <a:endParaRPr lang="en-US"/>
+          </a:p>
+        </p:txBody>
+      </p:sp>
+      <p:sp>
+        <p:nvSpPr>
+          <p:cNvPr id="78" name="Google Shape;78;p12"/>
+          <p:cNvSpPr txBox="1">
+            <a:spLocks noGrp="1"/>
+          </p:cNvSpPr>
+          <p:nvPr>
+            <p:ph type="ftr" idx="11"/>
+          </p:nvPr>
+        </p:nvSpPr>
+        <p:spPr>
+          <a:xfrm>
+            <a:off x="4038600" y="6356350"/>
+            <a:ext cx="4114800" cy="365125"/>
+          </a:xfrm>
+          <a:prstGeom prst="rect">
+            <a:avLst/>
+          </a:prstGeom>
+          <a:noFill/>
+          <a:ln>
+            <a:noFill/>
+          </a:ln>
+        </p:spPr>
+        <p:txBody>
+          <a:bodyPr spcFirstLastPara="1" wrap="square" lIns="91425" tIns="91425" rIns="91425" bIns="91425" anchor="ctr" anchorCtr="0">
+            <a:noAutofit/>
+          </a:bodyPr>
+          <a:lstStyle>
+            <a:lvl1pPr marR="0" lvl="0" algn="ctr" rtl="0">
+              <a:spcBef>
+                <a:spcPts val="0"/>
+              </a:spcBef>
+              <a:spcAft>
+                <a:spcPts val="0"/>
+              </a:spcAft>
+              <a:buSzPts val="1400"/>
+              <a:buNone/>
+              <a:defRPr sz="1200">
+                <a:solidFill>
+                  <a:srgbClr val="888888"/>
+                </a:solidFill>
+                <a:latin typeface="Calibri"/>
+                <a:ea typeface="Calibri"/>
+                <a:cs typeface="Calibri"/>
+                <a:sym typeface="Calibri"/>
+              </a:defRPr>
+            </a:lvl1pPr>
+            <a:lvl2pPr marR="0" lvl="1" algn="l" rtl="0">
+              <a:spcBef>
+                <a:spcPts val="0"/>
+              </a:spcBef>
+              <a:spcAft>
+                <a:spcPts val="0"/>
+              </a:spcAft>
+              <a:buSzPts val="1400"/>
+              <a:buNone/>
+              <a:defRPr sz="1800" b="0" i="0" u="none" strike="noStrike" cap="none">
+                <a:solidFill>
+                  <a:schemeClr val="dk1"/>
+                </a:solidFill>
+                <a:latin typeface="Calibri"/>
+                <a:ea typeface="Calibri"/>
+                <a:cs typeface="Calibri"/>
+                <a:sym typeface="Calibri"/>
+              </a:defRPr>
+            </a:lvl2pPr>
+            <a:lvl3pPr marR="0" lvl="2" algn="l" rtl="0">
+              <a:spcBef>
+                <a:spcPts val="0"/>
+              </a:spcBef>
+              <a:spcAft>
+                <a:spcPts val="0"/>
+              </a:spcAft>
+              <a:buSzPts val="1400"/>
+              <a:buNone/>
+              <a:defRPr sz="1800" b="0" i="0" u="none" strike="noStrike" cap="none">
+                <a:solidFill>
+                  <a:schemeClr val="dk1"/>
+                </a:solidFill>
+                <a:latin typeface="Calibri"/>
+                <a:ea typeface="Calibri"/>
+                <a:cs typeface="Calibri"/>
+                <a:sym typeface="Calibri"/>
+              </a:defRPr>
+            </a:lvl3pPr>
+            <a:lvl4pPr marR="0" lvl="3" algn="l" rtl="0">
+              <a:spcBef>
+                <a:spcPts val="0"/>
+              </a:spcBef>
+              <a:spcAft>
+                <a:spcPts val="0"/>
+              </a:spcAft>
+              <a:buSzPts val="1400"/>
+              <a:buNone/>
+              <a:defRPr sz="1800" b="0" i="0" u="none" strike="noStrike" cap="none">
+                <a:solidFill>
+                  <a:schemeClr val="dk1"/>
+                </a:solidFill>
+                <a:latin typeface="Calibri"/>
+                <a:ea typeface="Calibri"/>
+                <a:cs typeface="Calibri"/>
+                <a:sym typeface="Calibri"/>
+              </a:defRPr>
+            </a:lvl4pPr>
+            <a:lvl5pPr marR="0" lvl="4" algn="l" rtl="0">
+              <a:spcBef>
+                <a:spcPts val="0"/>
+              </a:spcBef>
+              <a:spcAft>
+                <a:spcPts val="0"/>
+              </a:spcAft>
+              <a:buSzPts val="1400"/>
+              <a:buNone/>
+              <a:defRPr sz="1800" b="0" i="0" u="none" strike="noStrike" cap="none">
+                <a:solidFill>
+                  <a:schemeClr val="dk1"/>
+                </a:solidFill>
+                <a:latin typeface="Calibri"/>
+                <a:ea typeface="Calibri"/>
+                <a:cs typeface="Calibri"/>
+                <a:sym typeface="Calibri"/>
+              </a:defRPr>
+            </a:lvl5pPr>
+            <a:lvl6pPr marR="0" lvl="5" algn="l" rtl="0">
+              <a:spcBef>
+                <a:spcPts val="0"/>
+              </a:spcBef>
+              <a:spcAft>
+                <a:spcPts val="0"/>
+              </a:spcAft>
+              <a:buSzPts val="1400"/>
+              <a:buNone/>
+              <a:defRPr sz="1800" b="0" i="0" u="none" strike="noStrike" cap="none">
+                <a:solidFill>
+                  <a:schemeClr val="dk1"/>
+                </a:solidFill>
+                <a:latin typeface="Calibri"/>
+                <a:ea typeface="Calibri"/>
+                <a:cs typeface="Calibri"/>
+                <a:sym typeface="Calibri"/>
+              </a:defRPr>
+            </a:lvl6pPr>
+            <a:lvl7pPr marR="0" lvl="6" algn="l" rtl="0">
+              <a:spcBef>
+                <a:spcPts val="0"/>
+              </a:spcBef>
+              <a:spcAft>
+                <a:spcPts val="0"/>
+              </a:spcAft>
+              <a:buSzPts val="1400"/>
+              <a:buNone/>
+              <a:defRPr sz="1800" b="0" i="0" u="none" strike="noStrike" cap="none">
+                <a:solidFill>
+                  <a:schemeClr val="dk1"/>
+                </a:solidFill>
+                <a:latin typeface="Calibri"/>
+                <a:ea typeface="Calibri"/>
+                <a:cs typeface="Calibri"/>
+                <a:sym typeface="Calibri"/>
+              </a:defRPr>
+            </a:lvl7pPr>
+            <a:lvl8pPr marR="0" lvl="7" algn="l" rtl="0">
+              <a:spcBef>
+                <a:spcPts val="0"/>
+              </a:spcBef>
+              <a:spcAft>
+                <a:spcPts val="0"/>
+              </a:spcAft>
+              <a:buSzPts val="1400"/>
+              <a:buNone/>
+              <a:defRPr sz="1800" b="0" i="0" u="none" strike="noStrike" cap="none">
+                <a:solidFill>
+                  <a:schemeClr val="dk1"/>
+                </a:solidFill>
+                <a:latin typeface="Calibri"/>
+                <a:ea typeface="Calibri"/>
+                <a:cs typeface="Calibri"/>
+                <a:sym typeface="Calibri"/>
+              </a:defRPr>
+            </a:lvl8pPr>
+            <a:lvl9pPr marR="0" lvl="8" algn="l" rtl="0">
+              <a:spcBef>
+                <a:spcPts val="0"/>
+              </a:spcBef>
+              <a:spcAft>
+                <a:spcPts val="0"/>
+              </a:spcAft>
+              <a:buSzPts val="1400"/>
+              <a:buNone/>
+              <a:defRPr sz="1800" b="0" i="0" u="none" strike="noStrike" cap="none">
+                <a:solidFill>
+                  <a:schemeClr val="dk1"/>
+                </a:solidFill>
+                <a:latin typeface="Calibri"/>
+                <a:ea typeface="Calibri"/>
+                <a:cs typeface="Calibri"/>
+                <a:sym typeface="Calibri"/>
+              </a:defRPr>
+            </a:lvl9pPr>
+          </a:lstStyle>
+          <a:p>
+            <a:endParaRPr lang="en-US"/>
+          </a:p>
+        </p:txBody>
+      </p:sp>
+      <p:sp>
+        <p:nvSpPr>
+          <p:cNvPr id="79" name="Google Shape;79;p12"/>
+          <p:cNvSpPr txBox="1">
+            <a:spLocks noGrp="1"/>
+          </p:cNvSpPr>
+          <p:nvPr>
+            <p:ph type="sldNum" idx="12"/>
+          </p:nvPr>
+        </p:nvSpPr>
+        <p:spPr>
+          <a:xfrm>
+            <a:off x="8610600" y="6356350"/>
+            <a:ext cx="2743200" cy="365125"/>
+          </a:xfrm>
+          <a:prstGeom prst="rect">
+            <a:avLst/>
+          </a:prstGeom>
+          <a:noFill/>
+          <a:ln>
+            <a:noFill/>
+          </a:ln>
+        </p:spPr>
+        <p:txBody>
+          <a:bodyPr spcFirstLastPara="1" wrap="square" lIns="91425" tIns="45700" rIns="91425" bIns="45700" anchor="ctr" anchorCtr="0">
+            <a:noAutofit/>
+          </a:bodyPr>
+          <a:lstStyle>
+            <a:lvl1pPr marL="0" marR="0" lvl="0" indent="0" algn="r" rtl="0">
+              <a:spcBef>
+                <a:spcPts val="0"/>
+              </a:spcBef>
+              <a:buNone/>
+              <a:defRPr sz="1200">
+                <a:solidFill>
+                  <a:srgbClr val="888888"/>
+                </a:solidFill>
+                <a:latin typeface="Calibri"/>
+                <a:ea typeface="Calibri"/>
+                <a:cs typeface="Calibri"/>
+                <a:sym typeface="Calibri"/>
+              </a:defRPr>
+            </a:lvl1pPr>
+            <a:lvl2pPr marL="0" marR="0" lvl="1" indent="0" algn="r" rtl="0">
+              <a:spcBef>
+                <a:spcPts val="0"/>
+              </a:spcBef>
+              <a:buNone/>
+              <a:defRPr sz="1200">
+                <a:solidFill>
+                  <a:srgbClr val="888888"/>
+                </a:solidFill>
+                <a:latin typeface="Calibri"/>
+                <a:ea typeface="Calibri"/>
+                <a:cs typeface="Calibri"/>
+                <a:sym typeface="Calibri"/>
+              </a:defRPr>
+            </a:lvl2pPr>
+            <a:lvl3pPr marL="0" marR="0" lvl="2" indent="0" algn="r" rtl="0">
+              <a:spcBef>
+                <a:spcPts val="0"/>
+              </a:spcBef>
+              <a:buNone/>
+              <a:defRPr sz="1200">
+                <a:solidFill>
+                  <a:srgbClr val="888888"/>
+                </a:solidFill>
+                <a:latin typeface="Calibri"/>
+                <a:ea typeface="Calibri"/>
+                <a:cs typeface="Calibri"/>
+                <a:sym typeface="Calibri"/>
+              </a:defRPr>
+            </a:lvl3pPr>
+            <a:lvl4pPr marL="0" marR="0" lvl="3" indent="0" algn="r" rtl="0">
+              <a:spcBef>
+                <a:spcPts val="0"/>
+              </a:spcBef>
+              <a:buNone/>
+              <a:defRPr sz="1200">
+                <a:solidFill>
+                  <a:srgbClr val="888888"/>
+                </a:solidFill>
+                <a:latin typeface="Calibri"/>
+                <a:ea typeface="Calibri"/>
+                <a:cs typeface="Calibri"/>
+                <a:sym typeface="Calibri"/>
+              </a:defRPr>
+            </a:lvl4pPr>
+            <a:lvl5pPr marL="0" marR="0" lvl="4" indent="0" algn="r" rtl="0">
+              <a:spcBef>
+                <a:spcPts val="0"/>
+              </a:spcBef>
+              <a:buNone/>
+              <a:defRPr sz="1200">
+                <a:solidFill>
+                  <a:srgbClr val="888888"/>
+                </a:solidFill>
+                <a:latin typeface="Calibri"/>
+                <a:ea typeface="Calibri"/>
+                <a:cs typeface="Calibri"/>
+                <a:sym typeface="Calibri"/>
+              </a:defRPr>
+            </a:lvl5pPr>
+            <a:lvl6pPr marL="0" marR="0" lvl="5" indent="0" algn="r" rtl="0">
+              <a:spcBef>
+                <a:spcPts val="0"/>
+              </a:spcBef>
+              <a:buNone/>
+              <a:defRPr sz="1200">
+                <a:solidFill>
+                  <a:srgbClr val="888888"/>
+                </a:solidFill>
+                <a:latin typeface="Calibri"/>
+                <a:ea typeface="Calibri"/>
+                <a:cs typeface="Calibri"/>
+                <a:sym typeface="Calibri"/>
+              </a:defRPr>
+            </a:lvl6pPr>
+            <a:lvl7pPr marL="0" marR="0" lvl="6" indent="0" algn="r" rtl="0">
+              <a:spcBef>
+                <a:spcPts val="0"/>
+              </a:spcBef>
+              <a:buNone/>
+              <a:defRPr sz="1200">
+                <a:solidFill>
+                  <a:srgbClr val="888888"/>
+                </a:solidFill>
+                <a:latin typeface="Calibri"/>
+                <a:ea typeface="Calibri"/>
+                <a:cs typeface="Calibri"/>
+                <a:sym typeface="Calibri"/>
+              </a:defRPr>
+            </a:lvl7pPr>
+            <a:lvl8pPr marL="0" marR="0" lvl="7" indent="0" algn="r" rtl="0">
+              <a:spcBef>
+                <a:spcPts val="0"/>
+              </a:spcBef>
+              <a:buNone/>
+              <a:defRPr sz="1200">
+                <a:solidFill>
+                  <a:srgbClr val="888888"/>
+                </a:solidFill>
+                <a:latin typeface="Calibri"/>
+                <a:ea typeface="Calibri"/>
+                <a:cs typeface="Calibri"/>
+                <a:sym typeface="Calibri"/>
+              </a:defRPr>
+            </a:lvl8pPr>
+            <a:lvl9pPr marL="0" marR="0" lvl="8" indent="0" algn="r" rtl="0">
+              <a:spcBef>
+                <a:spcPts val="0"/>
+              </a:spcBef>
+              <a:buNone/>
+              <a:defRPr sz="1200">
+                <a:solidFill>
+                  <a:srgbClr val="888888"/>
+                </a:solidFill>
+                <a:latin typeface="Calibri"/>
+                <a:ea typeface="Calibri"/>
+                <a:cs typeface="Calibri"/>
+                <a:sym typeface="Calibri"/>
+              </a:defRPr>
+            </a:lvl9pPr>
+          </a:lstStyle>
+          <a:p>
+            <a:pPr marL="0" lvl="0" indent="0" algn="r" rtl="0">
+              <a:spcBef>
+                <a:spcPts val="0"/>
+              </a:spcBef>
+              <a:spcAft>
+                <a:spcPts val="0"/>
+              </a:spcAft>
+              <a:buNone/>
+            </a:pPr>
+            <a:fld id="{00000000-1234-1234-1234-123412341234}" type="slidenum">
+              <a:rPr lang="en-US" smtClean="0"/>
+              <a:t>‹#›</a:t>
+            </a:fld>
+            <a:endParaRPr lang="en-US"/>
+          </a:p>
+        </p:txBody>
+      </p:sp>
+    </p:spTree>
+    <p:extLst>
+      <p:ext uri="{BB962C8B-B14F-4D97-AF65-F5344CB8AC3E}">
+        <p14:creationId xmlns:p14="http://schemas.microsoft.com/office/powerpoint/2010/main" val="504512511"/>
       </p:ext>
     </p:extLst>
   </p:cSld>
@@ -18825,10 +18499,9 @@
     <p:sldLayoutId id="2147483666" r:id="rId5"/>
     <p:sldLayoutId id="2147483667" r:id="rId6"/>
     <p:sldLayoutId id="2147483668" r:id="rId7"/>
-    <p:sldLayoutId id="2147483669" r:id="rId8"/>
-    <p:sldLayoutId id="2147483670" r:id="rId9"/>
-    <p:sldLayoutId id="2147483671" r:id="rId10"/>
-    <p:sldLayoutId id="2147483672" r:id="rId11"/>
+    <p:sldLayoutId id="2147483670" r:id="rId8"/>
+    <p:sldLayoutId id="2147483671" r:id="rId9"/>
+    <p:sldLayoutId id="2147483672" r:id="rId10"/>
   </p:sldLayoutIdLst>
   <p:hf sldNum="0" hdr="0" ftr="0" dt="0"/>
   <p:txStyles>
@@ -19987,7 +19660,11 @@
           <a:p>
             <a:r>
               <a:rPr lang="en-US" sz="3200" dirty="0"/>
-              <a:t>RESULTS</a:t>
+              <a:t>PREDICTIVE MODELS</a:t>
+            </a:r>
+            <a:r>
+              <a:rPr lang="en-US" sz="3200" b="1" dirty="0"/>
+              <a:t>(BNN)</a:t>
             </a:r>
           </a:p>
         </p:txBody>
@@ -20127,6 +19804,941 @@
           </a:p>
         </p:txBody>
       </p:sp>
+      <mc:AlternateContent xmlns:mc="http://schemas.openxmlformats.org/markup-compatibility/2006">
+        <mc:Choice xmlns:a14="http://schemas.microsoft.com/office/drawing/2010/main" Requires="a14">
+          <p:sp>
+            <p:nvSpPr>
+              <p:cNvPr id="3" name="Text Placeholder 3">
+                <a:extLst>
+                  <a:ext uri="{FF2B5EF4-FFF2-40B4-BE49-F238E27FC236}">
+                    <a16:creationId xmlns:a16="http://schemas.microsoft.com/office/drawing/2014/main" id="{F7CAE945-68FA-33B6-1090-85B5E8D2EF6C}"/>
+                  </a:ext>
+                </a:extLst>
+              </p:cNvPr>
+              <p:cNvSpPr txBox="1">
+                <a:spLocks/>
+              </p:cNvSpPr>
+              <p:nvPr/>
+            </p:nvSpPr>
+            <p:spPr>
+              <a:xfrm>
+                <a:off x="5071730" y="380999"/>
+                <a:ext cx="6529720" cy="5629275"/>
+              </a:xfrm>
+              <a:prstGeom prst="rect">
+                <a:avLst/>
+              </a:prstGeom>
+              <a:noFill/>
+              <a:ln>
+                <a:noFill/>
+              </a:ln>
+            </p:spPr>
+            <p:txBody>
+              <a:bodyPr spcFirstLastPara="1" wrap="square" lIns="91425" tIns="91425" rIns="91425" bIns="91425" anchor="t" anchorCtr="0">
+                <a:normAutofit/>
+              </a:bodyPr>
+              <a:lstStyle>
+                <a:defPPr marR="0" lvl="0" algn="l" rtl="0">
+                  <a:lnSpc>
+                    <a:spcPct val="100000"/>
+                  </a:lnSpc>
+                  <a:spcBef>
+                    <a:spcPts val="0"/>
+                  </a:spcBef>
+                  <a:spcAft>
+                    <a:spcPts val="0"/>
+                  </a:spcAft>
+                </a:defPPr>
+                <a:lvl1pPr marL="0" marR="0" lvl="0" indent="0" algn="l" rtl="0" eaLnBrk="1" hangingPunct="1">
+                  <a:lnSpc>
+                    <a:spcPct val="90000"/>
+                  </a:lnSpc>
+                  <a:spcBef>
+                    <a:spcPts val="1000"/>
+                  </a:spcBef>
+                  <a:spcAft>
+                    <a:spcPts val="0"/>
+                  </a:spcAft>
+                  <a:buClr>
+                    <a:schemeClr val="dk1"/>
+                  </a:buClr>
+                  <a:buSzPts val="2800"/>
+                  <a:buFont typeface="Arial"/>
+                  <a:buNone/>
+                  <a:defRPr lang="en-US" sz="2000" b="0" i="0" u="none" strike="noStrike" kern="1200" cap="none" spc="150" baseline="0" dirty="0">
+                    <a:solidFill>
+                      <a:schemeClr val="tx1"/>
+                    </a:solidFill>
+                    <a:latin typeface="+mj-lt"/>
+                    <a:ea typeface="+mj-ea"/>
+                    <a:cs typeface="+mj-cs"/>
+                    <a:sym typeface="Calibri"/>
+                  </a:defRPr>
+                </a:lvl1pPr>
+                <a:lvl2pPr marL="914400" marR="0" lvl="1" indent="-381000" algn="l" rtl="0" eaLnBrk="1" hangingPunct="1">
+                  <a:lnSpc>
+                    <a:spcPct val="90000"/>
+                  </a:lnSpc>
+                  <a:spcBef>
+                    <a:spcPts val="500"/>
+                  </a:spcBef>
+                  <a:spcAft>
+                    <a:spcPts val="0"/>
+                  </a:spcAft>
+                  <a:buClr>
+                    <a:schemeClr val="dk1"/>
+                  </a:buClr>
+                  <a:buSzPts val="2400"/>
+                  <a:buFont typeface="Arial"/>
+                  <a:buChar char="•"/>
+                  <a:defRPr sz="2400" b="0" i="0" u="none" strike="noStrike" cap="none">
+                    <a:solidFill>
+                      <a:schemeClr val="dk1"/>
+                    </a:solidFill>
+                    <a:latin typeface="Calibri"/>
+                    <a:ea typeface="Calibri"/>
+                    <a:cs typeface="Calibri"/>
+                    <a:sym typeface="Calibri"/>
+                  </a:defRPr>
+                </a:lvl2pPr>
+                <a:lvl3pPr marL="1371600" marR="0" lvl="2" indent="-355600" algn="l" rtl="0" eaLnBrk="1" hangingPunct="1">
+                  <a:lnSpc>
+                    <a:spcPct val="90000"/>
+                  </a:lnSpc>
+                  <a:spcBef>
+                    <a:spcPts val="500"/>
+                  </a:spcBef>
+                  <a:spcAft>
+                    <a:spcPts val="0"/>
+                  </a:spcAft>
+                  <a:buClr>
+                    <a:schemeClr val="dk1"/>
+                  </a:buClr>
+                  <a:buSzPts val="2000"/>
+                  <a:buFont typeface="Arial"/>
+                  <a:buChar char="•"/>
+                  <a:defRPr sz="2000" b="0" i="0" u="none" strike="noStrike" cap="none">
+                    <a:solidFill>
+                      <a:schemeClr val="dk1"/>
+                    </a:solidFill>
+                    <a:latin typeface="Calibri"/>
+                    <a:ea typeface="Calibri"/>
+                    <a:cs typeface="Calibri"/>
+                    <a:sym typeface="Calibri"/>
+                  </a:defRPr>
+                </a:lvl3pPr>
+                <a:lvl4pPr marL="1828800" marR="0" lvl="3" indent="-342900" algn="l" rtl="0" eaLnBrk="1" hangingPunct="1">
+                  <a:lnSpc>
+                    <a:spcPct val="90000"/>
+                  </a:lnSpc>
+                  <a:spcBef>
+                    <a:spcPts val="500"/>
+                  </a:spcBef>
+                  <a:spcAft>
+                    <a:spcPts val="0"/>
+                  </a:spcAft>
+                  <a:buClr>
+                    <a:schemeClr val="dk1"/>
+                  </a:buClr>
+                  <a:buSzPts val="1800"/>
+                  <a:buFont typeface="Arial"/>
+                  <a:buChar char="•"/>
+                  <a:defRPr sz="1800" b="0" i="0" u="none" strike="noStrike" cap="none">
+                    <a:solidFill>
+                      <a:schemeClr val="dk1"/>
+                    </a:solidFill>
+                    <a:latin typeface="Calibri"/>
+                    <a:ea typeface="Calibri"/>
+                    <a:cs typeface="Calibri"/>
+                    <a:sym typeface="Calibri"/>
+                  </a:defRPr>
+                </a:lvl4pPr>
+                <a:lvl5pPr marL="2286000" marR="0" lvl="4" indent="-342900" algn="l" rtl="0" eaLnBrk="1" hangingPunct="1">
+                  <a:lnSpc>
+                    <a:spcPct val="90000"/>
+                  </a:lnSpc>
+                  <a:spcBef>
+                    <a:spcPts val="500"/>
+                  </a:spcBef>
+                  <a:spcAft>
+                    <a:spcPts val="0"/>
+                  </a:spcAft>
+                  <a:buClr>
+                    <a:schemeClr val="dk1"/>
+                  </a:buClr>
+                  <a:buSzPts val="1800"/>
+                  <a:buFont typeface="Arial"/>
+                  <a:buChar char="•"/>
+                  <a:defRPr sz="1800" b="0" i="0" u="none" strike="noStrike" cap="none">
+                    <a:solidFill>
+                      <a:schemeClr val="dk1"/>
+                    </a:solidFill>
+                    <a:latin typeface="Calibri"/>
+                    <a:ea typeface="Calibri"/>
+                    <a:cs typeface="Calibri"/>
+                    <a:sym typeface="Calibri"/>
+                  </a:defRPr>
+                </a:lvl5pPr>
+                <a:lvl6pPr marL="2743200" marR="0" lvl="5" indent="-342900" algn="l" rtl="0" eaLnBrk="1" hangingPunct="1">
+                  <a:lnSpc>
+                    <a:spcPct val="90000"/>
+                  </a:lnSpc>
+                  <a:spcBef>
+                    <a:spcPts val="500"/>
+                  </a:spcBef>
+                  <a:spcAft>
+                    <a:spcPts val="0"/>
+                  </a:spcAft>
+                  <a:buClr>
+                    <a:schemeClr val="dk1"/>
+                  </a:buClr>
+                  <a:buSzPts val="1800"/>
+                  <a:buFont typeface="Arial"/>
+                  <a:buChar char="•"/>
+                  <a:defRPr sz="1800" b="0" i="0" u="none" strike="noStrike" cap="none">
+                    <a:solidFill>
+                      <a:schemeClr val="dk1"/>
+                    </a:solidFill>
+                    <a:latin typeface="Calibri"/>
+                    <a:ea typeface="Calibri"/>
+                    <a:cs typeface="Calibri"/>
+                    <a:sym typeface="Calibri"/>
+                  </a:defRPr>
+                </a:lvl6pPr>
+                <a:lvl7pPr marL="3200400" marR="0" lvl="6" indent="-342900" algn="l" rtl="0" eaLnBrk="1" hangingPunct="1">
+                  <a:lnSpc>
+                    <a:spcPct val="90000"/>
+                  </a:lnSpc>
+                  <a:spcBef>
+                    <a:spcPts val="500"/>
+                  </a:spcBef>
+                  <a:spcAft>
+                    <a:spcPts val="0"/>
+                  </a:spcAft>
+                  <a:buClr>
+                    <a:schemeClr val="dk1"/>
+                  </a:buClr>
+                  <a:buSzPts val="1800"/>
+                  <a:buFont typeface="Arial"/>
+                  <a:buChar char="•"/>
+                  <a:defRPr sz="1800" b="0" i="0" u="none" strike="noStrike" cap="none">
+                    <a:solidFill>
+                      <a:schemeClr val="dk1"/>
+                    </a:solidFill>
+                    <a:latin typeface="Calibri"/>
+                    <a:ea typeface="Calibri"/>
+                    <a:cs typeface="Calibri"/>
+                    <a:sym typeface="Calibri"/>
+                  </a:defRPr>
+                </a:lvl7pPr>
+                <a:lvl8pPr marL="3657600" marR="0" lvl="7" indent="-342900" algn="l" rtl="0" eaLnBrk="1" hangingPunct="1">
+                  <a:lnSpc>
+                    <a:spcPct val="90000"/>
+                  </a:lnSpc>
+                  <a:spcBef>
+                    <a:spcPts val="500"/>
+                  </a:spcBef>
+                  <a:spcAft>
+                    <a:spcPts val="0"/>
+                  </a:spcAft>
+                  <a:buClr>
+                    <a:schemeClr val="dk1"/>
+                  </a:buClr>
+                  <a:buSzPts val="1800"/>
+                  <a:buFont typeface="Arial"/>
+                  <a:buChar char="•"/>
+                  <a:defRPr sz="1800" b="0" i="0" u="none" strike="noStrike" cap="none">
+                    <a:solidFill>
+                      <a:schemeClr val="dk1"/>
+                    </a:solidFill>
+                    <a:latin typeface="Calibri"/>
+                    <a:ea typeface="Calibri"/>
+                    <a:cs typeface="Calibri"/>
+                    <a:sym typeface="Calibri"/>
+                  </a:defRPr>
+                </a:lvl8pPr>
+                <a:lvl9pPr marL="4114800" marR="0" lvl="8" indent="-342900" algn="l" rtl="0" eaLnBrk="1" hangingPunct="1">
+                  <a:lnSpc>
+                    <a:spcPct val="90000"/>
+                  </a:lnSpc>
+                  <a:spcBef>
+                    <a:spcPts val="500"/>
+                  </a:spcBef>
+                  <a:spcAft>
+                    <a:spcPts val="0"/>
+                  </a:spcAft>
+                  <a:buClr>
+                    <a:schemeClr val="dk1"/>
+                  </a:buClr>
+                  <a:buSzPts val="1800"/>
+                  <a:buFont typeface="Arial"/>
+                  <a:buChar char="•"/>
+                  <a:defRPr sz="1800" b="0" i="0" u="none" strike="noStrike" cap="none">
+                    <a:solidFill>
+                      <a:schemeClr val="dk1"/>
+                    </a:solidFill>
+                    <a:latin typeface="Calibri"/>
+                    <a:ea typeface="Calibri"/>
+                    <a:cs typeface="Calibri"/>
+                    <a:sym typeface="Calibri"/>
+                  </a:defRPr>
+                </a:lvl9pPr>
+              </a:lstStyle>
+              <a:p>
+                <a:r>
+                  <a:rPr lang="en-US" sz="2400" b="1" dirty="0">
+                    <a:solidFill>
+                      <a:srgbClr val="ED7D31"/>
+                    </a:solidFill>
+                    <a:latin typeface="Calibri" panose="020F0502020204030204" pitchFamily="34" charset="0"/>
+                    <a:ea typeface="Calibri" panose="020F0502020204030204" pitchFamily="34" charset="0"/>
+                    <a:cs typeface="Calibri" panose="020F0502020204030204" pitchFamily="34" charset="0"/>
+                  </a:rPr>
+                  <a:t>Bayesian Neural Network (BNN) Model</a:t>
+                </a:r>
+              </a:p>
+              <a:p>
+                <a:pPr marL="342900" indent="-342900">
+                  <a:buFont typeface="Arial" panose="020B0604020202020204" pitchFamily="34" charset="0"/>
+                  <a:buChar char="•"/>
+                </a:pPr>
+                <a:r>
+                  <a:rPr lang="en-US" sz="2400" dirty="0">
+                    <a:effectLst/>
+                    <a:latin typeface="Calibri" panose="020F0502020204030204" pitchFamily="34" charset="0"/>
+                    <a:ea typeface="Calibri" panose="020F0502020204030204" pitchFamily="34" charset="0"/>
+                    <a:cs typeface="Calibri" panose="020F0502020204030204" pitchFamily="34" charset="0"/>
+                  </a:rPr>
+                  <a:t>A neural network is trained to map a vector </a:t>
+                </a:r>
+                <a14:m>
+                  <m:oMath xmlns:m="http://schemas.openxmlformats.org/officeDocument/2006/math">
+                    <m:acc>
+                      <m:accPr>
+                        <m:chr m:val="⃑"/>
+                        <m:ctrlPr>
+                          <a:rPr lang="en-US" sz="2400" i="1">
+                            <a:effectLst/>
+                            <a:latin typeface="Cambria Math" panose="02040503050406030204" pitchFamily="18" charset="0"/>
+                            <a:ea typeface="Yu Mincho" panose="02020400000000000000" pitchFamily="18" charset="-128"/>
+                            <a:cs typeface="Times New Roman" panose="02020603050405020304" pitchFamily="18" charset="0"/>
+                          </a:rPr>
+                        </m:ctrlPr>
+                      </m:accPr>
+                      <m:e>
+                        <m:r>
+                          <a:rPr lang="en-US" sz="2400" i="1">
+                            <a:effectLst/>
+                            <a:latin typeface="Cambria Math" panose="02040503050406030204" pitchFamily="18" charset="0"/>
+                            <a:ea typeface="Yu Mincho" panose="02020400000000000000" pitchFamily="18" charset="-128"/>
+                            <a:cs typeface="Times New Roman" panose="02020603050405020304" pitchFamily="18" charset="0"/>
+                          </a:rPr>
+                          <m:t>𝑥</m:t>
+                        </m:r>
+                      </m:e>
+                    </m:acc>
+                  </m:oMath>
+                </a14:m>
+                <a:r>
+                  <a:rPr lang="en-US" sz="2400" dirty="0">
+                    <a:effectLst/>
+                    <a:latin typeface="Calibri" panose="020F0502020204030204" pitchFamily="34" charset="0"/>
+                    <a:ea typeface="Calibri" panose="020F0502020204030204" pitchFamily="34" charset="0"/>
+                    <a:cs typeface="Calibri" panose="020F0502020204030204" pitchFamily="34" charset="0"/>
+                  </a:rPr>
+                  <a:t> of random variables </a:t>
+                </a:r>
+                <a14:m>
+                  <m:oMath xmlns:m="http://schemas.openxmlformats.org/officeDocument/2006/math">
+                    <m:sSub>
+                      <m:sSubPr>
+                        <m:ctrlPr>
+                          <a:rPr lang="en-US" sz="2400" i="1">
+                            <a:effectLst/>
+                            <a:latin typeface="Cambria Math" panose="02040503050406030204" pitchFamily="18" charset="0"/>
+                            <a:ea typeface="Yu Mincho" panose="02020400000000000000" pitchFamily="18" charset="-128"/>
+                            <a:cs typeface="Times New Roman" panose="02020603050405020304" pitchFamily="18" charset="0"/>
+                          </a:rPr>
+                        </m:ctrlPr>
+                      </m:sSubPr>
+                      <m:e>
+                        <m:r>
+                          <a:rPr lang="en-US" sz="2400" i="1">
+                            <a:effectLst/>
+                            <a:latin typeface="Cambria Math" panose="02040503050406030204" pitchFamily="18" charset="0"/>
+                            <a:ea typeface="Yu Mincho" panose="02020400000000000000" pitchFamily="18" charset="-128"/>
+                            <a:cs typeface="Times New Roman" panose="02020603050405020304" pitchFamily="18" charset="0"/>
+                          </a:rPr>
+                          <m:t>𝑥</m:t>
+                        </m:r>
+                      </m:e>
+                      <m:sub>
+                        <m:r>
+                          <a:rPr lang="en-US" sz="2400" i="1">
+                            <a:effectLst/>
+                            <a:latin typeface="Cambria Math" panose="02040503050406030204" pitchFamily="18" charset="0"/>
+                            <a:ea typeface="Yu Mincho" panose="02020400000000000000" pitchFamily="18" charset="-128"/>
+                            <a:cs typeface="Times New Roman" panose="02020603050405020304" pitchFamily="18" charset="0"/>
+                          </a:rPr>
+                          <m:t>𝑖</m:t>
+                        </m:r>
+                      </m:sub>
+                    </m:sSub>
+                  </m:oMath>
+                </a14:m>
+                <a:r>
+                  <a:rPr lang="en-US" sz="2400" dirty="0">
+                    <a:effectLst/>
+                    <a:latin typeface="Calibri" panose="020F0502020204030204" pitchFamily="34" charset="0"/>
+                    <a:ea typeface="Calibri" panose="020F0502020204030204" pitchFamily="34" charset="0"/>
+                    <a:cs typeface="Calibri" panose="020F0502020204030204" pitchFamily="34" charset="0"/>
+                  </a:rPr>
+                  <a:t> to a response variable </a:t>
+                </a:r>
+                <a14:m>
+                  <m:oMath xmlns:m="http://schemas.openxmlformats.org/officeDocument/2006/math">
+                    <m:acc>
+                      <m:accPr>
+                        <m:chr m:val="̂"/>
+                        <m:ctrlPr>
+                          <a:rPr lang="en-US" sz="2400" i="1">
+                            <a:effectLst/>
+                            <a:latin typeface="Cambria Math" panose="02040503050406030204" pitchFamily="18" charset="0"/>
+                            <a:ea typeface="Yu Mincho" panose="02020400000000000000" pitchFamily="18" charset="-128"/>
+                            <a:cs typeface="Times New Roman" panose="02020603050405020304" pitchFamily="18" charset="0"/>
+                          </a:rPr>
+                        </m:ctrlPr>
+                      </m:accPr>
+                      <m:e>
+                        <m:r>
+                          <a:rPr lang="en-US" sz="2400" i="1">
+                            <a:effectLst/>
+                            <a:latin typeface="Cambria Math" panose="02040503050406030204" pitchFamily="18" charset="0"/>
+                            <a:ea typeface="Yu Mincho" panose="02020400000000000000" pitchFamily="18" charset="-128"/>
+                            <a:cs typeface="Times New Roman" panose="02020603050405020304" pitchFamily="18" charset="0"/>
+                          </a:rPr>
+                          <m:t>𝑦</m:t>
+                        </m:r>
+                      </m:e>
+                    </m:acc>
+                  </m:oMath>
+                </a14:m>
+                <a:r>
+                  <a:rPr lang="en-US" sz="2400" dirty="0">
+                    <a:effectLst/>
+                    <a:latin typeface="Calibri" panose="020F0502020204030204" pitchFamily="34" charset="0"/>
+                    <a:ea typeface="Calibri" panose="020F0502020204030204" pitchFamily="34" charset="0"/>
+                    <a:cs typeface="Calibri" panose="020F0502020204030204" pitchFamily="34" charset="0"/>
+                  </a:rPr>
+                  <a:t>.</a:t>
+                </a:r>
+              </a:p>
+              <a:p>
+                <a:pPr marL="342900" indent="-342900">
+                  <a:buFont typeface="Arial" panose="020B0604020202020204" pitchFamily="34" charset="0"/>
+                  <a:buChar char="•"/>
+                </a:pPr>
+                <a14:m>
+                  <m:oMath xmlns:m="http://schemas.openxmlformats.org/officeDocument/2006/math">
+                    <m:acc>
+                      <m:accPr>
+                        <m:chr m:val="̂"/>
+                        <m:ctrlPr>
+                          <a:rPr lang="en-US" sz="2400" i="1">
+                            <a:effectLst/>
+                            <a:latin typeface="Cambria Math" panose="02040503050406030204" pitchFamily="18" charset="0"/>
+                            <a:ea typeface="Yu Mincho" panose="02020400000000000000" pitchFamily="18" charset="-128"/>
+                            <a:cs typeface="Times New Roman" panose="02020603050405020304" pitchFamily="18" charset="0"/>
+                          </a:rPr>
+                        </m:ctrlPr>
+                      </m:accPr>
+                      <m:e>
+                        <m:r>
+                          <a:rPr lang="en-US" sz="2400" i="1">
+                            <a:effectLst/>
+                            <a:latin typeface="Cambria Math" panose="02040503050406030204" pitchFamily="18" charset="0"/>
+                            <a:ea typeface="Yu Mincho" panose="02020400000000000000" pitchFamily="18" charset="-128"/>
+                            <a:cs typeface="Times New Roman" panose="02020603050405020304" pitchFamily="18" charset="0"/>
+                          </a:rPr>
+                          <m:t>𝑦</m:t>
+                        </m:r>
+                      </m:e>
+                    </m:acc>
+                  </m:oMath>
+                </a14:m>
+                <a:r>
+                  <a:rPr lang="en-US" sz="2400" dirty="0">
+                    <a:effectLst/>
+                    <a:latin typeface="Calibri" panose="020F0502020204030204" pitchFamily="34" charset="0"/>
+                    <a:ea typeface="Calibri" panose="020F0502020204030204" pitchFamily="34" charset="0"/>
+                    <a:cs typeface="Calibri" panose="020F0502020204030204" pitchFamily="34" charset="0"/>
+                  </a:rPr>
+                  <a:t> is multiplied by the range of observed response values </a:t>
+                </a:r>
+                <a14:m>
+                  <m:oMath xmlns:m="http://schemas.openxmlformats.org/officeDocument/2006/math">
+                    <m:r>
+                      <a:rPr lang="en-US" sz="2400" i="1">
+                        <a:effectLst/>
+                        <a:latin typeface="Cambria Math" panose="02040503050406030204" pitchFamily="18" charset="0"/>
+                        <a:ea typeface="Yu Mincho" panose="02020400000000000000" pitchFamily="18" charset="-128"/>
+                        <a:cs typeface="Times New Roman" panose="02020603050405020304" pitchFamily="18" charset="0"/>
+                      </a:rPr>
+                      <m:t>𝑦</m:t>
+                    </m:r>
+                  </m:oMath>
+                </a14:m>
+                <a:r>
+                  <a:rPr lang="en-US" sz="2400" dirty="0">
+                    <a:effectLst/>
+                    <a:latin typeface="Calibri" panose="020F0502020204030204" pitchFamily="34" charset="0"/>
+                    <a:ea typeface="Calibri" panose="020F0502020204030204" pitchFamily="34" charset="0"/>
+                    <a:cs typeface="Calibri" panose="020F0502020204030204" pitchFamily="34" charset="0"/>
+                  </a:rPr>
+                  <a:t>. </a:t>
+                </a:r>
+              </a:p>
+              <a:p>
+                <a:pPr marL="342900" marR="0" lvl="0" indent="-342900">
+                  <a:spcBef>
+                    <a:spcPts val="0"/>
+                  </a:spcBef>
+                  <a:spcAft>
+                    <a:spcPts val="0"/>
+                  </a:spcAft>
+                  <a:buFont typeface="Arial" panose="020B0604020202020204" pitchFamily="34" charset="0"/>
+                  <a:buChar char="•"/>
+                </a:pPr>
+                <a:r>
+                  <a:rPr lang="en-US" sz="2400" kern="100" dirty="0">
+                    <a:effectLst/>
+                    <a:latin typeface="Calibri" panose="020F0502020204030204" pitchFamily="34" charset="0"/>
+                    <a:ea typeface="Calibri" panose="020F0502020204030204" pitchFamily="34" charset="0"/>
+                    <a:cs typeface="Calibri" panose="020F0502020204030204" pitchFamily="34" charset="0"/>
+                  </a:rPr>
+                  <a:t>An input layer through which the BNN receives an input matrix </a:t>
+                </a:r>
+                <a14:m>
+                  <m:oMath xmlns:m="http://schemas.openxmlformats.org/officeDocument/2006/math">
+                    <m:r>
+                      <a:rPr lang="en-US" sz="2400" b="1" i="1" kern="100">
+                        <a:effectLst/>
+                        <a:latin typeface="Cambria Math" panose="02040503050406030204" pitchFamily="18" charset="0"/>
+                        <a:ea typeface="Yu Mincho" panose="02020400000000000000" pitchFamily="18" charset="-128"/>
+                        <a:cs typeface="Times New Roman" panose="02020603050405020304" pitchFamily="18" charset="0"/>
+                      </a:rPr>
+                      <m:t>𝑿</m:t>
+                    </m:r>
+                    <m:r>
+                      <a:rPr lang="en-US" sz="2400" i="1" kern="100">
+                        <a:effectLst/>
+                        <a:latin typeface="Cambria Math" panose="02040503050406030204" pitchFamily="18" charset="0"/>
+                        <a:ea typeface="Yu Mincho" panose="02020400000000000000" pitchFamily="18" charset="-128"/>
+                        <a:cs typeface="Times New Roman" panose="02020603050405020304" pitchFamily="18" charset="0"/>
+                      </a:rPr>
+                      <m:t>∈</m:t>
+                    </m:r>
+                    <m:sSup>
+                      <m:sSupPr>
+                        <m:ctrlPr>
+                          <a:rPr lang="en-US" sz="2400" i="1" kern="100">
+                            <a:effectLst/>
+                            <a:latin typeface="Cambria Math" panose="02040503050406030204" pitchFamily="18" charset="0"/>
+                            <a:ea typeface="Yu Mincho" panose="02020400000000000000" pitchFamily="18" charset="-128"/>
+                            <a:cs typeface="Times New Roman" panose="02020603050405020304" pitchFamily="18" charset="0"/>
+                          </a:rPr>
+                        </m:ctrlPr>
+                      </m:sSupPr>
+                      <m:e>
+                        <m:r>
+                          <a:rPr lang="en-US" sz="2400" b="1" i="1" kern="100">
+                            <a:effectLst/>
+                            <a:latin typeface="Cambria Math" panose="02040503050406030204" pitchFamily="18" charset="0"/>
+                            <a:ea typeface="Yu Mincho" panose="02020400000000000000" pitchFamily="18" charset="-128"/>
+                            <a:cs typeface="Times New Roman" panose="02020603050405020304" pitchFamily="18" charset="0"/>
+                          </a:rPr>
+                          <m:t>𝑹</m:t>
+                        </m:r>
+                      </m:e>
+                      <m:sup>
+                        <m:r>
+                          <a:rPr lang="en-US" sz="2400" i="1" kern="100">
+                            <a:effectLst/>
+                            <a:latin typeface="Cambria Math" panose="02040503050406030204" pitchFamily="18" charset="0"/>
+                            <a:ea typeface="Yu Mincho" panose="02020400000000000000" pitchFamily="18" charset="-128"/>
+                            <a:cs typeface="Times New Roman" panose="02020603050405020304" pitchFamily="18" charset="0"/>
+                          </a:rPr>
+                          <m:t>𝑚</m:t>
+                        </m:r>
+                        <m:r>
+                          <a:rPr lang="en-US" sz="2400" i="1" kern="100">
+                            <a:effectLst/>
+                            <a:latin typeface="Cambria Math" panose="02040503050406030204" pitchFamily="18" charset="0"/>
+                            <a:ea typeface="Yu Mincho" panose="02020400000000000000" pitchFamily="18" charset="-128"/>
+                            <a:cs typeface="Times New Roman" panose="02020603050405020304" pitchFamily="18" charset="0"/>
+                          </a:rPr>
+                          <m:t>×1024</m:t>
+                        </m:r>
+                      </m:sup>
+                    </m:sSup>
+                  </m:oMath>
+                </a14:m>
+                <a:endParaRPr lang="en-US" kern="100" dirty="0">
+                  <a:effectLst/>
+                  <a:latin typeface="Calibri" panose="020F0502020204030204" pitchFamily="34" charset="0"/>
+                  <a:ea typeface="Calibri" panose="020F0502020204030204" pitchFamily="34" charset="0"/>
+                  <a:cs typeface="Calibri" panose="020F0502020204030204" pitchFamily="34" charset="0"/>
+                </a:endParaRPr>
+              </a:p>
+              <a:p>
+                <a:pPr marL="342900" marR="0" lvl="0" indent="-342900">
+                  <a:spcBef>
+                    <a:spcPts val="0"/>
+                  </a:spcBef>
+                  <a:spcAft>
+                    <a:spcPts val="600"/>
+                  </a:spcAft>
+                  <a:buFont typeface="Arial" panose="020B0604020202020204" pitchFamily="34" charset="0"/>
+                  <a:buChar char="•"/>
+                </a:pPr>
+                <a:r>
+                  <a:rPr lang="en-US" sz="2400" kern="100" dirty="0">
+                    <a:effectLst/>
+                    <a:latin typeface="Calibri" panose="020F0502020204030204" pitchFamily="34" charset="0"/>
+                    <a:ea typeface="Calibri" panose="020F0502020204030204" pitchFamily="34" charset="0"/>
+                    <a:cs typeface="Calibri" panose="020F0502020204030204" pitchFamily="34" charset="0"/>
+                  </a:rPr>
+                  <a:t>A first hidden layer</a:t>
+                </a:r>
+              </a:p>
+              <a:p>
+                <a:pPr marL="342900" marR="0" lvl="0" indent="-342900">
+                  <a:spcBef>
+                    <a:spcPts val="0"/>
+                  </a:spcBef>
+                  <a:spcAft>
+                    <a:spcPts val="600"/>
+                  </a:spcAft>
+                  <a:buFont typeface="Arial" panose="020B0604020202020204" pitchFamily="34" charset="0"/>
+                  <a:buChar char="•"/>
+                </a:pPr>
+                <a:r>
+                  <a:rPr lang="en-US" sz="2400" kern="100" dirty="0">
+                    <a:latin typeface="Calibri" panose="020F0502020204030204" pitchFamily="34" charset="0"/>
+                    <a:ea typeface="Calibri" panose="020F0502020204030204" pitchFamily="34" charset="0"/>
+                    <a:cs typeface="Calibri" panose="020F0502020204030204" pitchFamily="34" charset="0"/>
+                  </a:rPr>
+                  <a:t>A second hidden layer</a:t>
+                </a:r>
+              </a:p>
+              <a:p>
+                <a:pPr marL="342900" marR="0" lvl="0" indent="-342900">
+                  <a:spcBef>
+                    <a:spcPts val="0"/>
+                  </a:spcBef>
+                  <a:spcAft>
+                    <a:spcPts val="600"/>
+                  </a:spcAft>
+                  <a:buFont typeface="Arial" panose="020B0604020202020204" pitchFamily="34" charset="0"/>
+                  <a:buChar char="•"/>
+                </a:pPr>
+                <a:r>
+                  <a:rPr lang="en-US" sz="2400" kern="100" dirty="0">
+                    <a:effectLst/>
+                    <a:latin typeface="Calibri" panose="020F0502020204030204" pitchFamily="34" charset="0"/>
+                    <a:ea typeface="Calibri" panose="020F0502020204030204" pitchFamily="34" charset="0"/>
+                    <a:cs typeface="Calibri" panose="020F0502020204030204" pitchFamily="34" charset="0"/>
+                  </a:rPr>
+                  <a:t>An output layer</a:t>
+                </a:r>
+                <a:endParaRPr lang="en-US" kern="100" dirty="0">
+                  <a:effectLst/>
+                  <a:latin typeface="Calibri" panose="020F0502020204030204" pitchFamily="34" charset="0"/>
+                  <a:ea typeface="Calibri" panose="020F0502020204030204" pitchFamily="34" charset="0"/>
+                  <a:cs typeface="Calibri" panose="020F0502020204030204" pitchFamily="34" charset="0"/>
+                </a:endParaRPr>
+              </a:p>
+              <a:p>
+                <a:pPr marL="342900" indent="-342900">
+                  <a:buFont typeface="Arial" panose="020B0604020202020204" pitchFamily="34" charset="0"/>
+                  <a:buChar char="•"/>
+                </a:pPr>
+                <a:endParaRPr lang="en-US" sz="2400" dirty="0">
+                  <a:solidFill>
+                    <a:srgbClr val="ED7D31"/>
+                  </a:solidFill>
+                  <a:latin typeface="Calibri" panose="020F0502020204030204" pitchFamily="34" charset="0"/>
+                  <a:ea typeface="Calibri" panose="020F0502020204030204" pitchFamily="34" charset="0"/>
+                  <a:cs typeface="Calibri" panose="020F0502020204030204" pitchFamily="34" charset="0"/>
+                </a:endParaRPr>
+              </a:p>
+              <a:p>
+                <a:pPr marL="342900" indent="-342900">
+                  <a:buFont typeface="Arial" panose="020B0604020202020204" pitchFamily="34" charset="0"/>
+                  <a:buChar char="•"/>
+                </a:pPr>
+                <a:endParaRPr lang="en-US" sz="2400" dirty="0">
+                  <a:latin typeface="Calibri" panose="020F0502020204030204" pitchFamily="34" charset="0"/>
+                  <a:ea typeface="Calibri" panose="020F0502020204030204" pitchFamily="34" charset="0"/>
+                  <a:cs typeface="Calibri" panose="020F0502020204030204" pitchFamily="34" charset="0"/>
+                </a:endParaRPr>
+              </a:p>
+            </p:txBody>
+          </p:sp>
+        </mc:Choice>
+        <mc:Fallback>
+          <p:sp>
+            <p:nvSpPr>
+              <p:cNvPr id="3" name="Text Placeholder 3">
+                <a:extLst>
+                  <a:ext uri="{FF2B5EF4-FFF2-40B4-BE49-F238E27FC236}">
+                    <a16:creationId xmlns:a16="http://schemas.microsoft.com/office/drawing/2014/main" id="{F7CAE945-68FA-33B6-1090-85B5E8D2EF6C}"/>
+                  </a:ext>
+                </a:extLst>
+              </p:cNvPr>
+              <p:cNvSpPr txBox="1">
+                <a:spLocks noRot="1" noChangeAspect="1" noMove="1" noResize="1" noEditPoints="1" noAdjustHandles="1" noChangeArrowheads="1" noChangeShapeType="1" noTextEdit="1"/>
+              </p:cNvSpPr>
+              <p:nvPr/>
+            </p:nvSpPr>
+            <p:spPr>
+              <a:xfrm>
+                <a:off x="5071730" y="380999"/>
+                <a:ext cx="6529720" cy="5629275"/>
+              </a:xfrm>
+              <a:prstGeom prst="rect">
+                <a:avLst/>
+              </a:prstGeom>
+              <a:blipFill>
+                <a:blip r:embed="rId3"/>
+                <a:stretch>
+                  <a:fillRect l="-1681"/>
+                </a:stretch>
+              </a:blipFill>
+              <a:ln>
+                <a:noFill/>
+              </a:ln>
+            </p:spPr>
+            <p:txBody>
+              <a:bodyPr/>
+              <a:lstStyle/>
+              <a:p>
+                <a:r>
+                  <a:rPr lang="en-US">
+                    <a:noFill/>
+                  </a:rPr>
+                  <a:t> </a:t>
+                </a:r>
+              </a:p>
+            </p:txBody>
+          </p:sp>
+        </mc:Fallback>
+      </mc:AlternateContent>
+    </p:spTree>
+    <p:extLst>
+      <p:ext uri="{BB962C8B-B14F-4D97-AF65-F5344CB8AC3E}">
+        <p14:creationId xmlns:p14="http://schemas.microsoft.com/office/powerpoint/2010/main" val="2615644293"/>
+      </p:ext>
+    </p:extLst>
+  </p:cSld>
+  <p:clrMapOvr>
+    <a:masterClrMapping/>
+  </p:clrMapOvr>
+  <p:extLst>
+    <p:ext uri="{6950BFC3-D8DA-4A85-94F7-54DA5524770B}">
+      <p188:commentRel xmlns:p188="http://schemas.microsoft.com/office/powerpoint/2018/8/main" r:id="rId2"/>
+    </p:ext>
+  </p:extLst>
+</p:sld>
+</file>
+
+<file path=ppt/slides/slide11.xml><?xml version="1.0" encoding="utf-8"?>
+<p:sld xmlns:a="http://schemas.openxmlformats.org/drawingml/2006/main" xmlns:r="http://schemas.openxmlformats.org/officeDocument/2006/relationships" xmlns:p="http://schemas.openxmlformats.org/presentationml/2006/main">
+  <p:cSld>
+    <p:spTree>
+      <p:nvGrpSpPr>
+        <p:cNvPr id="1" name=""/>
+        <p:cNvGrpSpPr/>
+        <p:nvPr/>
+      </p:nvGrpSpPr>
+      <p:grpSpPr>
+        <a:xfrm>
+          <a:off x="0" y="0"/>
+          <a:ext cx="0" cy="0"/>
+          <a:chOff x="0" y="0"/>
+          <a:chExt cx="0" cy="0"/>
+        </a:xfrm>
+      </p:grpSpPr>
+      <p:sp>
+        <p:nvSpPr>
+          <p:cNvPr id="2" name="Title 1">
+            <a:extLst>
+              <a:ext uri="{FF2B5EF4-FFF2-40B4-BE49-F238E27FC236}">
+                <a16:creationId xmlns:a16="http://schemas.microsoft.com/office/drawing/2014/main" id="{D85C271D-AD98-DC98-55AA-36C93AFA4982}"/>
+              </a:ext>
+            </a:extLst>
+          </p:cNvPr>
+          <p:cNvSpPr>
+            <a:spLocks noGrp="1"/>
+          </p:cNvSpPr>
+          <p:nvPr>
+            <p:ph type="title"/>
+          </p:nvPr>
+        </p:nvSpPr>
+        <p:spPr>
+          <a:xfrm>
+            <a:off x="590550" y="4156405"/>
+            <a:ext cx="4057650" cy="1325563"/>
+          </a:xfrm>
+        </p:spPr>
+        <p:txBody>
+          <a:bodyPr>
+            <a:normAutofit/>
+          </a:bodyPr>
+          <a:lstStyle/>
+          <a:p>
+            <a:r>
+              <a:rPr lang="en-US" sz="3200" dirty="0"/>
+              <a:t>RESULTS</a:t>
+            </a:r>
+          </a:p>
+        </p:txBody>
+      </p:sp>
+      <p:sp>
+        <p:nvSpPr>
+          <p:cNvPr id="4" name="Text Placeholder 3">
+            <a:extLst>
+              <a:ext uri="{FF2B5EF4-FFF2-40B4-BE49-F238E27FC236}">
+                <a16:creationId xmlns:a16="http://schemas.microsoft.com/office/drawing/2014/main" id="{265260DC-9BA5-7CB7-153F-7BE152E6A320}"/>
+              </a:ext>
+            </a:extLst>
+          </p:cNvPr>
+          <p:cNvSpPr>
+            <a:spLocks noGrp="1"/>
+          </p:cNvSpPr>
+          <p:nvPr>
+            <p:ph type="body" sz="quarter" idx="13"/>
+          </p:nvPr>
+        </p:nvSpPr>
+        <p:spPr>
+          <a:xfrm>
+            <a:off x="5940635" y="380999"/>
+            <a:ext cx="5413164" cy="5629275"/>
+          </a:xfrm>
+        </p:spPr>
+        <p:txBody>
+          <a:bodyPr>
+            <a:normAutofit/>
+          </a:bodyPr>
+          <a:lstStyle/>
+          <a:p>
+            <a:endParaRPr lang="en-US" sz="2400" baseline="30000" dirty="0">
+              <a:latin typeface="Calibri" panose="020F0502020204030204" pitchFamily="34" charset="0"/>
+              <a:ea typeface="Calibri" panose="020F0502020204030204" pitchFamily="34" charset="0"/>
+              <a:cs typeface="Calibri" panose="020F0502020204030204" pitchFamily="34" charset="0"/>
+            </a:endParaRPr>
+          </a:p>
+          <a:p>
+            <a:pPr marL="457200" indent="-457200">
+              <a:buFont typeface="Arial" panose="020B0604020202020204" pitchFamily="34" charset="0"/>
+              <a:buChar char="•"/>
+            </a:pPr>
+            <a:endParaRPr lang="en-US" sz="2400" dirty="0">
+              <a:latin typeface="Calibri" panose="020F0502020204030204" pitchFamily="34" charset="0"/>
+              <a:ea typeface="Calibri" panose="020F0502020204030204" pitchFamily="34" charset="0"/>
+              <a:cs typeface="Calibri" panose="020F0502020204030204" pitchFamily="34" charset="0"/>
+            </a:endParaRPr>
+          </a:p>
+        </p:txBody>
+      </p:sp>
+      <p:sp>
+        <p:nvSpPr>
+          <p:cNvPr id="11" name="Date Placeholder 10">
+            <a:extLst>
+              <a:ext uri="{FF2B5EF4-FFF2-40B4-BE49-F238E27FC236}">
+                <a16:creationId xmlns:a16="http://schemas.microsoft.com/office/drawing/2014/main" id="{6706FF30-0C9B-FD68-79FA-318BCCF0E8A6}"/>
+              </a:ext>
+            </a:extLst>
+          </p:cNvPr>
+          <p:cNvSpPr>
+            <a:spLocks noGrp="1"/>
+          </p:cNvSpPr>
+          <p:nvPr>
+            <p:ph type="dt" sz="half" idx="20"/>
+          </p:nvPr>
+        </p:nvSpPr>
+        <p:spPr/>
+        <p:txBody>
+          <a:bodyPr/>
+          <a:lstStyle/>
+          <a:p>
+            <a:r>
+              <a:rPr lang="en-US"/>
+              <a:t>20XX</a:t>
+            </a:r>
+            <a:endParaRPr lang="en-US" dirty="0"/>
+          </a:p>
+        </p:txBody>
+      </p:sp>
+      <p:sp>
+        <p:nvSpPr>
+          <p:cNvPr id="12" name="Footer Placeholder 11">
+            <a:extLst>
+              <a:ext uri="{FF2B5EF4-FFF2-40B4-BE49-F238E27FC236}">
+                <a16:creationId xmlns:a16="http://schemas.microsoft.com/office/drawing/2014/main" id="{37AB3F49-B0E5-B403-51C4-8D852D2DEBB1}"/>
+              </a:ext>
+            </a:extLst>
+          </p:cNvPr>
+          <p:cNvSpPr>
+            <a:spLocks noGrp="1"/>
+          </p:cNvSpPr>
+          <p:nvPr>
+            <p:ph type="ftr" sz="quarter" idx="21"/>
+          </p:nvPr>
+        </p:nvSpPr>
+        <p:spPr/>
+        <p:txBody>
+          <a:bodyPr/>
+          <a:lstStyle/>
+          <a:p>
+            <a:r>
+              <a:rPr lang="en-US"/>
+              <a:t>Pitch Deck</a:t>
+            </a:r>
+            <a:endParaRPr lang="en-US" dirty="0"/>
+          </a:p>
+        </p:txBody>
+      </p:sp>
+      <p:sp>
+        <p:nvSpPr>
+          <p:cNvPr id="13" name="Slide Number Placeholder 12">
+            <a:extLst>
+              <a:ext uri="{FF2B5EF4-FFF2-40B4-BE49-F238E27FC236}">
+                <a16:creationId xmlns:a16="http://schemas.microsoft.com/office/drawing/2014/main" id="{E7F5E5EF-C8F5-DB8D-982E-F2A1ACA3B374}"/>
+              </a:ext>
+            </a:extLst>
+          </p:cNvPr>
+          <p:cNvSpPr>
+            <a:spLocks noGrp="1"/>
+          </p:cNvSpPr>
+          <p:nvPr>
+            <p:ph type="sldNum" sz="quarter" idx="22"/>
+          </p:nvPr>
+        </p:nvSpPr>
+        <p:spPr/>
+        <p:txBody>
+          <a:bodyPr/>
+          <a:lstStyle/>
+          <a:p>
+            <a:fld id="{B5CEABB6-07DC-46E8-9B57-56EC44A396E5}" type="slidenum">
+              <a:rPr lang="en-US" smtClean="0"/>
+              <a:pPr/>
+              <a:t>11</a:t>
+            </a:fld>
+            <a:endParaRPr lang="en-US" dirty="0"/>
+          </a:p>
+        </p:txBody>
+      </p:sp>
     </p:spTree>
     <p:extLst>
       <p:ext uri="{BB962C8B-B14F-4D97-AF65-F5344CB8AC3E}">
@@ -20140,7 +20752,62 @@
 </p:sld>
 </file>
 
-<file path=ppt/slides/slide11.xml><?xml version="1.0" encoding="utf-8"?>
+<file path=ppt/slides/slide12.xml><?xml version="1.0" encoding="utf-8"?>
+<p:sld xmlns:a="http://schemas.openxmlformats.org/drawingml/2006/main" xmlns:r="http://schemas.openxmlformats.org/officeDocument/2006/relationships" xmlns:p="http://schemas.openxmlformats.org/presentationml/2006/main">
+  <p:cSld>
+    <p:spTree>
+      <p:nvGrpSpPr>
+        <p:cNvPr id="1" name=""/>
+        <p:cNvGrpSpPr/>
+        <p:nvPr/>
+      </p:nvGrpSpPr>
+      <p:grpSpPr>
+        <a:xfrm>
+          <a:off x="0" y="0"/>
+          <a:ext cx="0" cy="0"/>
+          <a:chOff x="0" y="0"/>
+          <a:chExt cx="0" cy="0"/>
+        </a:xfrm>
+      </p:grpSpPr>
+      <p:sp>
+        <p:nvSpPr>
+          <p:cNvPr id="2" name="Title 1">
+            <a:extLst>
+              <a:ext uri="{FF2B5EF4-FFF2-40B4-BE49-F238E27FC236}">
+                <a16:creationId xmlns:a16="http://schemas.microsoft.com/office/drawing/2014/main" id="{CCE1FD69-EAAD-9FB1-F7F5-58735AAB1129}"/>
+              </a:ext>
+            </a:extLst>
+          </p:cNvPr>
+          <p:cNvSpPr>
+            <a:spLocks noGrp="1"/>
+          </p:cNvSpPr>
+          <p:nvPr>
+            <p:ph type="title"/>
+          </p:nvPr>
+        </p:nvSpPr>
+        <p:spPr/>
+        <p:txBody>
+          <a:bodyPr/>
+          <a:lstStyle/>
+          <a:p>
+            <a:endParaRPr lang="en-US" dirty="0"/>
+          </a:p>
+        </p:txBody>
+      </p:sp>
+    </p:spTree>
+    <p:extLst>
+      <p:ext uri="{BB962C8B-B14F-4D97-AF65-F5344CB8AC3E}">
+        <p14:creationId xmlns:p14="http://schemas.microsoft.com/office/powerpoint/2010/main" val="1484527436"/>
+      </p:ext>
+    </p:extLst>
+  </p:cSld>
+  <p:clrMapOvr>
+    <a:masterClrMapping/>
+  </p:clrMapOvr>
+</p:sld>
+</file>
+
+<file path=ppt/slides/slide13.xml><?xml version="1.0" encoding="utf-8"?>
 <p:sld xmlns:a="http://schemas.openxmlformats.org/drawingml/2006/main" xmlns:r="http://schemas.openxmlformats.org/officeDocument/2006/relationships" xmlns:p="http://schemas.openxmlformats.org/presentationml/2006/main">
   <p:cSld>
     <p:spTree>
@@ -20321,7 +20988,7 @@
             <a:fld id="{B5CEABB6-07DC-46E8-9B57-56EC44A396E5}" type="slidenum">
               <a:rPr lang="en-US" smtClean="0"/>
               <a:pPr/>
-              <a:t>11</a:t>
+              <a:t>13</a:t>
             </a:fld>
             <a:endParaRPr lang="en-US" dirty="0"/>
           </a:p>
@@ -20340,7 +21007,7 @@
 </p:sld>
 </file>
 
-<file path=ppt/slides/slide12.xml><?xml version="1.0" encoding="utf-8"?>
+<file path=ppt/slides/slide14.xml><?xml version="1.0" encoding="utf-8"?>
 <p:sld xmlns:a="http://schemas.openxmlformats.org/drawingml/2006/main" xmlns:r="http://schemas.openxmlformats.org/officeDocument/2006/relationships" xmlns:p="http://schemas.openxmlformats.org/presentationml/2006/main" show="0">
   <p:cSld>
     <p:spTree>
@@ -20663,7 +21330,7 @@
 </p:sld>
 </file>
 
-<file path=ppt/slides/slide13.xml><?xml version="1.0" encoding="utf-8"?>
+<file path=ppt/slides/slide15.xml><?xml version="1.0" encoding="utf-8"?>
 <p:sld xmlns:a="http://schemas.openxmlformats.org/drawingml/2006/main" xmlns:r="http://schemas.openxmlformats.org/officeDocument/2006/relationships" xmlns:p="http://schemas.openxmlformats.org/presentationml/2006/main" show="0">
   <p:cSld>
     <p:spTree>
@@ -20888,7 +21555,7 @@
 </p:sld>
 </file>
 
-<file path=ppt/slides/slide14.xml><?xml version="1.0" encoding="utf-8"?>
+<file path=ppt/slides/slide16.xml><?xml version="1.0" encoding="utf-8"?>
 <p:sld xmlns:a="http://schemas.openxmlformats.org/drawingml/2006/main" xmlns:r="http://schemas.openxmlformats.org/officeDocument/2006/relationships" xmlns:p="http://schemas.openxmlformats.org/presentationml/2006/main" show="0">
   <p:cSld>
     <p:spTree>
@@ -21462,7 +22129,7 @@
             </a:pPr>
             <a:r>
               <a:rPr lang="en-US" sz="2800" dirty="0"/>
-              <a:t>DATA</a:t>
+              <a:t>ABOUT DATA</a:t>
             </a:r>
           </a:p>
           <a:p>
@@ -21711,20 +22378,6 @@
                 <a:ea typeface="Calibri" panose="020F0502020204030204" pitchFamily="34" charset="0"/>
                 <a:cs typeface="Calibri" panose="020F0502020204030204" pitchFamily="34" charset="0"/>
               </a:rPr>
-              <a:t>Drug development takes many years and expensive with low success rate</a:t>
-            </a:r>
-          </a:p>
-          <a:p>
-            <a:pPr marL="457200" indent="-457200">
-              <a:buFont typeface="Arial" panose="020B0604020202020204" pitchFamily="34" charset="0"/>
-              <a:buChar char="•"/>
-            </a:pPr>
-            <a:r>
-              <a:rPr lang="en-US" sz="2400" dirty="0">
-                <a:latin typeface="Calibri" panose="020F0502020204030204" pitchFamily="34" charset="0"/>
-                <a:ea typeface="Calibri" panose="020F0502020204030204" pitchFamily="34" charset="0"/>
-                <a:cs typeface="Calibri" panose="020F0502020204030204" pitchFamily="34" charset="0"/>
-              </a:rPr>
               <a:t>The largest precalculated chemical database contains &gt; 160 billion chemicals</a:t>
             </a:r>
           </a:p>
@@ -21748,6 +22401,20 @@
                 <a:cs typeface="Calibri" panose="020F0502020204030204" pitchFamily="34" charset="0"/>
               </a:rPr>
               <a:t>60</a:t>
+            </a:r>
+          </a:p>
+          <a:p>
+            <a:pPr marL="457200" indent="-457200">
+              <a:buFont typeface="Arial" panose="020B0604020202020204" pitchFamily="34" charset="0"/>
+              <a:buChar char="•"/>
+            </a:pPr>
+            <a:r>
+              <a:rPr lang="en-US" sz="2400" dirty="0">
+                <a:latin typeface="Calibri" panose="020F0502020204030204" pitchFamily="34" charset="0"/>
+                <a:ea typeface="Calibri" panose="020F0502020204030204" pitchFamily="34" charset="0"/>
+                <a:cs typeface="Calibri" panose="020F0502020204030204" pitchFamily="34" charset="0"/>
+              </a:rPr>
+              <a:t>Drug development takes many years and expensive with low success rate</a:t>
             </a:r>
           </a:p>
           <a:p>
@@ -22332,7 +22999,7 @@
         </p:nvSpPr>
         <p:spPr>
           <a:xfrm>
-            <a:off x="307885" y="1830747"/>
+            <a:off x="391968" y="4320693"/>
             <a:ext cx="3395481" cy="707886"/>
           </a:xfrm>
           <a:prstGeom prst="rect">
@@ -22493,7 +23160,7 @@
                 <a:ea typeface="Calibri" panose="020F0502020204030204" pitchFamily="34" charset="0"/>
                 <a:cs typeface="Calibri" panose="020F0502020204030204" pitchFamily="34" charset="0"/>
               </a:rPr>
-              <a:t>Saves money and time by accelerating the process, hopefully that leads to cheaper and faster treatment for patients</a:t>
+              <a:t>Saves money and time by accelerating the process, hopefully that leads to cheaper and faster treatment available for patients</a:t>
             </a:r>
           </a:p>
           <a:p>
@@ -22583,13 +23250,13 @@
           <a:p>
             <a:r>
               <a:rPr lang="en-US" sz="3200" dirty="0"/>
-              <a:t>OVERVIEW</a:t>
+              <a:t>GOAL</a:t>
             </a:r>
           </a:p>
         </p:txBody>
       </p:sp>
-      <mc:AlternateContent xmlns:mc="http://schemas.openxmlformats.org/markup-compatibility/2006" xmlns:a14="http://schemas.microsoft.com/office/drawing/2010/main">
-        <mc:Choice Requires="a14">
+      <mc:AlternateContent xmlns:mc="http://schemas.openxmlformats.org/markup-compatibility/2006">
+        <mc:Choice xmlns:a14="http://schemas.microsoft.com/office/drawing/2010/main" Requires="a14">
           <p:sp>
             <p:nvSpPr>
               <p:cNvPr id="4" name="Text Placeholder 3">
@@ -22614,7 +23281,7 @@
             </p:spPr>
             <p:txBody>
               <a:bodyPr>
-                <a:normAutofit fontScale="92500" lnSpcReduction="10000"/>
+                <a:normAutofit/>
               </a:bodyPr>
               <a:lstStyle/>
               <a:p>
@@ -22636,45 +23303,6 @@
                     <a:cs typeface="Calibri" panose="020F0502020204030204" pitchFamily="34" charset="0"/>
                   </a:rPr>
                   <a:t>Predicting docking scores</a:t>
-                </a:r>
-              </a:p>
-              <a:p>
-                <a:pPr marL="457200" indent="-457200">
-                  <a:buFont typeface="Arial" panose="020B0604020202020204" pitchFamily="34" charset="0"/>
-                  <a:buChar char="•"/>
-                </a:pPr>
-                <a:r>
-                  <a:rPr lang="en-US" sz="2800" dirty="0">
-                    <a:latin typeface="Calibri" panose="020F0502020204030204" pitchFamily="34" charset="0"/>
-                    <a:ea typeface="Calibri" panose="020F0502020204030204" pitchFamily="34" charset="0"/>
-                    <a:cs typeface="Calibri" panose="020F0502020204030204" pitchFamily="34" charset="0"/>
-                  </a:rPr>
-                  <a:t>Docking is a computational simulation of a candidate ligand binding to a receptor</a:t>
-                </a:r>
-              </a:p>
-              <a:p>
-                <a:pPr marL="457200" indent="-457200">
-                  <a:buFont typeface="Arial" panose="020B0604020202020204" pitchFamily="34" charset="0"/>
-                  <a:buChar char="•"/>
-                </a:pPr>
-                <a:r>
-                  <a:rPr lang="en-US" sz="2800" dirty="0">
-                    <a:solidFill>
-                      <a:srgbClr val="CC5D08"/>
-                    </a:solidFill>
-                    <a:latin typeface="Calibri" panose="020F0502020204030204" pitchFamily="34" charset="0"/>
-                    <a:ea typeface="Calibri" panose="020F0502020204030204" pitchFamily="34" charset="0"/>
-                    <a:cs typeface="Calibri" panose="020F0502020204030204" pitchFamily="34" charset="0"/>
-                  </a:rPr>
-                  <a:t>Scoring</a:t>
-                </a:r>
-                <a:r>
-                  <a:rPr lang="en-US" sz="2800" dirty="0">
-                    <a:latin typeface="Calibri" panose="020F0502020204030204" pitchFamily="34" charset="0"/>
-                    <a:ea typeface="Calibri" panose="020F0502020204030204" pitchFamily="34" charset="0"/>
-                    <a:cs typeface="Calibri" panose="020F0502020204030204" pitchFamily="34" charset="0"/>
-                  </a:rPr>
-                  <a:t> is a process of evaluating a pose by counting number of favorable molecular interactions</a:t>
                 </a:r>
               </a:p>
               <a:p>
@@ -22767,13 +23395,22 @@
                 <a14:m>
                   <m:oMath xmlns:m="http://schemas.openxmlformats.org/officeDocument/2006/math">
                     <m:r>
+                      <a:rPr lang="en-US" sz="2600" b="0" i="1" smtClean="0">
+                        <a:effectLst/>
+                        <a:latin typeface="Cambria Math" panose="02040503050406030204" pitchFamily="18" charset="0"/>
+                        <a:ea typeface="Calibri" panose="020F0502020204030204" pitchFamily="34" charset="0"/>
+                        <a:cs typeface="Times New Roman" panose="02020603050405020304" pitchFamily="18" charset="0"/>
+                      </a:rPr>
+                      <m:t>−</m:t>
+                    </m:r>
+                    <m:r>
                       <a:rPr lang="en-US" sz="2600" i="1" smtClean="0">
                         <a:effectLst/>
                         <a:latin typeface="Cambria Math" panose="02040503050406030204" pitchFamily="18" charset="0"/>
                         <a:ea typeface="Calibri" panose="020F0502020204030204" pitchFamily="34" charset="0"/>
                         <a:cs typeface="Times New Roman" panose="02020603050405020304" pitchFamily="18" charset="0"/>
                       </a:rPr>
-                      <m:t>−15 </m:t>
+                      <m:t>15 </m:t>
                     </m:r>
                     <m:f>
                       <m:fPr>
@@ -22872,13 +23509,28 @@
                     <a:ea typeface="Calibri" panose="020F0502020204030204" pitchFamily="34" charset="0"/>
                     <a:cs typeface="Calibri" panose="020F0502020204030204" pitchFamily="34" charset="0"/>
                   </a:rPr>
-                  <a:t> is okay"</a:t>
+                  <a:t> is okay</a:t>
                 </a:r>
-                <a:endParaRPr lang="en-US" sz="2600" dirty="0">
-                  <a:latin typeface="Calibri" panose="020F0502020204030204" pitchFamily="34" charset="0"/>
-                  <a:ea typeface="Calibri" panose="020F0502020204030204" pitchFamily="34" charset="0"/>
-                  <a:cs typeface="Calibri" panose="020F0502020204030204" pitchFamily="34" charset="0"/>
-                </a:endParaRPr>
+              </a:p>
+              <a:p>
+                <a:pPr marL="457200" indent="-457200">
+                  <a:lnSpc>
+                    <a:spcPct val="110000"/>
+                  </a:lnSpc>
+                  <a:spcAft>
+                    <a:spcPts val="600"/>
+                  </a:spcAft>
+                  <a:buFont typeface="Arial" panose="020B0604020202020204" pitchFamily="34" charset="0"/>
+                  <a:buChar char="•"/>
+                </a:pPr>
+                <a:r>
+                  <a:rPr lang="en-US" sz="2600" dirty="0">
+                    <a:latin typeface="Calibri" panose="020F0502020204030204" pitchFamily="34" charset="0"/>
+                    <a:ea typeface="Calibri" panose="020F0502020204030204" pitchFamily="34" charset="0"/>
+                    <a:cs typeface="Calibri" panose="020F0502020204030204" pitchFamily="34" charset="0"/>
+                  </a:rPr>
+                  <a:t>Smaller is better</a:t>
+                </a:r>
               </a:p>
               <a:p>
                 <a:endParaRPr lang="en-US" sz="2400" baseline="30000" dirty="0">
@@ -22915,7 +23567,7 @@
             </p:txBody>
           </p:sp>
         </mc:Choice>
-        <mc:Fallback xmlns="">
+        <mc:Fallback>
           <p:sp>
             <p:nvSpPr>
               <p:cNvPr id="4" name="Text Placeholder 3">
@@ -22938,9 +23590,9 @@
                 <a:ext cx="5493145" cy="5905500"/>
               </a:xfrm>
               <a:blipFill>
-                <a:blip r:embed="rId2"/>
+                <a:blip r:embed="rId3"/>
                 <a:stretch>
-                  <a:fillRect l="-1998" r="-2775"/>
+                  <a:fillRect l="-2220" r="-1887"/>
                 </a:stretch>
               </a:blipFill>
             </p:spPr>
@@ -23061,15 +23713,15 @@
           <p:nvPr/>
         </p:nvPicPr>
         <p:blipFill>
-          <a:blip r:embed="rId3"/>
+          <a:blip r:embed="rId4"/>
           <a:stretch>
             <a:fillRect/>
           </a:stretch>
         </p:blipFill>
         <p:spPr>
           <a:xfrm>
-            <a:off x="656452" y="619124"/>
-            <a:ext cx="4715648" cy="3129011"/>
+            <a:off x="451262" y="482973"/>
+            <a:ext cx="5249716" cy="3483385"/>
           </a:xfrm>
           <a:prstGeom prst="rect">
             <a:avLst/>
@@ -23204,13 +23856,13 @@
         </p:nvSpPr>
         <p:spPr>
           <a:xfrm>
-            <a:off x="5595042" y="400051"/>
-            <a:ext cx="6129196" cy="5610224"/>
+            <a:off x="5474525" y="224798"/>
+            <a:ext cx="6261588" cy="5610224"/>
           </a:xfrm>
         </p:spPr>
         <p:txBody>
           <a:bodyPr>
-            <a:normAutofit fontScale="92500" lnSpcReduction="20000"/>
+            <a:noAutofit/>
           </a:bodyPr>
           <a:lstStyle/>
           <a:p>
@@ -23219,12 +23871,12 @@
               <a:buChar char="•"/>
             </a:pPr>
             <a:r>
-              <a:rPr lang="en-US" sz="2800" dirty="0">
+              <a:rPr lang="en-US" sz="2400" dirty="0">
                 <a:latin typeface="Calibri" panose="020F0502020204030204" pitchFamily="34" charset="0"/>
                 <a:ea typeface="Calibri" panose="020F0502020204030204" pitchFamily="34" charset="0"/>
                 <a:cs typeface="Calibri" panose="020F0502020204030204" pitchFamily="34" charset="0"/>
               </a:rPr>
-              <a:t>7JXQ: Protein target that may cause lung, breast, or other cancers.</a:t>
+              <a:t>7JXQ protein target may cause lung, breast, or other cancers.</a:t>
             </a:r>
           </a:p>
           <a:p>
@@ -23233,12 +23885,12 @@
               <a:buChar char="•"/>
             </a:pPr>
             <a:r>
-              <a:rPr lang="en-US" sz="2800" dirty="0">
+              <a:rPr lang="en-US" sz="2400" dirty="0">
                 <a:latin typeface="Calibri" panose="020F0502020204030204" pitchFamily="34" charset="0"/>
                 <a:ea typeface="Calibri" panose="020F0502020204030204" pitchFamily="34" charset="0"/>
                 <a:cs typeface="Calibri" panose="020F0502020204030204" pitchFamily="34" charset="0"/>
               </a:rPr>
-              <a:t>Data set is associated with 7JXQ protein and with one site of that protein at which ligands bind. </a:t>
+              <a:t>Data set is associated with one site at which ligands bind. </a:t>
             </a:r>
           </a:p>
           <a:p>
@@ -23247,12 +23899,12 @@
               <a:buChar char="•"/>
             </a:pPr>
             <a:r>
-              <a:rPr lang="en-US" sz="2800" dirty="0">
+              <a:rPr lang="en-US" sz="2400" dirty="0">
                 <a:latin typeface="Calibri" panose="020F0502020204030204" pitchFamily="34" charset="0"/>
                 <a:ea typeface="Calibri" panose="020F0502020204030204" pitchFamily="34" charset="0"/>
                 <a:cs typeface="Calibri" panose="020F0502020204030204" pitchFamily="34" charset="0"/>
               </a:rPr>
-              <a:t>Data size: </a:t>
+              <a:t>The raw data set has 2,121,227 observations and each with a docking score and SMILES.  </a:t>
             </a:r>
           </a:p>
           <a:p>
@@ -23261,12 +23913,12 @@
               <a:buChar char="•"/>
             </a:pPr>
             <a:r>
-              <a:rPr lang="en-US" sz="2800" dirty="0">
+              <a:rPr lang="en-US" sz="2400" dirty="0">
                 <a:latin typeface="Calibri" panose="020F0502020204030204" pitchFamily="34" charset="0"/>
                 <a:ea typeface="Calibri" panose="020F0502020204030204" pitchFamily="34" charset="0"/>
                 <a:cs typeface="Calibri" panose="020F0502020204030204" pitchFamily="34" charset="0"/>
               </a:rPr>
-              <a:t>Each row in our data set encapsulates data relating to a ligand docking to the protein. </a:t>
+              <a:t>Each row encapsulates data relating to a ligand docking to the protein. </a:t>
             </a:r>
           </a:p>
           <a:p>
@@ -23275,12 +23927,12 @@
               <a:buChar char="•"/>
             </a:pPr>
             <a:r>
-              <a:rPr lang="en-US" sz="2800" dirty="0">
+              <a:rPr lang="en-US" sz="2400" dirty="0">
                 <a:latin typeface="Calibri" panose="020F0502020204030204" pitchFamily="34" charset="0"/>
                 <a:ea typeface="Calibri" panose="020F0502020204030204" pitchFamily="34" charset="0"/>
                 <a:cs typeface="Calibri" panose="020F0502020204030204" pitchFamily="34" charset="0"/>
               </a:rPr>
-              <a:t>There is one ligand per row. There is one row per ligand. There is one Entry ID per ligand.</a:t>
+              <a:t>There is one ligand per row. There is one Entry ID per ligand.</a:t>
             </a:r>
           </a:p>
           <a:p>
@@ -23289,7 +23941,7 @@
               <a:buChar char="•"/>
             </a:pPr>
             <a:r>
-              <a:rPr lang="en-US" sz="2800" dirty="0">
+              <a:rPr lang="en-US" sz="2400" dirty="0">
                 <a:latin typeface="Calibri" panose="020F0502020204030204" pitchFamily="34" charset="0"/>
                 <a:ea typeface="Calibri" panose="020F0502020204030204" pitchFamily="34" charset="0"/>
                 <a:cs typeface="Calibri" panose="020F0502020204030204" pitchFamily="34" charset="0"/>
@@ -23297,7 +23949,7 @@
               <a:t>Each ligand has </a:t>
             </a:r>
             <a:r>
-              <a:rPr lang="en-US" sz="2800" b="1" dirty="0">
+              <a:rPr lang="en-US" sz="2400" b="1" dirty="0">
                 <a:solidFill>
                   <a:srgbClr val="ED7D31"/>
                 </a:solidFill>
@@ -23308,7 +23960,7 @@
               <a:t>SMILES</a:t>
             </a:r>
             <a:r>
-              <a:rPr lang="en-US" sz="2800" b="1" dirty="0">
+              <a:rPr lang="en-US" sz="2400" b="1" dirty="0">
                 <a:solidFill>
                   <a:schemeClr val="accent4">
                     <a:lumMod val="75000"/>
@@ -23321,12 +23973,12 @@
               <a:t> </a:t>
             </a:r>
             <a:r>
-              <a:rPr lang="en-US" sz="2800" dirty="0">
+              <a:rPr lang="en-US" sz="2400" dirty="0">
                 <a:latin typeface="Calibri" panose="020F0502020204030204" pitchFamily="34" charset="0"/>
                 <a:ea typeface="Calibri" panose="020F0502020204030204" pitchFamily="34" charset="0"/>
                 <a:cs typeface="Calibri" panose="020F0502020204030204" pitchFamily="34" charset="0"/>
               </a:rPr>
-              <a:t>(Simplified Molecular-Input Line-Entry System), a line notation for chemical structure</a:t>
+              <a:t>(Simplified Molecular-Input Line-Entry System), a line notation for chemical structure.</a:t>
             </a:r>
           </a:p>
           <a:p>
@@ -23334,7 +23986,7 @@
               <a:buFont typeface="Arial" panose="020B0604020202020204" pitchFamily="34" charset="0"/>
               <a:buChar char="•"/>
             </a:pPr>
-            <a:endParaRPr lang="en-US" sz="2800" dirty="0">
+            <a:endParaRPr lang="en-US" sz="2400" dirty="0">
               <a:latin typeface="Calibri" panose="020F0502020204030204" pitchFamily="34" charset="0"/>
               <a:ea typeface="Calibri" panose="020F0502020204030204" pitchFamily="34" charset="0"/>
               <a:cs typeface="Calibri" panose="020F0502020204030204" pitchFamily="34" charset="0"/>
@@ -23345,7 +23997,7 @@
               <a:buFont typeface="Arial" panose="020B0604020202020204" pitchFamily="34" charset="0"/>
               <a:buChar char="•"/>
             </a:pPr>
-            <a:endParaRPr lang="en-US" sz="2800" dirty="0">
+            <a:endParaRPr lang="en-US" sz="2400" dirty="0">
               <a:latin typeface="Calibri" panose="020F0502020204030204" pitchFamily="34" charset="0"/>
               <a:ea typeface="Calibri" panose="020F0502020204030204" pitchFamily="34" charset="0"/>
               <a:cs typeface="Calibri" panose="020F0502020204030204" pitchFamily="34" charset="0"/>
@@ -23356,7 +24008,7 @@
               <a:buFont typeface="Arial" panose="020B0604020202020204" pitchFamily="34" charset="0"/>
               <a:buChar char="•"/>
             </a:pPr>
-            <a:endParaRPr lang="en-US" sz="2800" dirty="0">
+            <a:endParaRPr lang="en-US" sz="2400" dirty="0">
               <a:latin typeface="Calibri" panose="020F0502020204030204" pitchFamily="34" charset="0"/>
               <a:ea typeface="Calibri" panose="020F0502020204030204" pitchFamily="34" charset="0"/>
               <a:cs typeface="Calibri" panose="020F0502020204030204" pitchFamily="34" charset="0"/>
@@ -23519,7 +24171,7 @@
           <p:nvPr/>
         </p:nvPicPr>
         <p:blipFill>
-          <a:blip r:embed="rId2"/>
+          <a:blip r:embed="rId3"/>
           <a:stretch>
             <a:fillRect/>
           </a:stretch>
@@ -23559,7 +24211,7 @@
           <p:nvPr/>
         </p:nvPicPr>
         <p:blipFill>
-          <a:blip r:embed="rId3"/>
+          <a:blip r:embed="rId4"/>
           <a:stretch>
             <a:fillRect/>
           </a:stretch>
@@ -23567,7 +24219,7 @@
         <p:spPr>
           <a:xfrm>
             <a:off x="2427667" y="2502897"/>
-            <a:ext cx="2675961" cy="2047692"/>
+            <a:ext cx="2393715" cy="1831712"/>
           </a:xfrm>
           <a:prstGeom prst="rect">
             <a:avLst/>
@@ -23784,8 +24436,8 @@
           </a:p>
         </p:txBody>
       </p:sp>
-      <mc:AlternateContent xmlns:mc="http://schemas.openxmlformats.org/markup-compatibility/2006" xmlns:a14="http://schemas.microsoft.com/office/drawing/2010/main">
-        <mc:Choice Requires="a14">
+      <mc:AlternateContent xmlns:mc="http://schemas.openxmlformats.org/markup-compatibility/2006">
+        <mc:Choice xmlns:a14="http://schemas.microsoft.com/office/drawing/2010/main" Requires="a14">
           <p:sp>
             <p:nvSpPr>
               <p:cNvPr id="9" name="TextBox 8">
@@ -23800,8 +24452,8 @@
             </p:nvSpPr>
             <p:spPr>
               <a:xfrm>
-                <a:off x="3806456" y="528206"/>
-                <a:ext cx="7963786" cy="6140142"/>
+                <a:off x="3806456" y="380999"/>
+                <a:ext cx="7963786" cy="5801588"/>
               </a:xfrm>
               <a:prstGeom prst="rect">
                 <a:avLst/>
@@ -23857,50 +24509,13 @@
                   <a:buChar char="•"/>
                 </a:pPr>
                 <a:r>
-                  <a:rPr lang="en-US" sz="2200" dirty="0" err="1">
-                    <a:latin typeface="Calibri" panose="020F0502020204030204" pitchFamily="34" charset="0"/>
-                    <a:ea typeface="Calibri" panose="020F0502020204030204" pitchFamily="34" charset="0"/>
-                    <a:cs typeface="Calibri" panose="020F0502020204030204" pitchFamily="34" charset="0"/>
-                  </a:rPr>
-                  <a:t>RDKit</a:t>
-                </a:r>
-                <a:r>
                   <a:rPr lang="en-US" sz="2200" dirty="0">
                     <a:latin typeface="Calibri" panose="020F0502020204030204" pitchFamily="34" charset="0"/>
                     <a:ea typeface="Calibri" panose="020F0502020204030204" pitchFamily="34" charset="0"/>
                     <a:cs typeface="Calibri" panose="020F0502020204030204" pitchFamily="34" charset="0"/>
                   </a:rPr>
-                  <a:t> function called Morgan Fingerprints translates 2 millions of molecular structures (SMILES) into counts? </a:t>
+                  <a:t>RDKit function called Morgan Fingerprints translates 2 millions of SMILES into vector counts</a:t>
                 </a:r>
-                <a:r>
-                  <a:rPr lang="en-US" sz="2200">
-                    <a:latin typeface="Calibri" panose="020F0502020204030204" pitchFamily="34" charset="0"/>
-                    <a:ea typeface="Calibri" panose="020F0502020204030204" pitchFamily="34" charset="0"/>
-                    <a:cs typeface="Calibri" panose="020F0502020204030204" pitchFamily="34" charset="0"/>
-                  </a:rPr>
-                  <a:t>[a </a:t>
-                </a:r>
-                <a:r>
-                  <a:rPr lang="en-US" sz="2200" dirty="0">
-                    <a:latin typeface="Calibri" panose="020F0502020204030204" pitchFamily="34" charset="0"/>
-                    <a:ea typeface="Calibri" panose="020F0502020204030204" pitchFamily="34" charset="0"/>
-                    <a:cs typeface="Calibri" panose="020F0502020204030204" pitchFamily="34" charset="0"/>
-                  </a:rPr>
-                  <a:t>binary fragment </a:t>
-                </a:r>
-                <a:r>
-                  <a:rPr lang="en-US" sz="2200">
-                    <a:latin typeface="Calibri" panose="020F0502020204030204" pitchFamily="34" charset="0"/>
-                    <a:ea typeface="Calibri" panose="020F0502020204030204" pitchFamily="34" charset="0"/>
-                    <a:cs typeface="Calibri" panose="020F0502020204030204" pitchFamily="34" charset="0"/>
-                  </a:rPr>
-                  <a:t>descriptors.]</a:t>
-                </a:r>
-                <a:endParaRPr lang="en-US" sz="2200" dirty="0">
-                  <a:latin typeface="Calibri" panose="020F0502020204030204" pitchFamily="34" charset="0"/>
-                  <a:ea typeface="Calibri" panose="020F0502020204030204" pitchFamily="34" charset="0"/>
-                  <a:cs typeface="Calibri" panose="020F0502020204030204" pitchFamily="34" charset="0"/>
-                </a:endParaRPr>
               </a:p>
               <a:p>
                 <a:pPr marL="342900" indent="-342900">
@@ -24097,7 +24712,7 @@
             </p:txBody>
           </p:sp>
         </mc:Choice>
-        <mc:Fallback xmlns="">
+        <mc:Fallback>
           <p:sp>
             <p:nvSpPr>
               <p:cNvPr id="9" name="TextBox 8">
@@ -24114,8 +24729,8 @@
             </p:nvSpPr>
             <p:spPr>
               <a:xfrm>
-                <a:off x="3806456" y="528206"/>
-                <a:ext cx="7963786" cy="6140142"/>
+                <a:off x="3806456" y="380999"/>
+                <a:ext cx="7963786" cy="5801588"/>
               </a:xfrm>
               <a:prstGeom prst="rect">
                 <a:avLst/>
@@ -24123,7 +24738,7 @@
               <a:blipFill>
                 <a:blip r:embed="rId3"/>
                 <a:stretch>
-                  <a:fillRect l="-1530" t="-993" r="-612" b="-993"/>
+                  <a:fillRect l="-1530" t="-945" r="-1454" b="-1155"/>
                 </a:stretch>
               </a:blipFill>
             </p:spPr>
@@ -24177,6 +24792,452 @@
           <p:cNvPr id="2" name="Title 1">
             <a:extLst>
               <a:ext uri="{FF2B5EF4-FFF2-40B4-BE49-F238E27FC236}">
+                <a16:creationId xmlns:a16="http://schemas.microsoft.com/office/drawing/2014/main" id="{E1984695-179E-80B5-2C33-AADE6CCF3781}"/>
+              </a:ext>
+            </a:extLst>
+          </p:cNvPr>
+          <p:cNvSpPr>
+            <a:spLocks noGrp="1"/>
+          </p:cNvSpPr>
+          <p:nvPr>
+            <p:ph type="title"/>
+          </p:nvPr>
+        </p:nvSpPr>
+        <p:spPr>
+          <a:xfrm>
+            <a:off x="392480" y="4128543"/>
+            <a:ext cx="3139440" cy="1325563"/>
+          </a:xfrm>
+        </p:spPr>
+        <p:txBody>
+          <a:bodyPr>
+            <a:normAutofit fontScale="90000"/>
+          </a:bodyPr>
+          <a:lstStyle/>
+          <a:p>
+            <a:r>
+              <a:rPr lang="en-US" dirty="0"/>
+              <a:t>EXPLORATORY DATA ANALYSIS</a:t>
+            </a:r>
+            <a:br>
+              <a:rPr lang="en-US" dirty="0"/>
+            </a:br>
+            <a:r>
+              <a:rPr lang="en-US" dirty="0"/>
+              <a:t>AND DATA WRANGLING</a:t>
+            </a:r>
+          </a:p>
+        </p:txBody>
+      </p:sp>
+      <p:sp>
+        <p:nvSpPr>
+          <p:cNvPr id="4" name="Text Placeholder 3">
+            <a:extLst>
+              <a:ext uri="{FF2B5EF4-FFF2-40B4-BE49-F238E27FC236}">
+                <a16:creationId xmlns:a16="http://schemas.microsoft.com/office/drawing/2014/main" id="{1C803283-D35E-A19E-4580-17CF731FA712}"/>
+              </a:ext>
+            </a:extLst>
+          </p:cNvPr>
+          <p:cNvSpPr>
+            <a:spLocks noGrp="1"/>
+          </p:cNvSpPr>
+          <p:nvPr>
+            <p:ph type="body" sz="quarter" idx="15"/>
+          </p:nvPr>
+        </p:nvSpPr>
+        <p:spPr>
+          <a:xfrm>
+            <a:off x="5332021" y="303911"/>
+            <a:ext cx="6211783" cy="2795549"/>
+          </a:xfrm>
+        </p:spPr>
+        <p:txBody>
+          <a:bodyPr>
+            <a:normAutofit fontScale="92500" lnSpcReduction="10000"/>
+          </a:bodyPr>
+          <a:lstStyle/>
+          <a:p>
+            <a:r>
+              <a:rPr lang="en-US" sz="2600" b="1" dirty="0">
+                <a:solidFill>
+                  <a:srgbClr val="ED7D31"/>
+                </a:solidFill>
+                <a:latin typeface="Calibri" panose="020F0502020204030204" pitchFamily="34" charset="0"/>
+                <a:ea typeface="Calibri" panose="020F0502020204030204" pitchFamily="34" charset="0"/>
+                <a:cs typeface="Calibri" panose="020F0502020204030204" pitchFamily="34" charset="0"/>
+              </a:rPr>
+              <a:t>Probability Density Distribution of Docking Score</a:t>
+            </a:r>
+          </a:p>
+          <a:p>
+            <a:pPr marL="457200" marR="0" lvl="0" indent="-298450" algn="l" defTabSz="914400" rtl="0" eaLnBrk="1" fontAlgn="auto" latinLnBrk="0" hangingPunct="1">
+              <a:lnSpc>
+                <a:spcPct val="100000"/>
+              </a:lnSpc>
+              <a:spcBef>
+                <a:spcPts val="0"/>
+              </a:spcBef>
+              <a:spcAft>
+                <a:spcPts val="0"/>
+              </a:spcAft>
+              <a:buClr>
+                <a:srgbClr val="000000"/>
+              </a:buClr>
+              <a:buSzPts val="1100"/>
+              <a:buFont typeface="Arial"/>
+              <a:buChar char="●"/>
+              <a:tabLst/>
+              <a:defRPr/>
+            </a:pPr>
+            <a:r>
+              <a:rPr kumimoji="0" lang="en-US" sz="2600" b="0" i="0" u="none" strike="noStrike" kern="0" cap="none" spc="0" normalizeH="0" baseline="0" noProof="0" dirty="0">
+                <a:ln>
+                  <a:noFill/>
+                </a:ln>
+                <a:solidFill>
+                  <a:srgbClr val="000000"/>
+                </a:solidFill>
+                <a:effectLst/>
+                <a:uLnTx/>
+                <a:uFillTx/>
+                <a:latin typeface="Calibri" panose="020F0502020204030204" pitchFamily="34" charset="0"/>
+                <a:ea typeface="Calibri" panose="020F0502020204030204" pitchFamily="34" charset="0"/>
+                <a:cs typeface="Calibri" panose="020F0502020204030204" pitchFamily="34" charset="0"/>
+                <a:sym typeface="Arial"/>
+              </a:rPr>
+              <a:t>The histogram of the PDF and kernel density estimation (KDE) which is smoothing for probability density estimation.  </a:t>
+            </a:r>
+          </a:p>
+          <a:p>
+            <a:pPr marL="457200" marR="0" lvl="0" indent="-298450" algn="l" defTabSz="914400" rtl="0" eaLnBrk="1" fontAlgn="auto" latinLnBrk="0" hangingPunct="1">
+              <a:lnSpc>
+                <a:spcPct val="100000"/>
+              </a:lnSpc>
+              <a:spcBef>
+                <a:spcPts val="0"/>
+              </a:spcBef>
+              <a:spcAft>
+                <a:spcPts val="0"/>
+              </a:spcAft>
+              <a:buClr>
+                <a:srgbClr val="000000"/>
+              </a:buClr>
+              <a:buSzPts val="1100"/>
+              <a:buFont typeface="Arial"/>
+              <a:buChar char="●"/>
+              <a:tabLst/>
+              <a:defRPr/>
+            </a:pPr>
+            <a:r>
+              <a:rPr kumimoji="0" lang="en-US" sz="2600" b="0" i="0" u="none" strike="noStrike" kern="0" cap="none" spc="0" normalizeH="0" baseline="0" noProof="0" dirty="0">
+                <a:ln>
+                  <a:noFill/>
+                </a:ln>
+                <a:solidFill>
+                  <a:srgbClr val="000000"/>
+                </a:solidFill>
+                <a:effectLst/>
+                <a:uLnTx/>
+                <a:uFillTx/>
+                <a:latin typeface="Calibri" panose="020F0502020204030204" pitchFamily="34" charset="0"/>
+                <a:ea typeface="Calibri" panose="020F0502020204030204" pitchFamily="34" charset="0"/>
+                <a:cs typeface="Calibri" panose="020F0502020204030204" pitchFamily="34" charset="0"/>
+                <a:sym typeface="Arial"/>
+              </a:rPr>
+              <a:t>The mean of the docking score is -5.829 and standard deviation of 1.477.</a:t>
+            </a:r>
+          </a:p>
+          <a:p>
+            <a:pPr marL="457200" indent="-457200">
+              <a:buFont typeface="Arial" panose="020B0604020202020204" pitchFamily="34" charset="0"/>
+              <a:buChar char="•"/>
+            </a:pPr>
+            <a:endParaRPr lang="en-US" sz="2600" dirty="0">
+              <a:solidFill>
+                <a:srgbClr val="ED7D31"/>
+              </a:solidFill>
+              <a:latin typeface="Calibri" panose="020F0502020204030204" pitchFamily="34" charset="0"/>
+              <a:ea typeface="Calibri" panose="020F0502020204030204" pitchFamily="34" charset="0"/>
+              <a:cs typeface="Calibri" panose="020F0502020204030204" pitchFamily="34" charset="0"/>
+            </a:endParaRPr>
+          </a:p>
+          <a:p>
+            <a:endParaRPr lang="en-US" sz="1800" dirty="0"/>
+          </a:p>
+        </p:txBody>
+      </p:sp>
+      <p:pic>
+        <p:nvPicPr>
+          <p:cNvPr id="11" name="Picture 10">
+            <a:extLst>
+              <a:ext uri="{FF2B5EF4-FFF2-40B4-BE49-F238E27FC236}">
+                <a16:creationId xmlns:a16="http://schemas.microsoft.com/office/drawing/2014/main" id="{7B3FD2CC-BA04-1E77-A059-0D47E35FB3EC}"/>
+              </a:ext>
+            </a:extLst>
+          </p:cNvPr>
+          <p:cNvPicPr>
+            <a:picLocks noChangeAspect="1"/>
+          </p:cNvPicPr>
+          <p:nvPr/>
+        </p:nvPicPr>
+        <p:blipFill>
+          <a:blip r:embed="rId3"/>
+          <a:stretch>
+            <a:fillRect/>
+          </a:stretch>
+        </p:blipFill>
+        <p:spPr>
+          <a:xfrm>
+            <a:off x="392480" y="505792"/>
+            <a:ext cx="4720345" cy="2593668"/>
+          </a:xfrm>
+          <a:prstGeom prst="rect">
+            <a:avLst/>
+          </a:prstGeom>
+          <a:ln>
+            <a:noFill/>
+          </a:ln>
+          <a:effectLst>
+            <a:outerShdw blurRad="292100" dist="139700" dir="2700000" algn="tl" rotWithShape="0">
+              <a:srgbClr val="333333">
+                <a:alpha val="65000"/>
+              </a:srgbClr>
+            </a:outerShdw>
+          </a:effectLst>
+        </p:spPr>
+      </p:pic>
+      <p:sp>
+        <p:nvSpPr>
+          <p:cNvPr id="15" name="TextBox 14">
+            <a:extLst>
+              <a:ext uri="{FF2B5EF4-FFF2-40B4-BE49-F238E27FC236}">
+                <a16:creationId xmlns:a16="http://schemas.microsoft.com/office/drawing/2014/main" id="{D199D359-449D-731E-6933-6C574DD93376}"/>
+              </a:ext>
+            </a:extLst>
+          </p:cNvPr>
+          <p:cNvSpPr txBox="1"/>
+          <p:nvPr/>
+        </p:nvSpPr>
+        <p:spPr>
+          <a:xfrm>
+            <a:off x="5449784" y="2832454"/>
+            <a:ext cx="6097978" cy="4154984"/>
+          </a:xfrm>
+          <a:prstGeom prst="rect">
+            <a:avLst/>
+          </a:prstGeom>
+          <a:noFill/>
+        </p:spPr>
+        <p:txBody>
+          <a:bodyPr wrap="square">
+            <a:spAutoFit/>
+          </a:bodyPr>
+          <a:lstStyle/>
+          <a:p>
+            <a:r>
+              <a:rPr lang="en-US" sz="2400" b="1" dirty="0">
+                <a:solidFill>
+                  <a:srgbClr val="ED7D31"/>
+                </a:solidFill>
+                <a:latin typeface="Calibri" panose="020F0502020204030204" pitchFamily="34" charset="0"/>
+                <a:ea typeface="Calibri" panose="020F0502020204030204" pitchFamily="34" charset="0"/>
+                <a:cs typeface="Calibri" panose="020F0502020204030204" pitchFamily="34" charset="0"/>
+              </a:rPr>
+              <a:t>Morgan2 Fingerprints</a:t>
+            </a:r>
+          </a:p>
+          <a:p>
+            <a:pPr marL="342900" indent="-342900">
+              <a:buFont typeface="Arial" panose="020B0604020202020204" pitchFamily="34" charset="0"/>
+              <a:buChar char="•"/>
+            </a:pPr>
+            <a:r>
+              <a:rPr lang="en-US" sz="2400" dirty="0">
+                <a:latin typeface="Calibri" panose="020F0502020204030204" pitchFamily="34" charset="0"/>
+                <a:ea typeface="Calibri" panose="020F0502020204030204" pitchFamily="34" charset="0"/>
+                <a:cs typeface="Calibri" panose="020F0502020204030204" pitchFamily="34" charset="0"/>
+              </a:rPr>
+              <a:t>RDKit descriptor called Morgan Fingerprints generate count vector and using them to calculate molecular similarity.</a:t>
+            </a:r>
+          </a:p>
+          <a:p>
+            <a:pPr marL="342900" indent="-342900">
+              <a:buFont typeface="Arial" panose="020B0604020202020204" pitchFamily="34" charset="0"/>
+              <a:buChar char="•"/>
+            </a:pPr>
+            <a:r>
+              <a:rPr lang="en-US" sz="2400" dirty="0">
+                <a:latin typeface="Calibri" panose="020F0502020204030204" pitchFamily="34" charset="0"/>
+                <a:ea typeface="Calibri" panose="020F0502020204030204" pitchFamily="34" charset="0"/>
+                <a:cs typeface="Calibri" panose="020F0502020204030204" pitchFamily="34" charset="0"/>
+              </a:rPr>
+              <a:t>count vectors : fpgen.GetCountFingerprint</a:t>
+            </a:r>
+          </a:p>
+          <a:p>
+            <a:pPr marL="342900" indent="-342900">
+              <a:buFont typeface="Arial" panose="020B0604020202020204" pitchFamily="34" charset="0"/>
+              <a:buChar char="•"/>
+            </a:pPr>
+            <a:r>
+              <a:rPr lang="en-US" sz="2400" dirty="0">
+                <a:latin typeface="Calibri" panose="020F0502020204030204" pitchFamily="34" charset="0"/>
+                <a:ea typeface="Calibri" panose="020F0502020204030204" pitchFamily="34" charset="0"/>
+                <a:cs typeface="Calibri" panose="020F0502020204030204" pitchFamily="34" charset="0"/>
+              </a:rPr>
+              <a:t>Each vector of numbers of occurrences of substructures is folded into a vector of 1024 numbers of occurrences of substructures.</a:t>
+            </a:r>
+          </a:p>
+          <a:p>
+            <a:pPr marL="342900" indent="-342900">
+              <a:buFont typeface="Arial" panose="020B0604020202020204" pitchFamily="34" charset="0"/>
+              <a:buChar char="•"/>
+            </a:pPr>
+            <a:endParaRPr lang="en-US" sz="2400" dirty="0">
+              <a:latin typeface="Calibri" panose="020F0502020204030204" pitchFamily="34" charset="0"/>
+              <a:ea typeface="Calibri" panose="020F0502020204030204" pitchFamily="34" charset="0"/>
+              <a:cs typeface="Calibri" panose="020F0502020204030204" pitchFamily="34" charset="0"/>
+            </a:endParaRPr>
+          </a:p>
+          <a:p>
+            <a:pPr marL="342900" indent="-342900">
+              <a:buFont typeface="Arial" panose="020B0604020202020204" pitchFamily="34" charset="0"/>
+              <a:buChar char="•"/>
+            </a:pPr>
+            <a:endParaRPr lang="en-US" sz="2400" dirty="0">
+              <a:latin typeface="Calibri" panose="020F0502020204030204" pitchFamily="34" charset="0"/>
+              <a:ea typeface="Calibri" panose="020F0502020204030204" pitchFamily="34" charset="0"/>
+              <a:cs typeface="Calibri" panose="020F0502020204030204" pitchFamily="34" charset="0"/>
+            </a:endParaRPr>
+          </a:p>
+          <a:p>
+            <a:endParaRPr lang="en-US" sz="2400" b="1" dirty="0">
+              <a:solidFill>
+                <a:srgbClr val="ED7D31"/>
+              </a:solidFill>
+              <a:latin typeface="Calibri" panose="020F0502020204030204" pitchFamily="34" charset="0"/>
+              <a:ea typeface="Calibri" panose="020F0502020204030204" pitchFamily="34" charset="0"/>
+              <a:cs typeface="Calibri" panose="020F0502020204030204" pitchFamily="34" charset="0"/>
+            </a:endParaRPr>
+          </a:p>
+        </p:txBody>
+      </p:sp>
+      <p:pic>
+        <p:nvPicPr>
+          <p:cNvPr id="16" name="Picture 15">
+            <a:extLst>
+              <a:ext uri="{FF2B5EF4-FFF2-40B4-BE49-F238E27FC236}">
+                <a16:creationId xmlns:a16="http://schemas.microsoft.com/office/drawing/2014/main" id="{B3D992C6-5A8F-6BE5-4BB6-797AAA765962}"/>
+              </a:ext>
+            </a:extLst>
+          </p:cNvPr>
+          <p:cNvPicPr>
+            <a:picLocks noChangeAspect="1"/>
+          </p:cNvPicPr>
+          <p:nvPr/>
+        </p:nvPicPr>
+        <p:blipFill>
+          <a:blip r:embed="rId4"/>
+          <a:stretch>
+            <a:fillRect/>
+          </a:stretch>
+        </p:blipFill>
+        <p:spPr>
+          <a:xfrm>
+            <a:off x="5752735" y="5842644"/>
+            <a:ext cx="3921695" cy="812261"/>
+          </a:xfrm>
+          <a:prstGeom prst="rect">
+            <a:avLst/>
+          </a:prstGeom>
+          <a:ln>
+            <a:noFill/>
+          </a:ln>
+          <a:effectLst>
+            <a:outerShdw blurRad="292100" dist="139700" dir="2700000" algn="tl" rotWithShape="0">
+              <a:srgbClr val="333333">
+                <a:alpha val="65000"/>
+              </a:srgbClr>
+            </a:outerShdw>
+          </a:effectLst>
+        </p:spPr>
+      </p:pic>
+      <p:cxnSp>
+        <p:nvCxnSpPr>
+          <p:cNvPr id="18" name="Straight Connector 17">
+            <a:extLst>
+              <a:ext uri="{FF2B5EF4-FFF2-40B4-BE49-F238E27FC236}">
+                <a16:creationId xmlns:a16="http://schemas.microsoft.com/office/drawing/2014/main" id="{508CAE6B-A7E8-5D9A-F4F7-AC4D1549FA56}"/>
+              </a:ext>
+            </a:extLst>
+          </p:cNvPr>
+          <p:cNvCxnSpPr>
+            <a:cxnSpLocks/>
+          </p:cNvCxnSpPr>
+          <p:nvPr/>
+        </p:nvCxnSpPr>
+        <p:spPr>
+          <a:xfrm>
+            <a:off x="1864426" y="831273"/>
+            <a:ext cx="0" cy="2001181"/>
+          </a:xfrm>
+          <a:prstGeom prst="line">
+            <a:avLst/>
+          </a:prstGeom>
+          <a:ln>
+            <a:prstDash val="dash"/>
+          </a:ln>
+        </p:spPr>
+        <p:style>
+          <a:lnRef idx="2">
+            <a:schemeClr val="accent2"/>
+          </a:lnRef>
+          <a:fillRef idx="0">
+            <a:schemeClr val="accent2"/>
+          </a:fillRef>
+          <a:effectRef idx="1">
+            <a:schemeClr val="accent2"/>
+          </a:effectRef>
+          <a:fontRef idx="minor">
+            <a:schemeClr val="tx1"/>
+          </a:fontRef>
+        </p:style>
+      </p:cxnSp>
+    </p:spTree>
+    <p:extLst>
+      <p:ext uri="{BB962C8B-B14F-4D97-AF65-F5344CB8AC3E}">
+        <p14:creationId xmlns:p14="http://schemas.microsoft.com/office/powerpoint/2010/main" val="2610845337"/>
+      </p:ext>
+    </p:extLst>
+  </p:cSld>
+  <p:clrMapOvr>
+    <a:masterClrMapping/>
+  </p:clrMapOvr>
+</p:sld>
+</file>
+
+<file path=ppt/slides/slide9.xml><?xml version="1.0" encoding="utf-8"?>
+<p:sld xmlns:a="http://schemas.openxmlformats.org/drawingml/2006/main" xmlns:r="http://schemas.openxmlformats.org/officeDocument/2006/relationships" xmlns:p="http://schemas.openxmlformats.org/presentationml/2006/main">
+  <p:cSld>
+    <p:spTree>
+      <p:nvGrpSpPr>
+        <p:cNvPr id="1" name=""/>
+        <p:cNvGrpSpPr/>
+        <p:nvPr/>
+      </p:nvGrpSpPr>
+      <p:grpSpPr>
+        <a:xfrm>
+          <a:off x="0" y="0"/>
+          <a:ext cx="0" cy="0"/>
+          <a:chOff x="0" y="0"/>
+          <a:chExt cx="0" cy="0"/>
+        </a:xfrm>
+      </p:grpSpPr>
+      <p:sp>
+        <p:nvSpPr>
+          <p:cNvPr id="2" name="Title 1">
+            <a:extLst>
+              <a:ext uri="{FF2B5EF4-FFF2-40B4-BE49-F238E27FC236}">
                 <a16:creationId xmlns:a16="http://schemas.microsoft.com/office/drawing/2014/main" id="{D85C271D-AD98-DC98-55AA-36C93AFA4982}"/>
               </a:ext>
             </a:extLst>
@@ -24202,13 +25263,13 @@
           <a:p>
             <a:r>
               <a:rPr lang="en-US" sz="3200" dirty="0"/>
-              <a:t>PREDICTIVE MODELS(1)</a:t>
+              <a:t>PREDICTIVE MODELS(BART)</a:t>
             </a:r>
           </a:p>
         </p:txBody>
       </p:sp>
-      <mc:AlternateContent xmlns:mc="http://schemas.openxmlformats.org/markup-compatibility/2006" xmlns:a14="http://schemas.microsoft.com/office/drawing/2010/main">
-        <mc:Choice Requires="a14">
+      <mc:AlternateContent xmlns:mc="http://schemas.openxmlformats.org/markup-compatibility/2006">
+        <mc:Choice xmlns:a14="http://schemas.microsoft.com/office/drawing/2010/main" Requires="a14">
           <p:sp>
             <p:nvSpPr>
               <p:cNvPr id="4" name="Text Placeholder 3">
@@ -24875,7 +25936,7 @@
             </p:txBody>
           </p:sp>
         </mc:Choice>
-        <mc:Fallback xmlns="">
+        <mc:Fallback>
           <p:sp>
             <p:nvSpPr>
               <p:cNvPr id="4" name="Text Placeholder 3">
@@ -25001,7 +26062,7 @@
             <a:fld id="{B5CEABB6-07DC-46E8-9B57-56EC44A396E5}" type="slidenum">
               <a:rPr lang="en-US" smtClean="0"/>
               <a:pPr/>
-              <a:t>8</a:t>
+              <a:t>9</a:t>
             </a:fld>
             <a:endParaRPr lang="en-US" dirty="0"/>
           </a:p>
@@ -25011,206 +26072,6 @@
     <p:extLst>
       <p:ext uri="{BB962C8B-B14F-4D97-AF65-F5344CB8AC3E}">
         <p14:creationId xmlns:p14="http://schemas.microsoft.com/office/powerpoint/2010/main" val="4076319507"/>
-      </p:ext>
-    </p:extLst>
-  </p:cSld>
-  <p:clrMapOvr>
-    <a:masterClrMapping/>
-  </p:clrMapOvr>
-</p:sld>
-</file>
-
-<file path=ppt/slides/slide9.xml><?xml version="1.0" encoding="utf-8"?>
-<p:sld xmlns:a="http://schemas.openxmlformats.org/drawingml/2006/main" xmlns:r="http://schemas.openxmlformats.org/officeDocument/2006/relationships" xmlns:p="http://schemas.openxmlformats.org/presentationml/2006/main">
-  <p:cSld>
-    <p:spTree>
-      <p:nvGrpSpPr>
-        <p:cNvPr id="1" name=""/>
-        <p:cNvGrpSpPr/>
-        <p:nvPr/>
-      </p:nvGrpSpPr>
-      <p:grpSpPr>
-        <a:xfrm>
-          <a:off x="0" y="0"/>
-          <a:ext cx="0" cy="0"/>
-          <a:chOff x="0" y="0"/>
-          <a:chExt cx="0" cy="0"/>
-        </a:xfrm>
-      </p:grpSpPr>
-      <p:sp>
-        <p:nvSpPr>
-          <p:cNvPr id="2" name="Title 1">
-            <a:extLst>
-              <a:ext uri="{FF2B5EF4-FFF2-40B4-BE49-F238E27FC236}">
-                <a16:creationId xmlns:a16="http://schemas.microsoft.com/office/drawing/2014/main" id="{D85C271D-AD98-DC98-55AA-36C93AFA4982}"/>
-              </a:ext>
-            </a:extLst>
-          </p:cNvPr>
-          <p:cNvSpPr>
-            <a:spLocks noGrp="1"/>
-          </p:cNvSpPr>
-          <p:nvPr>
-            <p:ph type="title"/>
-          </p:nvPr>
-        </p:nvSpPr>
-        <p:spPr>
-          <a:xfrm>
-            <a:off x="590550" y="4156405"/>
-            <a:ext cx="4057650" cy="1325563"/>
-          </a:xfrm>
-        </p:spPr>
-        <p:txBody>
-          <a:bodyPr>
-            <a:normAutofit/>
-          </a:bodyPr>
-          <a:lstStyle/>
-          <a:p>
-            <a:r>
-              <a:rPr lang="en-US" sz="3200" dirty="0"/>
-              <a:t>PREDICTIVE MODELS(2)</a:t>
-            </a:r>
-          </a:p>
-        </p:txBody>
-      </p:sp>
-      <p:sp>
-        <p:nvSpPr>
-          <p:cNvPr id="4" name="Text Placeholder 3">
-            <a:extLst>
-              <a:ext uri="{FF2B5EF4-FFF2-40B4-BE49-F238E27FC236}">
-                <a16:creationId xmlns:a16="http://schemas.microsoft.com/office/drawing/2014/main" id="{265260DC-9BA5-7CB7-153F-7BE152E6A320}"/>
-              </a:ext>
-            </a:extLst>
-          </p:cNvPr>
-          <p:cNvSpPr>
-            <a:spLocks noGrp="1"/>
-          </p:cNvSpPr>
-          <p:nvPr>
-            <p:ph type="body" sz="quarter" idx="13"/>
-          </p:nvPr>
-        </p:nvSpPr>
-        <p:spPr>
-          <a:xfrm>
-            <a:off x="5940635" y="380999"/>
-            <a:ext cx="5413164" cy="5629275"/>
-          </a:xfrm>
-        </p:spPr>
-        <p:txBody>
-          <a:bodyPr>
-            <a:normAutofit/>
-          </a:bodyPr>
-          <a:lstStyle/>
-          <a:p>
-            <a:endParaRPr lang="en-US" sz="2400" baseline="30000" dirty="0">
-              <a:latin typeface="Calibri" panose="020F0502020204030204" pitchFamily="34" charset="0"/>
-              <a:ea typeface="Calibri" panose="020F0502020204030204" pitchFamily="34" charset="0"/>
-              <a:cs typeface="Calibri" panose="020F0502020204030204" pitchFamily="34" charset="0"/>
-            </a:endParaRPr>
-          </a:p>
-          <a:p>
-            <a:pPr marL="457200" indent="-457200">
-              <a:buFont typeface="Arial" panose="020B0604020202020204" pitchFamily="34" charset="0"/>
-              <a:buChar char="•"/>
-            </a:pPr>
-            <a:endParaRPr lang="en-US" sz="2400" dirty="0">
-              <a:latin typeface="Calibri" panose="020F0502020204030204" pitchFamily="34" charset="0"/>
-              <a:ea typeface="Calibri" panose="020F0502020204030204" pitchFamily="34" charset="0"/>
-              <a:cs typeface="Calibri" panose="020F0502020204030204" pitchFamily="34" charset="0"/>
-            </a:endParaRPr>
-          </a:p>
-        </p:txBody>
-      </p:sp>
-      <p:sp>
-        <p:nvSpPr>
-          <p:cNvPr id="11" name="Date Placeholder 10">
-            <a:extLst>
-              <a:ext uri="{FF2B5EF4-FFF2-40B4-BE49-F238E27FC236}">
-                <a16:creationId xmlns:a16="http://schemas.microsoft.com/office/drawing/2014/main" id="{6706FF30-0C9B-FD68-79FA-318BCCF0E8A6}"/>
-              </a:ext>
-            </a:extLst>
-          </p:cNvPr>
-          <p:cNvSpPr>
-            <a:spLocks noGrp="1"/>
-          </p:cNvSpPr>
-          <p:nvPr>
-            <p:ph type="dt" sz="half" idx="20"/>
-          </p:nvPr>
-        </p:nvSpPr>
-        <p:spPr/>
-        <p:txBody>
-          <a:bodyPr/>
-          <a:lstStyle/>
-          <a:p>
-            <a:r>
-              <a:rPr lang="en-US"/>
-              <a:t>20XX</a:t>
-            </a:r>
-            <a:endParaRPr lang="en-US" dirty="0"/>
-          </a:p>
-        </p:txBody>
-      </p:sp>
-      <p:sp>
-        <p:nvSpPr>
-          <p:cNvPr id="12" name="Footer Placeholder 11">
-            <a:extLst>
-              <a:ext uri="{FF2B5EF4-FFF2-40B4-BE49-F238E27FC236}">
-                <a16:creationId xmlns:a16="http://schemas.microsoft.com/office/drawing/2014/main" id="{37AB3F49-B0E5-B403-51C4-8D852D2DEBB1}"/>
-              </a:ext>
-            </a:extLst>
-          </p:cNvPr>
-          <p:cNvSpPr>
-            <a:spLocks noGrp="1"/>
-          </p:cNvSpPr>
-          <p:nvPr>
-            <p:ph type="ftr" sz="quarter" idx="21"/>
-          </p:nvPr>
-        </p:nvSpPr>
-        <p:spPr/>
-        <p:txBody>
-          <a:bodyPr/>
-          <a:lstStyle/>
-          <a:p>
-            <a:r>
-              <a:rPr lang="en-US"/>
-              <a:t>Pitch Deck</a:t>
-            </a:r>
-            <a:endParaRPr lang="en-US" dirty="0"/>
-          </a:p>
-        </p:txBody>
-      </p:sp>
-      <p:sp>
-        <p:nvSpPr>
-          <p:cNvPr id="13" name="Slide Number Placeholder 12">
-            <a:extLst>
-              <a:ext uri="{FF2B5EF4-FFF2-40B4-BE49-F238E27FC236}">
-                <a16:creationId xmlns:a16="http://schemas.microsoft.com/office/drawing/2014/main" id="{E7F5E5EF-C8F5-DB8D-982E-F2A1ACA3B374}"/>
-              </a:ext>
-            </a:extLst>
-          </p:cNvPr>
-          <p:cNvSpPr>
-            <a:spLocks noGrp="1"/>
-          </p:cNvSpPr>
-          <p:nvPr>
-            <p:ph type="sldNum" sz="quarter" idx="22"/>
-          </p:nvPr>
-        </p:nvSpPr>
-        <p:spPr/>
-        <p:txBody>
-          <a:bodyPr/>
-          <a:lstStyle/>
-          <a:p>
-            <a:fld id="{B5CEABB6-07DC-46E8-9B57-56EC44A396E5}" type="slidenum">
-              <a:rPr lang="en-US" smtClean="0"/>
-              <a:pPr/>
-              <a:t>9</a:t>
-            </a:fld>
-            <a:endParaRPr lang="en-US" dirty="0"/>
-          </a:p>
-        </p:txBody>
-      </p:sp>
-    </p:spTree>
-    <p:extLst>
-      <p:ext uri="{BB962C8B-B14F-4D97-AF65-F5344CB8AC3E}">
-        <p14:creationId xmlns:p14="http://schemas.microsoft.com/office/powerpoint/2010/main" val="2615644293"/>
       </p:ext>
     </p:extLst>
   </p:cSld>
@@ -25788,6 +26649,23 @@
 </file>
 
 <file path=customXml/item1.xml><?xml version="1.0" encoding="utf-8"?>
+<?mso-contentType ?>
+<FormTemplates xmlns="http://schemas.microsoft.com/sharepoint/v3/contenttype/forms">
+  <Display>DocumentLibraryForm</Display>
+  <Edit>DocumentLibraryForm</Edit>
+  <New>DocumentLibraryForm</New>
+</FormTemplates>
+</file>
+
+<file path=customXml/item2.xml><?xml version="1.0" encoding="utf-8"?>
+<p:properties xmlns:p="http://schemas.microsoft.com/office/2006/metadata/properties" xmlns:xsi="http://www.w3.org/2001/XMLSchema-instance" xmlns:pc="http://schemas.microsoft.com/office/infopath/2007/PartnerControls">
+  <documentManagement>
+    <_activity xmlns="dcf8c7ea-8979-425e-9107-dbe95dd2bede" xsi:nil="true"/>
+  </documentManagement>
+</p:properties>
+</file>
+
+<file path=customXml/item3.xml><?xml version="1.0" encoding="utf-8"?>
 <ct:contentTypeSchema xmlns:ct="http://schemas.microsoft.com/office/2006/metadata/contentType" xmlns:ma="http://schemas.microsoft.com/office/2006/metadata/properties/metaAttributes" ct:_="" ma:_="" ma:contentTypeName="Document" ma:contentTypeID="0x0101006B4EB9A1DE34CB4395B7D6BC42E8041B" ma:contentTypeVersion="14" ma:contentTypeDescription="Create a new document." ma:contentTypeScope="" ma:versionID="fbc580a832dbdd46b25dd0862b65270b">
   <xsd:schema xmlns:xsd="http://www.w3.org/2001/XMLSchema" xmlns:xs="http://www.w3.org/2001/XMLSchema" xmlns:p="http://schemas.microsoft.com/office/2006/metadata/properties" xmlns:ns3="dcf8c7ea-8979-425e-9107-dbe95dd2bede" xmlns:ns4="4ca7e4a4-a813-45c1-ac53-ad3fa1a0367c" targetNamespace="http://schemas.microsoft.com/office/2006/metadata/properties" ma:root="true" ma:fieldsID="2012d5dd7a7c3e8e8da3c0dcf30bee31" ns3:_="" ns4:_="">
     <xsd:import namespace="dcf8c7ea-8979-425e-9107-dbe95dd2bede"/>
@@ -26014,38 +26892,10 @@
 </ct:contentTypeSchema>
 </file>
 
-<file path=customXml/item2.xml><?xml version="1.0" encoding="utf-8"?>
-<p:properties xmlns:p="http://schemas.microsoft.com/office/2006/metadata/properties" xmlns:xsi="http://www.w3.org/2001/XMLSchema-instance" xmlns:pc="http://schemas.microsoft.com/office/infopath/2007/PartnerControls">
-  <documentManagement>
-    <_activity xmlns="dcf8c7ea-8979-425e-9107-dbe95dd2bede" xsi:nil="true"/>
-  </documentManagement>
-</p:properties>
-</file>
-
-<file path=customXml/item3.xml><?xml version="1.0" encoding="utf-8"?>
-<?mso-contentType ?>
-<FormTemplates xmlns="http://schemas.microsoft.com/sharepoint/v3/contenttype/forms">
-  <Display>DocumentLibraryForm</Display>
-  <Edit>DocumentLibraryForm</Edit>
-  <New>DocumentLibraryForm</New>
-</FormTemplates>
-</file>
-
 <file path=customXml/itemProps1.xml><?xml version="1.0" encoding="utf-8"?>
-<ds:datastoreItem xmlns:ds="http://schemas.openxmlformats.org/officeDocument/2006/customXml" ds:itemID="{B83122D4-AF33-4305-9E2A-BDAD9BDC769F}">
+<ds:datastoreItem xmlns:ds="http://schemas.openxmlformats.org/officeDocument/2006/customXml" ds:itemID="{E88ECB35-CF0B-49A7-8960-7E6284D92555}">
   <ds:schemaRefs>
-    <ds:schemaRef ds:uri="http://schemas.microsoft.com/office/2006/metadata/contentType"/>
-    <ds:schemaRef ds:uri="http://schemas.microsoft.com/office/2006/metadata/properties/metaAttributes"/>
-    <ds:schemaRef ds:uri="http://www.w3.org/2001/XMLSchema"/>
-    <ds:schemaRef ds:uri="http://schemas.microsoft.com/office/2006/metadata/properties"/>
-    <ds:schemaRef ds:uri="dcf8c7ea-8979-425e-9107-dbe95dd2bede"/>
-    <ds:schemaRef ds:uri="4ca7e4a4-a813-45c1-ac53-ad3fa1a0367c"/>
-    <ds:schemaRef ds:uri="http://schemas.microsoft.com/office/2006/documentManagement/types"/>
-    <ds:schemaRef ds:uri="http://schemas.microsoft.com/office/infopath/2007/PartnerControls"/>
-    <ds:schemaRef ds:uri="http://schemas.openxmlformats.org/package/2006/metadata/core-properties"/>
-    <ds:schemaRef ds:uri="http://purl.org/dc/elements/1.1/"/>
-    <ds:schemaRef ds:uri="http://purl.org/dc/terms/"/>
-    <ds:schemaRef ds:uri="http://schemas.microsoft.com/internal/obd"/>
+    <ds:schemaRef ds:uri="http://schemas.microsoft.com/sharepoint/v3/contenttype/forms"/>
   </ds:schemaRefs>
 </ds:datastoreItem>
 </file>
@@ -26068,9 +26918,20 @@
 </file>
 
 <file path=customXml/itemProps3.xml><?xml version="1.0" encoding="utf-8"?>
-<ds:datastoreItem xmlns:ds="http://schemas.openxmlformats.org/officeDocument/2006/customXml" ds:itemID="{E88ECB35-CF0B-49A7-8960-7E6284D92555}">
+<ds:datastoreItem xmlns:ds="http://schemas.openxmlformats.org/officeDocument/2006/customXml" ds:itemID="{B83122D4-AF33-4305-9E2A-BDAD9BDC769F}">
   <ds:schemaRefs>
-    <ds:schemaRef ds:uri="http://schemas.microsoft.com/sharepoint/v3/contenttype/forms"/>
+    <ds:schemaRef ds:uri="http://schemas.microsoft.com/office/2006/metadata/contentType"/>
+    <ds:schemaRef ds:uri="http://schemas.microsoft.com/office/2006/metadata/properties/metaAttributes"/>
+    <ds:schemaRef ds:uri="http://www.w3.org/2001/XMLSchema"/>
+    <ds:schemaRef ds:uri="http://schemas.microsoft.com/office/2006/metadata/properties"/>
+    <ds:schemaRef ds:uri="dcf8c7ea-8979-425e-9107-dbe95dd2bede"/>
+    <ds:schemaRef ds:uri="4ca7e4a4-a813-45c1-ac53-ad3fa1a0367c"/>
+    <ds:schemaRef ds:uri="http://schemas.microsoft.com/office/2006/documentManagement/types"/>
+    <ds:schemaRef ds:uri="http://schemas.microsoft.com/office/infopath/2007/PartnerControls"/>
+    <ds:schemaRef ds:uri="http://schemas.openxmlformats.org/package/2006/metadata/core-properties"/>
+    <ds:schemaRef ds:uri="http://purl.org/dc/elements/1.1/"/>
+    <ds:schemaRef ds:uri="http://purl.org/dc/terms/"/>
+    <ds:schemaRef ds:uri="http://schemas.microsoft.com/internal/obd"/>
   </ds:schemaRefs>
 </ds:datastoreItem>
 </file>